--- a/国美互联网PPT答辩模版.pptx
+++ b/国美互联网PPT答辩模版.pptx
@@ -4112,7 +4112,7 @@
         <p:spPr/>
         <p:txBody>
           <a:bodyPr>
-            <a:normAutofit lnSpcReduction="20000"/>
+            <a:normAutofit fontScale="90000" lnSpcReduction="20000"/>
           </a:bodyPr>
           <a:lstStyle/>
           <a:p>
@@ -4238,6 +4238,13 @@
               <a:t>服务端知识</a:t>
             </a:r>
             <a:endParaRPr dirty="0"/>
+          </a:p>
+          <a:p>
+            <a:r>
+              <a:rPr lang="en-US" altLang="zh-CN" dirty="0"/>
+              <a:t>tishengjishuyingxiangli</a:t>
+            </a:r>
+            <a:endParaRPr lang="en-US" altLang="zh-CN" dirty="0"/>
           </a:p>
         </p:txBody>
       </p:sp>

--- a/国美互联网PPT答辩模版.pptx
+++ b/国美互联网PPT答辩模版.pptx
@@ -5,25 +5,29 @@
     <p:sldMasterId id="2147483648" r:id="rId1"/>
   </p:sldMasterIdLst>
   <p:notesMasterIdLst>
-    <p:notesMasterId r:id="rId16"/>
+    <p:notesMasterId r:id="rId19"/>
   </p:notesMasterIdLst>
   <p:handoutMasterIdLst>
-    <p:handoutMasterId r:id="rId17"/>
+    <p:handoutMasterId r:id="rId20"/>
   </p:handoutMasterIdLst>
   <p:sldIdLst>
-    <p:sldId id="273" r:id="rId3"/>
-    <p:sldId id="274" r:id="rId4"/>
-    <p:sldId id="275" r:id="rId5"/>
-    <p:sldId id="281" r:id="rId6"/>
-    <p:sldId id="276" r:id="rId7"/>
-    <p:sldId id="278" r:id="rId8"/>
-    <p:sldId id="282" r:id="rId9"/>
-    <p:sldId id="283" r:id="rId10"/>
+    <p:sldId id="273" r:id="rId2"/>
+    <p:sldId id="274" r:id="rId3"/>
+    <p:sldId id="275" r:id="rId4"/>
+    <p:sldId id="276" r:id="rId5"/>
+    <p:sldId id="288" r:id="rId6"/>
+    <p:sldId id="278" r:id="rId7"/>
+    <p:sldId id="282" r:id="rId8"/>
+    <p:sldId id="283" r:id="rId9"/>
+    <p:sldId id="289" r:id="rId10"/>
     <p:sldId id="284" r:id="rId11"/>
     <p:sldId id="285" r:id="rId12"/>
     <p:sldId id="286" r:id="rId13"/>
-    <p:sldId id="287" r:id="rId14"/>
-    <p:sldId id="277" r:id="rId15"/>
+    <p:sldId id="290" r:id="rId14"/>
+    <p:sldId id="291" r:id="rId15"/>
+    <p:sldId id="293" r:id="rId16"/>
+    <p:sldId id="287" r:id="rId17"/>
+    <p:sldId id="277" r:id="rId18"/>
   </p:sldIdLst>
   <p:sldSz cx="9144000" cy="5143500" type="screen16x9"/>
   <p:notesSz cx="6858000" cy="9144000"/>
@@ -122,7 +126,1009 @@
       </a:defRPr>
     </a:lvl9pPr>
   </p:defaultTextStyle>
+  <p:extLst>
+    <p:ext uri="{EFAFB233-063F-42B5-8137-9DF3F51BA10A}">
+      <p15:sldGuideLst xmlns:p15="http://schemas.microsoft.com/office/powerpoint/2012/main">
+        <p15:guide id="1" orient="horz" pos="1595">
+          <p15:clr>
+            <a:srgbClr val="A4A3A4"/>
+          </p15:clr>
+        </p15:guide>
+        <p15:guide id="2" pos="2800">
+          <p15:clr>
+            <a:srgbClr val="A4A3A4"/>
+          </p15:clr>
+        </p15:guide>
+      </p15:sldGuideLst>
+    </p:ext>
+  </p:extLst>
 </p:presentation>
+</file>
+
+<file path=ppt/charts/chart1.xml><?xml version="1.0" encoding="utf-8"?>
+<c:chartSpace xmlns:c="http://schemas.openxmlformats.org/drawingml/2006/chart" xmlns:a="http://schemas.openxmlformats.org/drawingml/2006/main" xmlns:r="http://schemas.openxmlformats.org/officeDocument/2006/relationships" xmlns:c16r2="http://schemas.microsoft.com/office/drawing/2015/06/chart">
+  <c:date1904 val="0"/>
+  <c:lang val="zh-CN"/>
+  <c:roundedCorners val="0"/>
+  <mc:AlternateContent xmlns:mc="http://schemas.openxmlformats.org/markup-compatibility/2006">
+    <mc:Choice xmlns:c14="http://schemas.microsoft.com/office/drawing/2007/8/2/chart" Requires="c14">
+      <c14:style val="102"/>
+    </mc:Choice>
+    <mc:Fallback>
+      <c:style val="2"/>
+    </mc:Fallback>
+  </mc:AlternateContent>
+  <c:chart>
+    <c:autoTitleDeleted val="0"/>
+    <c:plotArea>
+      <c:layout/>
+      <c:barChart>
+        <c:barDir val="col"/>
+        <c:grouping val="clustered"/>
+        <c:varyColors val="0"/>
+        <c:ser>
+          <c:idx val="0"/>
+          <c:order val="0"/>
+          <c:tx>
+            <c:strRef>
+              <c:f>工作表1!$B$1</c:f>
+              <c:strCache>
+                <c:ptCount val="1"/>
+                <c:pt idx="0">
+                  <c:v>before</c:v>
+                </c:pt>
+              </c:strCache>
+            </c:strRef>
+          </c:tx>
+          <c:spPr>
+            <a:gradFill rotWithShape="1">
+              <a:gsLst>
+                <a:gs pos="0">
+                  <a:schemeClr val="accent1">
+                    <a:shade val="51000"/>
+                    <a:satMod val="130000"/>
+                  </a:schemeClr>
+                </a:gs>
+                <a:gs pos="80000">
+                  <a:schemeClr val="accent1">
+                    <a:shade val="93000"/>
+                    <a:satMod val="130000"/>
+                  </a:schemeClr>
+                </a:gs>
+                <a:gs pos="100000">
+                  <a:schemeClr val="accent1">
+                    <a:shade val="94000"/>
+                    <a:satMod val="135000"/>
+                  </a:schemeClr>
+                </a:gs>
+              </a:gsLst>
+              <a:lin ang="16200000" scaled="0"/>
+            </a:gradFill>
+            <a:ln>
+              <a:noFill/>
+            </a:ln>
+            <a:effectLst>
+              <a:outerShdw blurRad="40000" dist="23000" dir="5400000" rotWithShape="0">
+                <a:srgbClr val="000000">
+                  <a:alpha val="35000"/>
+                </a:srgbClr>
+              </a:outerShdw>
+            </a:effectLst>
+          </c:spPr>
+          <c:invertIfNegative val="0"/>
+          <c:cat>
+            <c:strRef>
+              <c:f>工作表1!$A$2:$A$12</c:f>
+              <c:strCache>
+                <c:ptCount val="11"/>
+                <c:pt idx="0">
+                  <c:v>Git</c:v>
+                </c:pt>
+                <c:pt idx="1">
+                  <c:v>Vue</c:v>
+                </c:pt>
+                <c:pt idx="2">
+                  <c:v>Es6</c:v>
+                </c:pt>
+                <c:pt idx="3">
+                  <c:v>nodejs</c:v>
+                </c:pt>
+                <c:pt idx="4">
+                  <c:v>设计模式</c:v>
+                </c:pt>
+                <c:pt idx="5">
+                  <c:v>others</c:v>
+                </c:pt>
+                <c:pt idx="6">
+                  <c:v>webpack</c:v>
+                </c:pt>
+                <c:pt idx="7">
+                  <c:v>html</c:v>
+                </c:pt>
+                <c:pt idx="8">
+                  <c:v>css</c:v>
+                </c:pt>
+                <c:pt idx="9">
+                  <c:v>博客100+</c:v>
+                </c:pt>
+                <c:pt idx="10">
+                  <c:v>github20+</c:v>
+                </c:pt>
+              </c:strCache>
+            </c:strRef>
+          </c:cat>
+          <c:val>
+            <c:numRef>
+              <c:f>工作表1!$B$2:$B$12</c:f>
+              <c:numCache>
+                <c:formatCode>General</c:formatCode>
+                <c:ptCount val="11"/>
+                <c:pt idx="0">
+                  <c:v>0.03</c:v>
+                </c:pt>
+                <c:pt idx="1">
+                  <c:v>0.1</c:v>
+                </c:pt>
+                <c:pt idx="2">
+                  <c:v>0.1</c:v>
+                </c:pt>
+                <c:pt idx="3">
+                  <c:v>0.06</c:v>
+                </c:pt>
+                <c:pt idx="4">
+                  <c:v>0.2</c:v>
+                </c:pt>
+                <c:pt idx="5">
+                  <c:v>0.03</c:v>
+                </c:pt>
+                <c:pt idx="6">
+                  <c:v>0.2</c:v>
+                </c:pt>
+                <c:pt idx="7">
+                  <c:v>0.5</c:v>
+                </c:pt>
+                <c:pt idx="8">
+                  <c:v>0.5</c:v>
+                </c:pt>
+                <c:pt idx="9">
+                  <c:v>0.4</c:v>
+                </c:pt>
+                <c:pt idx="10">
+                  <c:v>0.2</c:v>
+                </c:pt>
+              </c:numCache>
+            </c:numRef>
+          </c:val>
+          <c:extLst>
+            <c:ext xmlns:c16="http://schemas.microsoft.com/office/drawing/2014/chart" uri="{C3380CC4-5D6E-409C-BE32-E72D297353CC}">
+              <c16:uniqueId val="{00000000-1D91-4851-AB86-D8A0006124F0}"/>
+            </c:ext>
+          </c:extLst>
+        </c:ser>
+        <c:ser>
+          <c:idx val="1"/>
+          <c:order val="1"/>
+          <c:tx>
+            <c:strRef>
+              <c:f>工作表1!$C$1</c:f>
+              <c:strCache>
+                <c:ptCount val="1"/>
+                <c:pt idx="0">
+                  <c:v>after</c:v>
+                </c:pt>
+              </c:strCache>
+            </c:strRef>
+          </c:tx>
+          <c:spPr>
+            <a:gradFill rotWithShape="1">
+              <a:gsLst>
+                <a:gs pos="0">
+                  <a:schemeClr val="accent2">
+                    <a:shade val="51000"/>
+                    <a:satMod val="130000"/>
+                  </a:schemeClr>
+                </a:gs>
+                <a:gs pos="80000">
+                  <a:schemeClr val="accent2">
+                    <a:shade val="93000"/>
+                    <a:satMod val="130000"/>
+                  </a:schemeClr>
+                </a:gs>
+                <a:gs pos="100000">
+                  <a:schemeClr val="accent2">
+                    <a:shade val="94000"/>
+                    <a:satMod val="135000"/>
+                  </a:schemeClr>
+                </a:gs>
+              </a:gsLst>
+              <a:lin ang="16200000" scaled="0"/>
+            </a:gradFill>
+            <a:ln>
+              <a:noFill/>
+            </a:ln>
+            <a:effectLst>
+              <a:outerShdw blurRad="40000" dist="23000" dir="5400000" rotWithShape="0">
+                <a:srgbClr val="000000">
+                  <a:alpha val="35000"/>
+                </a:srgbClr>
+              </a:outerShdw>
+            </a:effectLst>
+          </c:spPr>
+          <c:invertIfNegative val="0"/>
+          <c:cat>
+            <c:strRef>
+              <c:f>工作表1!$A$2:$A$12</c:f>
+              <c:strCache>
+                <c:ptCount val="11"/>
+                <c:pt idx="0">
+                  <c:v>Git</c:v>
+                </c:pt>
+                <c:pt idx="1">
+                  <c:v>Vue</c:v>
+                </c:pt>
+                <c:pt idx="2">
+                  <c:v>Es6</c:v>
+                </c:pt>
+                <c:pt idx="3">
+                  <c:v>nodejs</c:v>
+                </c:pt>
+                <c:pt idx="4">
+                  <c:v>设计模式</c:v>
+                </c:pt>
+                <c:pt idx="5">
+                  <c:v>others</c:v>
+                </c:pt>
+                <c:pt idx="6">
+                  <c:v>webpack</c:v>
+                </c:pt>
+                <c:pt idx="7">
+                  <c:v>html</c:v>
+                </c:pt>
+                <c:pt idx="8">
+                  <c:v>css</c:v>
+                </c:pt>
+                <c:pt idx="9">
+                  <c:v>博客100+</c:v>
+                </c:pt>
+                <c:pt idx="10">
+                  <c:v>github20+</c:v>
+                </c:pt>
+              </c:strCache>
+            </c:strRef>
+          </c:cat>
+          <c:val>
+            <c:numRef>
+              <c:f>工作表1!$C$2:$C$12</c:f>
+              <c:numCache>
+                <c:formatCode>General</c:formatCode>
+                <c:ptCount val="11"/>
+                <c:pt idx="0">
+                  <c:v>0.6</c:v>
+                </c:pt>
+                <c:pt idx="1">
+                  <c:v>0.4</c:v>
+                </c:pt>
+                <c:pt idx="2">
+                  <c:v>0.5</c:v>
+                </c:pt>
+                <c:pt idx="3">
+                  <c:v>0.2</c:v>
+                </c:pt>
+                <c:pt idx="4">
+                  <c:v>0.3</c:v>
+                </c:pt>
+                <c:pt idx="5">
+                  <c:v>0.3</c:v>
+                </c:pt>
+                <c:pt idx="6">
+                  <c:v>0.4</c:v>
+                </c:pt>
+                <c:pt idx="7">
+                  <c:v>0.6</c:v>
+                </c:pt>
+                <c:pt idx="8">
+                  <c:v>0.6</c:v>
+                </c:pt>
+                <c:pt idx="9">
+                  <c:v>0.5</c:v>
+                </c:pt>
+                <c:pt idx="10">
+                  <c:v>0.4</c:v>
+                </c:pt>
+              </c:numCache>
+            </c:numRef>
+          </c:val>
+          <c:extLst>
+            <c:ext xmlns:c16="http://schemas.microsoft.com/office/drawing/2014/chart" uri="{C3380CC4-5D6E-409C-BE32-E72D297353CC}">
+              <c16:uniqueId val="{00000001-1D91-4851-AB86-D8A0006124F0}"/>
+            </c:ext>
+          </c:extLst>
+        </c:ser>
+        <c:dLbls>
+          <c:showLegendKey val="0"/>
+          <c:showVal val="0"/>
+          <c:showCatName val="0"/>
+          <c:showSerName val="0"/>
+          <c:showPercent val="0"/>
+          <c:showBubbleSize val="0"/>
+        </c:dLbls>
+        <c:gapWidth val="100"/>
+        <c:overlap val="-24"/>
+        <c:axId val="2111957048"/>
+        <c:axId val="2111954056"/>
+      </c:barChart>
+      <c:catAx>
+        <c:axId val="2111957048"/>
+        <c:scaling>
+          <c:orientation val="minMax"/>
+        </c:scaling>
+        <c:delete val="0"/>
+        <c:axPos val="b"/>
+        <c:numFmt formatCode="General" sourceLinked="0"/>
+        <c:majorTickMark val="none"/>
+        <c:minorTickMark val="none"/>
+        <c:tickLblPos val="nextTo"/>
+        <c:spPr>
+          <a:noFill/>
+          <a:ln w="9525" cap="flat" cmpd="sng" algn="ctr">
+            <a:solidFill>
+              <a:schemeClr val="tx2">
+                <a:lumMod val="15000"/>
+                <a:lumOff val="85000"/>
+              </a:schemeClr>
+            </a:solidFill>
+            <a:round/>
+          </a:ln>
+          <a:effectLst/>
+        </c:spPr>
+        <c:txPr>
+          <a:bodyPr rot="-60000000" spcFirstLastPara="1" vertOverflow="ellipsis" vert="horz" wrap="square" anchor="ctr" anchorCtr="1"/>
+          <a:lstStyle/>
+          <a:p>
+            <a:pPr>
+              <a:defRPr sz="1197" b="0" i="0" u="none" strike="noStrike" kern="1200" baseline="0">
+                <a:solidFill>
+                  <a:schemeClr val="tx2"/>
+                </a:solidFill>
+                <a:latin typeface="+mn-lt"/>
+                <a:ea typeface="+mn-ea"/>
+                <a:cs typeface="+mn-cs"/>
+              </a:defRPr>
+            </a:pPr>
+            <a:endParaRPr lang="zh-CN"/>
+          </a:p>
+        </c:txPr>
+        <c:crossAx val="2111954056"/>
+        <c:crosses val="autoZero"/>
+        <c:auto val="1"/>
+        <c:lblAlgn val="ctr"/>
+        <c:lblOffset val="100"/>
+        <c:noMultiLvlLbl val="0"/>
+      </c:catAx>
+      <c:valAx>
+        <c:axId val="2111954056"/>
+        <c:scaling>
+          <c:orientation val="minMax"/>
+        </c:scaling>
+        <c:delete val="0"/>
+        <c:axPos val="l"/>
+        <c:majorGridlines>
+          <c:spPr>
+            <a:ln w="9525" cap="flat" cmpd="sng" algn="ctr">
+              <a:solidFill>
+                <a:schemeClr val="tx2">
+                  <a:lumMod val="15000"/>
+                  <a:lumOff val="85000"/>
+                </a:schemeClr>
+              </a:solidFill>
+              <a:round/>
+            </a:ln>
+            <a:effectLst/>
+          </c:spPr>
+        </c:majorGridlines>
+        <c:numFmt formatCode="General" sourceLinked="1"/>
+        <c:majorTickMark val="none"/>
+        <c:minorTickMark val="none"/>
+        <c:tickLblPos val="nextTo"/>
+        <c:spPr>
+          <a:noFill/>
+          <a:ln>
+            <a:noFill/>
+          </a:ln>
+          <a:effectLst/>
+        </c:spPr>
+        <c:txPr>
+          <a:bodyPr rot="-60000000" spcFirstLastPara="1" vertOverflow="ellipsis" vert="horz" wrap="square" anchor="ctr" anchorCtr="1"/>
+          <a:lstStyle/>
+          <a:p>
+            <a:pPr>
+              <a:defRPr sz="1197" b="0" i="0" u="none" strike="noStrike" kern="1200" baseline="0">
+                <a:solidFill>
+                  <a:schemeClr val="tx2"/>
+                </a:solidFill>
+                <a:latin typeface="+mn-lt"/>
+                <a:ea typeface="+mn-ea"/>
+                <a:cs typeface="+mn-cs"/>
+              </a:defRPr>
+            </a:pPr>
+            <a:endParaRPr lang="zh-CN"/>
+          </a:p>
+        </c:txPr>
+        <c:crossAx val="2111957048"/>
+        <c:crosses val="autoZero"/>
+        <c:crossBetween val="between"/>
+      </c:valAx>
+      <c:spPr>
+        <a:noFill/>
+        <a:ln>
+          <a:noFill/>
+        </a:ln>
+        <a:effectLst/>
+      </c:spPr>
+    </c:plotArea>
+    <c:legend>
+      <c:legendPos val="b"/>
+      <c:layout/>
+      <c:overlay val="0"/>
+      <c:spPr>
+        <a:noFill/>
+        <a:ln>
+          <a:noFill/>
+        </a:ln>
+        <a:effectLst/>
+      </c:spPr>
+      <c:txPr>
+        <a:bodyPr rot="0" spcFirstLastPara="1" vertOverflow="ellipsis" vert="horz" wrap="square" anchor="ctr" anchorCtr="1"/>
+        <a:lstStyle/>
+        <a:p>
+          <a:pPr>
+            <a:defRPr sz="1197" b="0" i="0" u="none" strike="noStrike" kern="1200" baseline="0">
+              <a:solidFill>
+                <a:schemeClr val="tx2"/>
+              </a:solidFill>
+              <a:latin typeface="+mn-lt"/>
+              <a:ea typeface="+mn-ea"/>
+              <a:cs typeface="+mn-cs"/>
+            </a:defRPr>
+          </a:pPr>
+          <a:endParaRPr lang="zh-CN"/>
+        </a:p>
+      </c:txPr>
+    </c:legend>
+    <c:plotVisOnly val="1"/>
+    <c:dispBlanksAs val="gap"/>
+    <c:showDLblsOverMax val="0"/>
+  </c:chart>
+  <c:spPr>
+    <a:noFill/>
+    <a:ln>
+      <a:noFill/>
+    </a:ln>
+    <a:effectLst/>
+  </c:spPr>
+  <c:txPr>
+    <a:bodyPr/>
+    <a:lstStyle/>
+    <a:p>
+      <a:pPr>
+        <a:defRPr/>
+      </a:pPr>
+      <a:endParaRPr lang="zh-CN"/>
+    </a:p>
+  </c:txPr>
+  <c:externalData r:id="rId3">
+    <c:autoUpdate val="0"/>
+  </c:externalData>
+</c:chartSpace>
+</file>
+
+<file path=ppt/charts/colors1.xml><?xml version="1.0" encoding="utf-8"?>
+<cs:colorStyle xmlns:cs="http://schemas.microsoft.com/office/drawing/2012/chartStyle" xmlns:a="http://schemas.openxmlformats.org/drawingml/2006/main" meth="cycle" id="10">
+  <a:schemeClr val="accent1"/>
+  <a:schemeClr val="accent2"/>
+  <a:schemeClr val="accent3"/>
+  <a:schemeClr val="accent4"/>
+  <a:schemeClr val="accent5"/>
+  <a:schemeClr val="accent6"/>
+  <cs:variation/>
+  <cs:variation>
+    <a:lumMod val="60000"/>
+  </cs:variation>
+  <cs:variation>
+    <a:lumMod val="80000"/>
+    <a:lumOff val="20000"/>
+  </cs:variation>
+  <cs:variation>
+    <a:lumMod val="80000"/>
+  </cs:variation>
+  <cs:variation>
+    <a:lumMod val="60000"/>
+    <a:lumOff val="40000"/>
+  </cs:variation>
+  <cs:variation>
+    <a:lumMod val="50000"/>
+  </cs:variation>
+  <cs:variation>
+    <a:lumMod val="70000"/>
+    <a:lumOff val="30000"/>
+  </cs:variation>
+  <cs:variation>
+    <a:lumMod val="70000"/>
+  </cs:variation>
+  <cs:variation>
+    <a:lumMod val="50000"/>
+    <a:lumOff val="50000"/>
+  </cs:variation>
+</cs:colorStyle>
+</file>
+
+<file path=ppt/charts/style1.xml><?xml version="1.0" encoding="utf-8"?>
+<cs:chartStyle xmlns:cs="http://schemas.microsoft.com/office/drawing/2012/chartStyle" xmlns:a="http://schemas.openxmlformats.org/drawingml/2006/main" id="207">
+  <cs:axisTitle>
+    <cs:lnRef idx="0"/>
+    <cs:fillRef idx="0"/>
+    <cs:effectRef idx="0"/>
+    <cs:fontRef idx="minor">
+      <a:schemeClr val="tx2"/>
+    </cs:fontRef>
+    <cs:defRPr sz="1197" b="1" kern="1200"/>
+  </cs:axisTitle>
+  <cs:categoryAxis>
+    <cs:lnRef idx="0"/>
+    <cs:fillRef idx="0"/>
+    <cs:effectRef idx="0"/>
+    <cs:fontRef idx="minor">
+      <a:schemeClr val="tx2"/>
+    </cs:fontRef>
+    <cs:spPr>
+      <a:ln w="9525" cap="flat" cmpd="sng" algn="ctr">
+        <a:solidFill>
+          <a:schemeClr val="tx2">
+            <a:lumMod val="15000"/>
+            <a:lumOff val="85000"/>
+          </a:schemeClr>
+        </a:solidFill>
+        <a:round/>
+      </a:ln>
+    </cs:spPr>
+    <cs:defRPr sz="1197" kern="1200"/>
+  </cs:categoryAxis>
+  <cs:chartArea mods="allowNoFillOverride allowNoLineOverride">
+    <cs:lnRef idx="0"/>
+    <cs:fillRef idx="0"/>
+    <cs:effectRef idx="0"/>
+    <cs:fontRef idx="minor">
+      <a:schemeClr val="tx2"/>
+    </cs:fontRef>
+    <cs:spPr>
+      <a:solidFill>
+        <a:schemeClr val="bg1"/>
+      </a:solidFill>
+      <a:ln w="9525" cap="flat" cmpd="sng" algn="ctr">
+        <a:solidFill>
+          <a:schemeClr val="tx2">
+            <a:lumMod val="15000"/>
+            <a:lumOff val="85000"/>
+          </a:schemeClr>
+        </a:solidFill>
+        <a:round/>
+      </a:ln>
+    </cs:spPr>
+    <cs:defRPr sz="1197" kern="1200"/>
+  </cs:chartArea>
+  <cs:dataLabel>
+    <cs:lnRef idx="0"/>
+    <cs:fillRef idx="0"/>
+    <cs:effectRef idx="0"/>
+    <cs:fontRef idx="minor">
+      <a:schemeClr val="tx2"/>
+    </cs:fontRef>
+    <cs:defRPr sz="1197" kern="1200"/>
+  </cs:dataLabel>
+  <cs:dataLabelCallout>
+    <cs:lnRef idx="0"/>
+    <cs:fillRef idx="0"/>
+    <cs:effectRef idx="0"/>
+    <cs:fontRef idx="minor">
+      <a:schemeClr val="dk2">
+        <a:lumMod val="75000"/>
+      </a:schemeClr>
+    </cs:fontRef>
+    <cs:spPr>
+      <a:solidFill>
+        <a:schemeClr val="lt1"/>
+      </a:solidFill>
+      <a:ln>
+        <a:solidFill>
+          <a:schemeClr val="dk1">
+            <a:lumMod val="25000"/>
+            <a:lumOff val="75000"/>
+          </a:schemeClr>
+        </a:solidFill>
+      </a:ln>
+    </cs:spPr>
+    <cs:defRPr sz="1197" kern="1200"/>
+    <cs:bodyPr rot="0" spcFirstLastPara="1" vertOverflow="clip" horzOverflow="clip" vert="horz" wrap="square" lIns="36576" tIns="18288" rIns="36576" bIns="18288" anchor="ctr" anchorCtr="1">
+      <a:spAutoFit/>
+    </cs:bodyPr>
+  </cs:dataLabelCallout>
+  <cs:dataPoint>
+    <cs:lnRef idx="0"/>
+    <cs:fillRef idx="3">
+      <cs:styleClr val="auto"/>
+    </cs:fillRef>
+    <cs:effectRef idx="2"/>
+    <cs:fontRef idx="minor">
+      <a:schemeClr val="tx2"/>
+    </cs:fontRef>
+  </cs:dataPoint>
+  <cs:dataPoint3D>
+    <cs:lnRef idx="0"/>
+    <cs:fillRef idx="3">
+      <cs:styleClr val="auto"/>
+    </cs:fillRef>
+    <cs:effectRef idx="2"/>
+    <cs:fontRef idx="minor">
+      <a:schemeClr val="tx2"/>
+    </cs:fontRef>
+  </cs:dataPoint3D>
+  <cs:dataPointLine>
+    <cs:lnRef idx="0">
+      <cs:styleClr val="auto"/>
+    </cs:lnRef>
+    <cs:fillRef idx="3"/>
+    <cs:effectRef idx="2"/>
+    <cs:fontRef idx="minor">
+      <a:schemeClr val="tx2"/>
+    </cs:fontRef>
+    <cs:spPr>
+      <a:ln w="31750" cap="rnd">
+        <a:solidFill>
+          <a:schemeClr val="phClr"/>
+        </a:solidFill>
+        <a:round/>
+      </a:ln>
+    </cs:spPr>
+  </cs:dataPointLine>
+  <cs:dataPointMarker>
+    <cs:lnRef idx="0"/>
+    <cs:fillRef idx="3">
+      <cs:styleClr val="auto"/>
+    </cs:fillRef>
+    <cs:effectRef idx="2"/>
+    <cs:fontRef idx="minor">
+      <a:schemeClr val="tx2"/>
+    </cs:fontRef>
+    <cs:spPr>
+      <a:ln w="12700">
+        <a:solidFill>
+          <a:schemeClr val="lt2"/>
+        </a:solidFill>
+        <a:round/>
+      </a:ln>
+    </cs:spPr>
+  </cs:dataPointMarker>
+  <cs:dataPointMarkerLayout symbol="circle" size="6"/>
+  <cs:dataPointWireframe>
+    <cs:lnRef idx="0">
+      <cs:styleClr val="auto"/>
+    </cs:lnRef>
+    <cs:fillRef idx="3"/>
+    <cs:effectRef idx="2"/>
+    <cs:fontRef idx="minor">
+      <a:schemeClr val="tx2"/>
+    </cs:fontRef>
+    <cs:spPr>
+      <a:ln w="9525" cap="rnd">
+        <a:solidFill>
+          <a:schemeClr val="phClr"/>
+        </a:solidFill>
+        <a:round/>
+      </a:ln>
+    </cs:spPr>
+  </cs:dataPointWireframe>
+  <cs:dataTable>
+    <cs:lnRef idx="0"/>
+    <cs:fillRef idx="0"/>
+    <cs:effectRef idx="0"/>
+    <cs:fontRef idx="minor">
+      <a:schemeClr val="tx2"/>
+    </cs:fontRef>
+    <cs:spPr>
+      <a:ln w="9525">
+        <a:solidFill>
+          <a:schemeClr val="tx2">
+            <a:lumMod val="15000"/>
+            <a:lumOff val="85000"/>
+          </a:schemeClr>
+        </a:solidFill>
+      </a:ln>
+    </cs:spPr>
+    <cs:defRPr sz="1197" kern="1200"/>
+  </cs:dataTable>
+  <cs:downBar>
+    <cs:lnRef idx="0"/>
+    <cs:fillRef idx="0"/>
+    <cs:effectRef idx="0"/>
+    <cs:fontRef idx="minor">
+      <a:schemeClr val="dk1"/>
+    </cs:fontRef>
+    <cs:spPr>
+      <a:solidFill>
+        <a:schemeClr val="dk1">
+          <a:lumMod val="65000"/>
+          <a:lumOff val="35000"/>
+        </a:schemeClr>
+      </a:solidFill>
+      <a:ln w="9525">
+        <a:solidFill>
+          <a:schemeClr val="tx1">
+            <a:lumMod val="65000"/>
+            <a:lumOff val="35000"/>
+          </a:schemeClr>
+        </a:solidFill>
+      </a:ln>
+    </cs:spPr>
+  </cs:downBar>
+  <cs:dropLine>
+    <cs:lnRef idx="0"/>
+    <cs:fillRef idx="0"/>
+    <cs:effectRef idx="0"/>
+    <cs:fontRef idx="minor">
+      <a:schemeClr val="tx2"/>
+    </cs:fontRef>
+    <cs:spPr>
+      <a:ln w="9525">
+        <a:solidFill>
+          <a:schemeClr val="tx2">
+            <a:lumMod val="60000"/>
+            <a:lumOff val="40000"/>
+          </a:schemeClr>
+        </a:solidFill>
+        <a:prstDash val="dash"/>
+      </a:ln>
+    </cs:spPr>
+  </cs:dropLine>
+  <cs:errorBar>
+    <cs:lnRef idx="0"/>
+    <cs:fillRef idx="0"/>
+    <cs:effectRef idx="0"/>
+    <cs:fontRef idx="minor">
+      <a:schemeClr val="tx2"/>
+    </cs:fontRef>
+    <cs:spPr>
+      <a:ln w="9525">
+        <a:solidFill>
+          <a:schemeClr val="tx2">
+            <a:lumMod val="75000"/>
+            <a:lumOff val="25000"/>
+          </a:schemeClr>
+        </a:solidFill>
+        <a:round/>
+      </a:ln>
+    </cs:spPr>
+  </cs:errorBar>
+  <cs:floor>
+    <cs:lnRef idx="0"/>
+    <cs:fillRef idx="0"/>
+    <cs:effectRef idx="0"/>
+    <cs:fontRef idx="minor">
+      <a:schemeClr val="tx2"/>
+    </cs:fontRef>
+  </cs:floor>
+  <cs:gridlineMajor>
+    <cs:lnRef idx="0"/>
+    <cs:fillRef idx="0"/>
+    <cs:effectRef idx="0"/>
+    <cs:fontRef idx="minor">
+      <a:schemeClr val="tx2"/>
+    </cs:fontRef>
+    <cs:spPr>
+      <a:ln w="9525" cap="flat" cmpd="sng" algn="ctr">
+        <a:solidFill>
+          <a:schemeClr val="tx2">
+            <a:lumMod val="15000"/>
+            <a:lumOff val="85000"/>
+          </a:schemeClr>
+        </a:solidFill>
+        <a:round/>
+      </a:ln>
+    </cs:spPr>
+  </cs:gridlineMajor>
+  <cs:gridlineMinor>
+    <cs:lnRef idx="0"/>
+    <cs:fillRef idx="0"/>
+    <cs:effectRef idx="0"/>
+    <cs:fontRef idx="minor">
+      <a:schemeClr val="tx2"/>
+    </cs:fontRef>
+    <cs:spPr>
+      <a:ln>
+        <a:solidFill>
+          <a:schemeClr val="tx2">
+            <a:lumMod val="5000"/>
+            <a:lumOff val="95000"/>
+          </a:schemeClr>
+        </a:solidFill>
+      </a:ln>
+    </cs:spPr>
+  </cs:gridlineMinor>
+  <cs:hiLoLine>
+    <cs:lnRef idx="0"/>
+    <cs:fillRef idx="0"/>
+    <cs:effectRef idx="0"/>
+    <cs:fontRef idx="minor">
+      <a:schemeClr val="tx2"/>
+    </cs:fontRef>
+    <cs:spPr>
+      <a:ln w="9525">
+        <a:solidFill>
+          <a:schemeClr val="tx2">
+            <a:lumMod val="60000"/>
+            <a:lumOff val="40000"/>
+          </a:schemeClr>
+        </a:solidFill>
+        <a:prstDash val="dash"/>
+      </a:ln>
+    </cs:spPr>
+  </cs:hiLoLine>
+  <cs:leaderLine>
+    <cs:lnRef idx="0"/>
+    <cs:fillRef idx="0"/>
+    <cs:effectRef idx="0"/>
+    <cs:fontRef idx="minor">
+      <a:schemeClr val="tx2"/>
+    </cs:fontRef>
+    <cs:spPr>
+      <a:ln w="9525">
+        <a:solidFill>
+          <a:schemeClr val="tx2">
+            <a:lumMod val="35000"/>
+            <a:lumOff val="65000"/>
+          </a:schemeClr>
+        </a:solidFill>
+      </a:ln>
+    </cs:spPr>
+  </cs:leaderLine>
+  <cs:legend>
+    <cs:lnRef idx="0"/>
+    <cs:fillRef idx="0"/>
+    <cs:effectRef idx="0"/>
+    <cs:fontRef idx="minor">
+      <a:schemeClr val="tx2"/>
+    </cs:fontRef>
+    <cs:defRPr sz="1197" kern="1200"/>
+  </cs:legend>
+  <cs:plotArea>
+    <cs:lnRef idx="0"/>
+    <cs:fillRef idx="0"/>
+    <cs:effectRef idx="0"/>
+    <cs:fontRef idx="minor">
+      <a:schemeClr val="tx2"/>
+    </cs:fontRef>
+  </cs:plotArea>
+  <cs:plotArea3D>
+    <cs:lnRef idx="0"/>
+    <cs:fillRef idx="0"/>
+    <cs:effectRef idx="0"/>
+    <cs:fontRef idx="minor">
+      <a:schemeClr val="tx2"/>
+    </cs:fontRef>
+  </cs:plotArea3D>
+  <cs:seriesAxis>
+    <cs:lnRef idx="0"/>
+    <cs:fillRef idx="0"/>
+    <cs:effectRef idx="0"/>
+    <cs:fontRef idx="minor">
+      <a:schemeClr val="tx2"/>
+    </cs:fontRef>
+    <cs:spPr>
+      <a:ln w="9525" cap="flat" cmpd="sng" algn="ctr">
+        <a:solidFill>
+          <a:schemeClr val="tx2">
+            <a:lumMod val="15000"/>
+            <a:lumOff val="85000"/>
+          </a:schemeClr>
+        </a:solidFill>
+        <a:round/>
+      </a:ln>
+    </cs:spPr>
+    <cs:defRPr sz="1197" kern="1200"/>
+  </cs:seriesAxis>
+  <cs:seriesLine>
+    <cs:lnRef idx="0"/>
+    <cs:fillRef idx="0"/>
+    <cs:effectRef idx="0"/>
+    <cs:fontRef idx="minor">
+      <a:schemeClr val="tx2"/>
+    </cs:fontRef>
+    <cs:spPr>
+      <a:ln w="9525">
+        <a:solidFill>
+          <a:schemeClr val="tx2">
+            <a:lumMod val="60000"/>
+            <a:lumOff val="40000"/>
+          </a:schemeClr>
+        </a:solidFill>
+        <a:prstDash val="dash"/>
+      </a:ln>
+    </cs:spPr>
+  </cs:seriesLine>
+  <cs:title>
+    <cs:lnRef idx="0"/>
+    <cs:fillRef idx="0"/>
+    <cs:effectRef idx="0"/>
+    <cs:fontRef idx="minor">
+      <a:schemeClr val="tx2"/>
+    </cs:fontRef>
+    <cs:defRPr sz="2128" b="1" kern="1200"/>
+  </cs:title>
+  <cs:trendline>
+    <cs:lnRef idx="0">
+      <cs:styleClr val="auto"/>
+    </cs:lnRef>
+    <cs:fillRef idx="0"/>
+    <cs:effectRef idx="0"/>
+    <cs:fontRef idx="minor">
+      <a:schemeClr val="tx2"/>
+    </cs:fontRef>
+    <cs:spPr>
+      <a:ln w="19050" cap="rnd">
+        <a:solidFill>
+          <a:schemeClr val="phClr"/>
+        </a:solidFill>
+        <a:prstDash val="sysDash"/>
+      </a:ln>
+    </cs:spPr>
+  </cs:trendline>
+  <cs:trendlineLabel>
+    <cs:lnRef idx="0"/>
+    <cs:fillRef idx="0"/>
+    <cs:effectRef idx="0"/>
+    <cs:fontRef idx="minor">
+      <a:schemeClr val="tx2"/>
+    </cs:fontRef>
+    <cs:defRPr sz="1197" kern="1200"/>
+  </cs:trendlineLabel>
+  <cs:upBar>
+    <cs:lnRef idx="0"/>
+    <cs:fillRef idx="0"/>
+    <cs:effectRef idx="0"/>
+    <cs:fontRef idx="minor">
+      <a:schemeClr val="tx2"/>
+    </cs:fontRef>
+    <cs:spPr>
+      <a:solidFill>
+        <a:schemeClr val="lt1"/>
+      </a:solidFill>
+      <a:ln w="9525">
+        <a:solidFill>
+          <a:schemeClr val="tx1">
+            <a:lumMod val="15000"/>
+            <a:lumOff val="85000"/>
+          </a:schemeClr>
+        </a:solidFill>
+      </a:ln>
+    </cs:spPr>
+  </cs:upBar>
+  <cs:valueAxis>
+    <cs:lnRef idx="0"/>
+    <cs:fillRef idx="0"/>
+    <cs:effectRef idx="0"/>
+    <cs:fontRef idx="minor">
+      <a:schemeClr val="tx2"/>
+    </cs:fontRef>
+    <cs:defRPr sz="1197" kern="1200"/>
+  </cs:valueAxis>
+  <cs:wall>
+    <cs:lnRef idx="0"/>
+    <cs:fillRef idx="0"/>
+    <cs:effectRef idx="0"/>
+    <cs:fontRef idx="minor">
+      <a:schemeClr val="tx2"/>
+    </cs:fontRef>
+  </cs:wall>
+</cs:chartStyle>
 </file>
 
 <file path=ppt/handoutMasters/handoutMaster1.xml><?xml version="1.0" encoding="utf-8"?>
@@ -207,6 +1213,7 @@
           <a:p>
             <a:fld id="{5F920F0F-0E56-2B45-B1BF-268524318682}" type="datetimeFigureOut">
               <a:rPr kumimoji="1" lang="zh-CN" altLang="en-US" smtClean="0"/>
+              <a:t>2017/7/9</a:t>
             </a:fld>
             <a:endParaRPr kumimoji="1" lang="zh-CN" altLang="en-US"/>
           </a:p>
@@ -272,6 +1279,7 @@
           <a:p>
             <a:fld id="{DE1A26BA-2BD7-424D-9E31-04AA10F01EFC}" type="slidenum">
               <a:rPr kumimoji="1" lang="zh-CN" altLang="en-US" smtClean="0"/>
+              <a:t>‹#›</a:t>
             </a:fld>
             <a:endParaRPr kumimoji="1" lang="zh-CN" altLang="en-US"/>
           </a:p>
@@ -366,6 +1374,7 @@
           <a:p>
             <a:fld id="{FB86081A-1E41-D34E-AC33-11FD77CCCD8D}" type="datetimeFigureOut">
               <a:rPr kumimoji="1" lang="zh-CN" altLang="en-US" smtClean="0"/>
+              <a:t>2017/7/9</a:t>
             </a:fld>
             <a:endParaRPr kumimoji="1" lang="zh-CN" altLang="en-US"/>
           </a:p>
@@ -432,7 +1441,6 @@
               <a:rPr kumimoji="1" lang="zh-CN" altLang="en-US" smtClean="0"/>
               <a:t>单击此处编辑母版文本样式</a:t>
             </a:r>
-            <a:endParaRPr kumimoji="1" lang="zh-CN" altLang="en-US" smtClean="0"/>
           </a:p>
           <a:p>
             <a:pPr lvl="1"/>
@@ -440,7 +1448,6 @@
               <a:rPr kumimoji="1" lang="zh-CN" altLang="en-US" smtClean="0"/>
               <a:t>二级</a:t>
             </a:r>
-            <a:endParaRPr kumimoji="1" lang="zh-CN" altLang="en-US" smtClean="0"/>
           </a:p>
           <a:p>
             <a:pPr lvl="2"/>
@@ -448,7 +1455,6 @@
               <a:rPr kumimoji="1" lang="zh-CN" altLang="en-US" smtClean="0"/>
               <a:t>三级</a:t>
             </a:r>
-            <a:endParaRPr kumimoji="1" lang="zh-CN" altLang="en-US" smtClean="0"/>
           </a:p>
           <a:p>
             <a:pPr lvl="3"/>
@@ -456,7 +1462,6 @@
               <a:rPr kumimoji="1" lang="zh-CN" altLang="en-US" smtClean="0"/>
               <a:t>四级</a:t>
             </a:r>
-            <a:endParaRPr kumimoji="1" lang="zh-CN" altLang="en-US" smtClean="0"/>
           </a:p>
           <a:p>
             <a:pPr lvl="4"/>
@@ -528,6 +1533,7 @@
           <a:p>
             <a:fld id="{8AF453D5-9B32-8F40-BF12-CF5772967439}" type="slidenum">
               <a:rPr kumimoji="1" lang="zh-CN" altLang="en-US" smtClean="0"/>
+              <a:t>‹#›</a:t>
             </a:fld>
             <a:endParaRPr kumimoji="1" lang="zh-CN" altLang="en-US"/>
           </a:p>
@@ -630,6 +1636,174 @@
     </a:lvl9pPr>
   </p:notesStyle>
 </p:notesMaster>
+</file>
+
+<file path=ppt/notesSlides/notesSlide1.xml><?xml version="1.0" encoding="utf-8"?>
+<p:notes xmlns:a="http://schemas.openxmlformats.org/drawingml/2006/main" xmlns:r="http://schemas.openxmlformats.org/officeDocument/2006/relationships" xmlns:p="http://schemas.openxmlformats.org/presentationml/2006/main">
+  <p:cSld>
+    <p:spTree>
+      <p:nvGrpSpPr>
+        <p:cNvPr id="1" name=""/>
+        <p:cNvGrpSpPr/>
+        <p:nvPr/>
+      </p:nvGrpSpPr>
+      <p:grpSpPr>
+        <a:xfrm>
+          <a:off x="0" y="0"/>
+          <a:ext cx="0" cy="0"/>
+          <a:chOff x="0" y="0"/>
+          <a:chExt cx="0" cy="0"/>
+        </a:xfrm>
+      </p:grpSpPr>
+      <p:sp>
+        <p:nvSpPr>
+          <p:cNvPr id="2" name="幻灯片图像占位符 1"/>
+          <p:cNvSpPr>
+            <a:spLocks noGrp="1" noRot="1" noChangeAspect="1"/>
+          </p:cNvSpPr>
+          <p:nvPr>
+            <p:ph type="sldImg"/>
+          </p:nvPr>
+        </p:nvSpPr>
+        <p:spPr/>
+      </p:sp>
+      <p:sp>
+        <p:nvSpPr>
+          <p:cNvPr id="3" name="备注占位符 2"/>
+          <p:cNvSpPr>
+            <a:spLocks noGrp="1"/>
+          </p:cNvSpPr>
+          <p:nvPr>
+            <p:ph type="body" idx="1"/>
+          </p:nvPr>
+        </p:nvSpPr>
+        <p:spPr/>
+        <p:txBody>
+          <a:bodyPr/>
+          <a:lstStyle/>
+          <a:p>
+            <a:endParaRPr lang="zh-CN" altLang="en-US" dirty="0"/>
+          </a:p>
+        </p:txBody>
+      </p:sp>
+      <p:sp>
+        <p:nvSpPr>
+          <p:cNvPr id="4" name="灯片编号占位符 3"/>
+          <p:cNvSpPr>
+            <a:spLocks noGrp="1"/>
+          </p:cNvSpPr>
+          <p:nvPr>
+            <p:ph type="sldNum" sz="quarter" idx="10"/>
+          </p:nvPr>
+        </p:nvSpPr>
+        <p:spPr/>
+        <p:txBody>
+          <a:bodyPr/>
+          <a:lstStyle/>
+          <a:p>
+            <a:fld id="{8AF453D5-9B32-8F40-BF12-CF5772967439}" type="slidenum">
+              <a:rPr kumimoji="1" lang="zh-CN" altLang="en-US" smtClean="0"/>
+              <a:t>7</a:t>
+            </a:fld>
+            <a:endParaRPr kumimoji="1" lang="zh-CN" altLang="en-US"/>
+          </a:p>
+        </p:txBody>
+      </p:sp>
+    </p:spTree>
+    <p:extLst>
+      <p:ext uri="{BB962C8B-B14F-4D97-AF65-F5344CB8AC3E}">
+        <p14:creationId xmlns:p14="http://schemas.microsoft.com/office/powerpoint/2010/main" val="541140958"/>
+      </p:ext>
+    </p:extLst>
+  </p:cSld>
+  <p:clrMapOvr>
+    <a:masterClrMapping/>
+  </p:clrMapOvr>
+</p:notes>
+</file>
+
+<file path=ppt/notesSlides/notesSlide2.xml><?xml version="1.0" encoding="utf-8"?>
+<p:notes xmlns:a="http://schemas.openxmlformats.org/drawingml/2006/main" xmlns:r="http://schemas.openxmlformats.org/officeDocument/2006/relationships" xmlns:p="http://schemas.openxmlformats.org/presentationml/2006/main">
+  <p:cSld>
+    <p:spTree>
+      <p:nvGrpSpPr>
+        <p:cNvPr id="1" name=""/>
+        <p:cNvGrpSpPr/>
+        <p:nvPr/>
+      </p:nvGrpSpPr>
+      <p:grpSpPr>
+        <a:xfrm>
+          <a:off x="0" y="0"/>
+          <a:ext cx="0" cy="0"/>
+          <a:chOff x="0" y="0"/>
+          <a:chExt cx="0" cy="0"/>
+        </a:xfrm>
+      </p:grpSpPr>
+      <p:sp>
+        <p:nvSpPr>
+          <p:cNvPr id="2" name="幻灯片图像占位符 1"/>
+          <p:cNvSpPr>
+            <a:spLocks noGrp="1" noRot="1" noChangeAspect="1"/>
+          </p:cNvSpPr>
+          <p:nvPr>
+            <p:ph type="sldImg"/>
+          </p:nvPr>
+        </p:nvSpPr>
+        <p:spPr/>
+      </p:sp>
+      <p:sp>
+        <p:nvSpPr>
+          <p:cNvPr id="3" name="备注占位符 2"/>
+          <p:cNvSpPr>
+            <a:spLocks noGrp="1"/>
+          </p:cNvSpPr>
+          <p:nvPr>
+            <p:ph type="body" idx="1"/>
+          </p:nvPr>
+        </p:nvSpPr>
+        <p:spPr/>
+        <p:txBody>
+          <a:bodyPr/>
+          <a:lstStyle/>
+          <a:p>
+            <a:endParaRPr lang="zh-CN" altLang="en-US" dirty="0"/>
+          </a:p>
+        </p:txBody>
+      </p:sp>
+      <p:sp>
+        <p:nvSpPr>
+          <p:cNvPr id="4" name="灯片编号占位符 3"/>
+          <p:cNvSpPr>
+            <a:spLocks noGrp="1"/>
+          </p:cNvSpPr>
+          <p:nvPr>
+            <p:ph type="sldNum" sz="quarter" idx="10"/>
+          </p:nvPr>
+        </p:nvSpPr>
+        <p:spPr/>
+        <p:txBody>
+          <a:bodyPr/>
+          <a:lstStyle/>
+          <a:p>
+            <a:fld id="{8AF453D5-9B32-8F40-BF12-CF5772967439}" type="slidenum">
+              <a:rPr kumimoji="1" lang="zh-CN" altLang="en-US" smtClean="0"/>
+              <a:t>8</a:t>
+            </a:fld>
+            <a:endParaRPr kumimoji="1" lang="zh-CN" altLang="en-US"/>
+          </a:p>
+        </p:txBody>
+      </p:sp>
+    </p:spTree>
+    <p:extLst>
+      <p:ext uri="{BB962C8B-B14F-4D97-AF65-F5344CB8AC3E}">
+        <p14:creationId xmlns:p14="http://schemas.microsoft.com/office/powerpoint/2010/main" val="258225766"/>
+      </p:ext>
+    </p:extLst>
+  </p:cSld>
+  <p:clrMapOvr>
+    <a:masterClrMapping/>
+  </p:clrMapOvr>
+</p:notes>
 </file>
 
 <file path=ppt/slideLayouts/slideLayout1.xml><?xml version="1.0" encoding="utf-8"?>
@@ -1202,7 +2376,6 @@
               <a:rPr lang="zh-CN" altLang="en-US" dirty="0" smtClean="0"/>
               <a:t>单击此处编辑母版文本样式</a:t>
             </a:r>
-            <a:endParaRPr lang="zh-CN" altLang="en-US" dirty="0" smtClean="0"/>
           </a:p>
           <a:p>
             <a:pPr lvl="1"/>
@@ -1210,7 +2383,6 @@
               <a:rPr lang="zh-CN" altLang="en-US" dirty="0" smtClean="0"/>
               <a:t>第二级</a:t>
             </a:r>
-            <a:endParaRPr lang="zh-CN" altLang="en-US" dirty="0" smtClean="0"/>
           </a:p>
           <a:p>
             <a:pPr lvl="2"/>
@@ -1218,7 +2390,6 @@
               <a:rPr lang="zh-CN" altLang="en-US" dirty="0" smtClean="0"/>
               <a:t>第三级</a:t>
             </a:r>
-            <a:endParaRPr lang="zh-CN" altLang="en-US" dirty="0" smtClean="0"/>
           </a:p>
           <a:p>
             <a:pPr lvl="3"/>
@@ -1226,7 +2397,6 @@
               <a:rPr lang="zh-CN" altLang="en-US" dirty="0" smtClean="0"/>
               <a:t>第四级</a:t>
             </a:r>
-            <a:endParaRPr lang="zh-CN" altLang="en-US" dirty="0" smtClean="0"/>
           </a:p>
           <a:p>
             <a:pPr lvl="4"/>
@@ -1474,7 +2644,6 @@
               <a:rPr lang="zh-CN" altLang="en-US" smtClean="0"/>
               <a:t>单击此处编辑母版文本样式</a:t>
             </a:r>
-            <a:endParaRPr lang="zh-CN" altLang="en-US" smtClean="0"/>
           </a:p>
           <a:p>
             <a:pPr lvl="1"/>
@@ -1482,7 +2651,6 @@
               <a:rPr lang="zh-CN" altLang="en-US" smtClean="0"/>
               <a:t>第二级</a:t>
             </a:r>
-            <a:endParaRPr lang="zh-CN" altLang="en-US" smtClean="0"/>
           </a:p>
           <a:p>
             <a:pPr lvl="2"/>
@@ -1490,7 +2658,6 @@
               <a:rPr lang="zh-CN" altLang="en-US" smtClean="0"/>
               <a:t>第三级</a:t>
             </a:r>
-            <a:endParaRPr lang="zh-CN" altLang="en-US" smtClean="0"/>
           </a:p>
           <a:p>
             <a:pPr lvl="3"/>
@@ -1498,7 +2665,6 @@
               <a:rPr lang="zh-CN" altLang="en-US" smtClean="0"/>
               <a:t>第四级</a:t>
             </a:r>
-            <a:endParaRPr lang="zh-CN" altLang="en-US" smtClean="0"/>
           </a:p>
           <a:p>
             <a:pPr lvl="4"/>
@@ -1757,7 +2923,6 @@
               <a:rPr lang="zh-CN" altLang="en-US" smtClean="0"/>
               <a:t>单击此处编辑母版文本样式</a:t>
             </a:r>
-            <a:endParaRPr lang="zh-CN" altLang="en-US" smtClean="0"/>
           </a:p>
           <a:p>
             <a:pPr lvl="1"/>
@@ -1765,7 +2930,6 @@
               <a:rPr lang="zh-CN" altLang="en-US" smtClean="0"/>
               <a:t>第二级</a:t>
             </a:r>
-            <a:endParaRPr lang="zh-CN" altLang="en-US" smtClean="0"/>
           </a:p>
           <a:p>
             <a:pPr lvl="2"/>
@@ -1773,7 +2937,6 @@
               <a:rPr lang="zh-CN" altLang="en-US" smtClean="0"/>
               <a:t>第三级</a:t>
             </a:r>
-            <a:endParaRPr lang="zh-CN" altLang="en-US" smtClean="0"/>
           </a:p>
           <a:p>
             <a:pPr lvl="3"/>
@@ -1781,7 +2944,6 @@
               <a:rPr lang="zh-CN" altLang="en-US" smtClean="0"/>
               <a:t>第四级</a:t>
             </a:r>
-            <a:endParaRPr lang="zh-CN" altLang="en-US" smtClean="0"/>
           </a:p>
           <a:p>
             <a:pPr lvl="4"/>
@@ -1848,7 +3010,6 @@
               <a:rPr lang="zh-CN" altLang="en-US" smtClean="0"/>
               <a:t>单击此处编辑母版文本样式</a:t>
             </a:r>
-            <a:endParaRPr lang="zh-CN" altLang="en-US" smtClean="0"/>
           </a:p>
           <a:p>
             <a:pPr lvl="1"/>
@@ -1856,7 +3017,6 @@
               <a:rPr lang="zh-CN" altLang="en-US" smtClean="0"/>
               <a:t>第二级</a:t>
             </a:r>
-            <a:endParaRPr lang="zh-CN" altLang="en-US" smtClean="0"/>
           </a:p>
           <a:p>
             <a:pPr lvl="2"/>
@@ -1864,7 +3024,6 @@
               <a:rPr lang="zh-CN" altLang="en-US" smtClean="0"/>
               <a:t>第三级</a:t>
             </a:r>
-            <a:endParaRPr lang="zh-CN" altLang="en-US" smtClean="0"/>
           </a:p>
           <a:p>
             <a:pPr lvl="3"/>
@@ -1872,7 +3031,6 @@
               <a:rPr lang="zh-CN" altLang="en-US" smtClean="0"/>
               <a:t>第四级</a:t>
             </a:r>
-            <a:endParaRPr lang="zh-CN" altLang="en-US" smtClean="0"/>
           </a:p>
           <a:p>
             <a:pPr lvl="4"/>
@@ -2195,7 +3353,6 @@
               <a:rPr lang="zh-CN" altLang="en-US" smtClean="0"/>
               <a:t>单击此处编辑母版文本样式</a:t>
             </a:r>
-            <a:endParaRPr lang="zh-CN" altLang="en-US" smtClean="0"/>
           </a:p>
           <a:p>
             <a:pPr lvl="1"/>
@@ -2203,7 +3360,6 @@
               <a:rPr lang="zh-CN" altLang="en-US" smtClean="0"/>
               <a:t>第二级</a:t>
             </a:r>
-            <a:endParaRPr lang="zh-CN" altLang="en-US" smtClean="0"/>
           </a:p>
           <a:p>
             <a:pPr lvl="2"/>
@@ -2211,7 +3367,6 @@
               <a:rPr lang="zh-CN" altLang="en-US" smtClean="0"/>
               <a:t>第三级</a:t>
             </a:r>
-            <a:endParaRPr lang="zh-CN" altLang="en-US" smtClean="0"/>
           </a:p>
           <a:p>
             <a:pPr lvl="3"/>
@@ -2219,7 +3374,6 @@
               <a:rPr lang="zh-CN" altLang="en-US" smtClean="0"/>
               <a:t>第四级</a:t>
             </a:r>
-            <a:endParaRPr lang="zh-CN" altLang="en-US" smtClean="0"/>
           </a:p>
           <a:p>
             <a:pPr lvl="4"/>
@@ -2475,7 +3629,6 @@
               <a:rPr lang="zh-CN" altLang="en-US" smtClean="0"/>
               <a:t>单击此处编辑母版文本样式</a:t>
             </a:r>
-            <a:endParaRPr lang="zh-CN" altLang="en-US" smtClean="0"/>
           </a:p>
         </p:txBody>
       </p:sp>
@@ -2501,6 +3654,7 @@
           <a:p>
             <a:fld id="{7BC3C6E0-25AE-8A44-A617-CADD813DE539}" type="datetime1">
               <a:rPr lang="zh-CN" altLang="en-US" smtClean="0"/>
+              <a:t>2017/7/9</a:t>
             </a:fld>
             <a:endParaRPr lang="zh-CN" altLang="en-US" dirty="0"/>
           </a:p>
@@ -2652,7 +3806,6 @@
               <a:rPr lang="zh-CN" altLang="en-US" dirty="0"/>
               <a:t>谢谢</a:t>
             </a:r>
-            <a:endParaRPr lang="zh-CN" altLang="en-US" dirty="0"/>
           </a:p>
         </p:txBody>
       </p:sp>
@@ -2843,7 +3996,6 @@
               <a:rPr lang="zh-CN" altLang="en-US" dirty="0" smtClean="0"/>
               <a:t>单击此处编辑母版文本样式</a:t>
             </a:r>
-            <a:endParaRPr lang="zh-CN" altLang="en-US" dirty="0" smtClean="0"/>
           </a:p>
           <a:p>
             <a:pPr lvl="1"/>
@@ -2851,7 +4003,6 @@
               <a:rPr lang="zh-CN" altLang="en-US" dirty="0" smtClean="0"/>
               <a:t>第二级</a:t>
             </a:r>
-            <a:endParaRPr lang="zh-CN" altLang="en-US" dirty="0" smtClean="0"/>
           </a:p>
           <a:p>
             <a:pPr lvl="2"/>
@@ -2859,7 +4010,6 @@
               <a:rPr lang="zh-CN" altLang="en-US" dirty="0" smtClean="0"/>
               <a:t>第三级</a:t>
             </a:r>
-            <a:endParaRPr lang="zh-CN" altLang="en-US" dirty="0" smtClean="0"/>
           </a:p>
           <a:p>
             <a:pPr lvl="3"/>
@@ -2867,7 +4017,6 @@
               <a:rPr lang="zh-CN" altLang="en-US" dirty="0" smtClean="0"/>
               <a:t>第四级</a:t>
             </a:r>
-            <a:endParaRPr lang="zh-CN" altLang="en-US" dirty="0" smtClean="0"/>
           </a:p>
           <a:p>
             <a:pPr lvl="4"/>
@@ -2914,6 +4063,7 @@
           <a:p>
             <a:fld id="{B8DE94C4-0AC0-E74D-83DE-D1778C094258}" type="datetime1">
               <a:rPr lang="zh-CN" altLang="en-US" smtClean="0"/>
+              <a:t>2017/7/9</a:t>
             </a:fld>
             <a:endParaRPr lang="zh-CN" altLang="en-US" dirty="0"/>
           </a:p>
@@ -2991,6 +4141,7 @@
           <a:p>
             <a:fld id="{0C913308-F349-4B6D-A68A-DD1791B4A57B}" type="slidenum">
               <a:rPr lang="zh-CN" altLang="en-US" smtClean="0"/>
+              <a:t>‹#›</a:t>
             </a:fld>
             <a:endParaRPr lang="zh-CN" altLang="en-US"/>
           </a:p>
@@ -3326,32 +4477,15 @@
               <a:buNone/>
             </a:pPr>
             <a:r>
-              <a:rPr lang="en-US" altLang="zh-CN" sz="2000" dirty="0">
+              <a:rPr lang="zh-CN" altLang="en-US" sz="2000" dirty="0" smtClean="0">
                 <a:solidFill>
                   <a:schemeClr val="bg1">
                     <a:lumMod val="95000"/>
                   </a:schemeClr>
                 </a:solidFill>
               </a:rPr>
-              <a:t>XXX</a:t>
-            </a:r>
-            <a:r>
-              <a:rPr lang="zh-CN" altLang="en-US" sz="2000" dirty="0" smtClean="0">
-                <a:solidFill>
-                  <a:schemeClr val="bg1">
-                    <a:lumMod val="95000"/>
-                  </a:schemeClr>
-                </a:solidFill>
-              </a:rPr>
-              <a:t>中心</a:t>
-            </a:r>
-            <a:endParaRPr lang="zh-CN" altLang="en-US" sz="2000" dirty="0" smtClean="0">
-              <a:solidFill>
-                <a:schemeClr val="bg1">
-                  <a:lumMod val="95000"/>
-                </a:schemeClr>
-              </a:solidFill>
-            </a:endParaRPr>
+              <a:t>企业云事业部</a:t>
+            </a:r>
           </a:p>
         </p:txBody>
       </p:sp>
@@ -3427,76 +4561,6 @@
       </p:grpSpPr>
       <p:sp>
         <p:nvSpPr>
-          <p:cNvPr id="2" name="内容占位符 1"/>
-          <p:cNvSpPr>
-            <a:spLocks noGrp="1"/>
-          </p:cNvSpPr>
-          <p:nvPr>
-            <p:ph idx="1"/>
-          </p:nvPr>
-        </p:nvSpPr>
-        <p:spPr>
-          <a:xfrm>
-            <a:off x="3348000" y="1393200"/>
-            <a:ext cx="5040424" cy="2880320"/>
-          </a:xfrm>
-        </p:spPr>
-        <p:txBody>
-          <a:bodyPr/>
-          <a:lstStyle/>
-          <a:p>
-            <a:pPr marL="0" indent="0">
-              <a:buNone/>
-            </a:pPr>
-            <a:r>
-              <a:rPr lang="zh-CN" altLang="en-US" dirty="0">
-                <a:latin typeface="微软雅黑" panose="020B0503020204020204" charset="-122"/>
-                <a:ea typeface="微软雅黑" panose="020B0503020204020204" charset="-122"/>
-                <a:cs typeface="微软雅黑" panose="020B0503020204020204" charset="-122"/>
-              </a:rPr>
-              <a:t>国美互联网（微软雅黑</a:t>
-            </a:r>
-            <a:r>
-              <a:rPr lang="en-US" altLang="zh-CN" dirty="0">
-                <a:latin typeface="微软雅黑" panose="020B0503020204020204" charset="-122"/>
-                <a:ea typeface="微软雅黑" panose="020B0503020204020204" charset="-122"/>
-                <a:cs typeface="微软雅黑" panose="020B0503020204020204" charset="-122"/>
-              </a:rPr>
-              <a:t>16</a:t>
-            </a:r>
-            <a:r>
-              <a:rPr lang="zh-CN" altLang="en-US" dirty="0">
-                <a:latin typeface="微软雅黑" panose="020B0503020204020204" charset="-122"/>
-                <a:ea typeface="微软雅黑" panose="020B0503020204020204" charset="-122"/>
-                <a:cs typeface="微软雅黑" panose="020B0503020204020204" charset="-122"/>
-              </a:rPr>
-              <a:t>）</a:t>
-            </a:r>
-            <a:endParaRPr lang="en-US" altLang="zh-CN" dirty="0">
-              <a:latin typeface="微软雅黑" panose="020B0503020204020204" charset="-122"/>
-              <a:ea typeface="微软雅黑" panose="020B0503020204020204" charset="-122"/>
-              <a:cs typeface="微软雅黑" panose="020B0503020204020204" charset="-122"/>
-            </a:endParaRPr>
-          </a:p>
-          <a:p>
-            <a:r>
-              <a:rPr dirty="0"/>
-              <a:t>面向对象</a:t>
-            </a:r>
-            <a:r>
-              <a:rPr lang="en-US" altLang="zh-CN" dirty="0"/>
-              <a:t>--</a:t>
-            </a:r>
-            <a:r>
-              <a:rPr dirty="0"/>
-              <a:t>例子</a:t>
-            </a:r>
-            <a:endParaRPr dirty="0"/>
-          </a:p>
-        </p:txBody>
-      </p:sp>
-      <p:sp>
-        <p:nvSpPr>
           <p:cNvPr id="3" name="标题 2"/>
           <p:cNvSpPr>
             <a:spLocks noGrp="1"/>
@@ -3511,103 +4575,25 @@
           <a:lstStyle/>
           <a:p>
             <a:r>
-              <a:rPr lang="zh-CN" altLang="en-US" dirty="0"/>
-              <a:t>国美互联网</a:t>
-            </a:r>
-            <a:r>
-              <a:rPr lang="zh-CN" altLang="en-US" sz="2000" dirty="0"/>
-              <a:t>（微软雅黑</a:t>
-            </a:r>
-            <a:r>
-              <a:rPr lang="en-US" altLang="zh-CN" sz="2000" dirty="0"/>
-              <a:t>28</a:t>
-            </a:r>
-            <a:r>
-              <a:rPr lang="zh-CN" altLang="en-US" sz="2000" dirty="0"/>
-              <a:t>，</a:t>
-            </a:r>
-            <a:r>
-              <a:rPr lang="zh-CN" altLang="en-US" sz="2000" dirty="0">
-                <a:solidFill>
-                  <a:srgbClr val="FF0000"/>
+              <a:rPr lang="zh-CN" altLang="en-US" dirty="0">
+                <a:solidFill>
+                  <a:srgbClr val="CA022A"/>
                 </a:solidFill>
               </a:rPr>
-              <a:t>文字可变红</a:t>
-            </a:r>
-            <a:r>
-              <a:rPr lang="zh-CN" altLang="en-US" sz="2000" dirty="0"/>
-              <a:t>）</a:t>
+              <a:t>技</a:t>
+            </a:r>
+            <a:r>
+              <a:rPr lang="zh-CN" altLang="en-US" dirty="0" smtClean="0">
+                <a:solidFill>
+                  <a:srgbClr val="CA022A"/>
+                </a:solidFill>
+              </a:rPr>
+              <a:t>术介绍</a:t>
             </a:r>
             <a:endParaRPr lang="zh-CN" altLang="en-US" sz="2000" dirty="0"/>
           </a:p>
         </p:txBody>
       </p:sp>
-      <p:grpSp>
-        <p:nvGrpSpPr>
-          <p:cNvPr id="5" name="Group 125"/>
-          <p:cNvGrpSpPr/>
-          <p:nvPr/>
-        </p:nvGrpSpPr>
-        <p:grpSpPr>
-          <a:xfrm>
-            <a:off x="467544" y="1249944"/>
-            <a:ext cx="2736304" cy="3049998"/>
-            <a:chOff x="0" y="0"/>
-            <a:chExt cx="4735530" cy="7027095"/>
-          </a:xfrm>
-        </p:grpSpPr>
-        <p:pic>
-          <p:nvPicPr>
-            <p:cNvPr id="6" name="44d2a6f01afea900b48d946b1ce4f7d4a9e6573a27ccf-9N4gSJ_fw658.jpeg"/>
-            <p:cNvPicPr>
-              <a:picLocks noChangeAspect="1"/>
-            </p:cNvPicPr>
-            <p:nvPr/>
-          </p:nvPicPr>
-          <p:blipFill>
-            <a:blip r:embed="rId1"/>
-            <a:stretch>
-              <a:fillRect/>
-            </a:stretch>
-          </p:blipFill>
-          <p:spPr>
-            <a:xfrm>
-              <a:off x="177800" y="114300"/>
-              <a:ext cx="4379931" cy="6569896"/>
-            </a:xfrm>
-            <a:prstGeom prst="rect">
-              <a:avLst/>
-            </a:prstGeom>
-            <a:ln>
-              <a:noFill/>
-            </a:ln>
-            <a:effectLst/>
-          </p:spPr>
-        </p:pic>
-        <p:pic>
-          <p:nvPicPr>
-            <p:cNvPr id="7" name="图片 6"/>
-            <p:cNvPicPr/>
-            <p:nvPr/>
-          </p:nvPicPr>
-          <p:blipFill>
-            <a:blip r:embed="rId2"/>
-            <a:stretch>
-              <a:fillRect/>
-            </a:stretch>
-          </p:blipFill>
-          <p:spPr>
-            <a:xfrm>
-              <a:off x="0" y="0"/>
-              <a:ext cx="4735531" cy="7027096"/>
-            </a:xfrm>
-            <a:prstGeom prst="rect">
-              <a:avLst/>
-            </a:prstGeom>
-            <a:effectLst/>
-          </p:spPr>
-        </p:pic>
-      </p:grpSp>
       <p:sp>
         <p:nvSpPr>
           <p:cNvPr id="8" name="幻灯片编号占位符 3"/>
@@ -3725,11 +4711,88 @@
           <a:p>
             <a:fld id="{0C913308-F349-4B6D-A68A-DD1791B4A57B}" type="slidenum">
               <a:rPr lang="zh-CN" altLang="en-US" smtClean="0"/>
+              <a:t>9</a:t>
             </a:fld>
             <a:endParaRPr lang="zh-CN" altLang="en-US" dirty="0"/>
           </a:p>
         </p:txBody>
       </p:sp>
+      <p:sp>
+        <p:nvSpPr>
+          <p:cNvPr id="9" name="矩形 8"/>
+          <p:cNvSpPr/>
+          <p:nvPr/>
+        </p:nvSpPr>
+        <p:spPr>
+          <a:xfrm>
+            <a:off x="259255" y="467103"/>
+            <a:ext cx="64273" cy="376455"/>
+          </a:xfrm>
+          <a:prstGeom prst="rect">
+            <a:avLst/>
+          </a:prstGeom>
+          <a:solidFill>
+            <a:srgbClr val="FF5400"/>
+          </a:solidFill>
+          <a:ln>
+            <a:noFill/>
+          </a:ln>
+        </p:spPr>
+        <p:style>
+          <a:lnRef idx="2">
+            <a:schemeClr val="accent1">
+              <a:shade val="50000"/>
+            </a:schemeClr>
+          </a:lnRef>
+          <a:fillRef idx="1">
+            <a:schemeClr val="accent1"/>
+          </a:fillRef>
+          <a:effectRef idx="0">
+            <a:schemeClr val="accent1"/>
+          </a:effectRef>
+          <a:fontRef idx="minor">
+            <a:schemeClr val="lt1"/>
+          </a:fontRef>
+        </p:style>
+        <p:txBody>
+          <a:bodyPr rtlCol="0" anchor="ctr"/>
+          <a:lstStyle/>
+          <a:p>
+            <a:pPr algn="ctr"/>
+            <a:endParaRPr kumimoji="1" lang="zh-CN" altLang="en-US" sz="1350"/>
+          </a:p>
+        </p:txBody>
+      </p:sp>
+      <p:pic>
+        <p:nvPicPr>
+          <p:cNvPr id="10" name="图片 9"/>
+          <p:cNvPicPr>
+            <a:picLocks noChangeAspect="1"/>
+          </p:cNvPicPr>
+          <p:nvPr/>
+        </p:nvPicPr>
+        <p:blipFill>
+          <a:blip r:embed="rId2">
+            <a:extLst>
+              <a:ext uri="{28A0092B-C50C-407E-A947-70E740481C1C}">
+                <a14:useLocalDpi xmlns:a14="http://schemas.microsoft.com/office/drawing/2010/main" val="0"/>
+              </a:ext>
+            </a:extLst>
+          </a:blip>
+          <a:stretch>
+            <a:fillRect/>
+          </a:stretch>
+        </p:blipFill>
+        <p:spPr>
+          <a:xfrm>
+            <a:off x="0" y="824983"/>
+            <a:ext cx="9144000" cy="3718241"/>
+          </a:xfrm>
+          <a:prstGeom prst="rect">
+            <a:avLst/>
+          </a:prstGeom>
+        </p:spPr>
+      </p:pic>
     </p:spTree>
   </p:cSld>
   <p:clrMapOvr>
@@ -3764,76 +4827,6 @@
       </p:grpSpPr>
       <p:sp>
         <p:nvSpPr>
-          <p:cNvPr id="2" name="内容占位符 1"/>
-          <p:cNvSpPr>
-            <a:spLocks noGrp="1"/>
-          </p:cNvSpPr>
-          <p:nvPr>
-            <p:ph idx="1"/>
-          </p:nvPr>
-        </p:nvSpPr>
-        <p:spPr>
-          <a:xfrm>
-            <a:off x="3348000" y="1393200"/>
-            <a:ext cx="5040424" cy="2880320"/>
-          </a:xfrm>
-        </p:spPr>
-        <p:txBody>
-          <a:bodyPr/>
-          <a:lstStyle/>
-          <a:p>
-            <a:pPr marL="0" indent="0">
-              <a:buNone/>
-            </a:pPr>
-            <a:r>
-              <a:rPr lang="zh-CN" altLang="en-US" dirty="0">
-                <a:latin typeface="微软雅黑" panose="020B0503020204020204" charset="-122"/>
-                <a:ea typeface="微软雅黑" panose="020B0503020204020204" charset="-122"/>
-                <a:cs typeface="微软雅黑" panose="020B0503020204020204" charset="-122"/>
-              </a:rPr>
-              <a:t>国美互联网（微软雅黑</a:t>
-            </a:r>
-            <a:r>
-              <a:rPr lang="en-US" altLang="zh-CN" dirty="0">
-                <a:latin typeface="微软雅黑" panose="020B0503020204020204" charset="-122"/>
-                <a:ea typeface="微软雅黑" panose="020B0503020204020204" charset="-122"/>
-                <a:cs typeface="微软雅黑" panose="020B0503020204020204" charset="-122"/>
-              </a:rPr>
-              <a:t>16</a:t>
-            </a:r>
-            <a:r>
-              <a:rPr lang="zh-CN" altLang="en-US" dirty="0">
-                <a:latin typeface="微软雅黑" panose="020B0503020204020204" charset="-122"/>
-                <a:ea typeface="微软雅黑" panose="020B0503020204020204" charset="-122"/>
-                <a:cs typeface="微软雅黑" panose="020B0503020204020204" charset="-122"/>
-              </a:rPr>
-              <a:t>）</a:t>
-            </a:r>
-            <a:endParaRPr lang="en-US" altLang="zh-CN" dirty="0">
-              <a:latin typeface="微软雅黑" panose="020B0503020204020204" charset="-122"/>
-              <a:ea typeface="微软雅黑" panose="020B0503020204020204" charset="-122"/>
-              <a:cs typeface="微软雅黑" panose="020B0503020204020204" charset="-122"/>
-            </a:endParaRPr>
-          </a:p>
-          <a:p>
-            <a:r>
-              <a:rPr dirty="0"/>
-              <a:t>设计模式</a:t>
-            </a:r>
-            <a:r>
-              <a:rPr lang="en-US" altLang="zh-CN" dirty="0"/>
-              <a:t>--</a:t>
-            </a:r>
-            <a:r>
-              <a:rPr dirty="0"/>
-              <a:t>例子</a:t>
-            </a:r>
-            <a:endParaRPr dirty="0"/>
-          </a:p>
-        </p:txBody>
-      </p:sp>
-      <p:sp>
-        <p:nvSpPr>
           <p:cNvPr id="3" name="标题 2"/>
           <p:cNvSpPr>
             <a:spLocks noGrp="1"/>
@@ -3848,103 +4841,33 @@
           <a:lstStyle/>
           <a:p>
             <a:r>
-              <a:rPr lang="zh-CN" altLang="en-US" dirty="0"/>
-              <a:t>国美互联网</a:t>
-            </a:r>
-            <a:r>
-              <a:rPr lang="zh-CN" altLang="en-US" sz="2000" dirty="0"/>
-              <a:t>（微软雅黑</a:t>
-            </a:r>
-            <a:r>
-              <a:rPr lang="en-US" altLang="zh-CN" sz="2000" dirty="0"/>
-              <a:t>28</a:t>
-            </a:r>
-            <a:r>
-              <a:rPr lang="zh-CN" altLang="en-US" sz="2000" dirty="0"/>
-              <a:t>，</a:t>
-            </a:r>
-            <a:r>
-              <a:rPr lang="zh-CN" altLang="en-US" sz="2000" dirty="0">
-                <a:solidFill>
-                  <a:srgbClr val="FF0000"/>
+              <a:rPr lang="zh-CN" altLang="en-US" dirty="0" smtClean="0">
+                <a:solidFill>
+                  <a:srgbClr val="CA022A"/>
                 </a:solidFill>
               </a:rPr>
-              <a:t>文字可变红</a:t>
-            </a:r>
-            <a:r>
-              <a:rPr lang="zh-CN" altLang="en-US" sz="2000" dirty="0"/>
-              <a:t>）</a:t>
+              <a:t>实际应用</a:t>
+            </a:r>
+            <a:r>
+              <a:rPr lang="en-US" altLang="zh-CN" dirty="0" smtClean="0">
+                <a:solidFill>
+                  <a:srgbClr val="CA022A"/>
+                </a:solidFill>
+              </a:rPr>
+              <a:t>&amp;</a:t>
+            </a:r>
+            <a:r>
+              <a:rPr lang="zh-CN" altLang="en-US" dirty="0" smtClean="0">
+                <a:solidFill>
+                  <a:srgbClr val="CA022A"/>
+                </a:solidFill>
+              </a:rPr>
+              <a:t>面向对象</a:t>
             </a:r>
             <a:endParaRPr lang="zh-CN" altLang="en-US" sz="2000" dirty="0"/>
           </a:p>
         </p:txBody>
       </p:sp>
-      <p:grpSp>
-        <p:nvGrpSpPr>
-          <p:cNvPr id="5" name="Group 125"/>
-          <p:cNvGrpSpPr/>
-          <p:nvPr/>
-        </p:nvGrpSpPr>
-        <p:grpSpPr>
-          <a:xfrm>
-            <a:off x="467544" y="1249944"/>
-            <a:ext cx="2736304" cy="3049998"/>
-            <a:chOff x="0" y="0"/>
-            <a:chExt cx="4735530" cy="7027095"/>
-          </a:xfrm>
-        </p:grpSpPr>
-        <p:pic>
-          <p:nvPicPr>
-            <p:cNvPr id="6" name="44d2a6f01afea900b48d946b1ce4f7d4a9e6573a27ccf-9N4gSJ_fw658.jpeg"/>
-            <p:cNvPicPr>
-              <a:picLocks noChangeAspect="1"/>
-            </p:cNvPicPr>
-            <p:nvPr/>
-          </p:nvPicPr>
-          <p:blipFill>
-            <a:blip r:embed="rId1"/>
-            <a:stretch>
-              <a:fillRect/>
-            </a:stretch>
-          </p:blipFill>
-          <p:spPr>
-            <a:xfrm>
-              <a:off x="177800" y="114300"/>
-              <a:ext cx="4379931" cy="6569896"/>
-            </a:xfrm>
-            <a:prstGeom prst="rect">
-              <a:avLst/>
-            </a:prstGeom>
-            <a:ln>
-              <a:noFill/>
-            </a:ln>
-            <a:effectLst/>
-          </p:spPr>
-        </p:pic>
-        <p:pic>
-          <p:nvPicPr>
-            <p:cNvPr id="7" name="图片 6"/>
-            <p:cNvPicPr/>
-            <p:nvPr/>
-          </p:nvPicPr>
-          <p:blipFill>
-            <a:blip r:embed="rId2"/>
-            <a:stretch>
-              <a:fillRect/>
-            </a:stretch>
-          </p:blipFill>
-          <p:spPr>
-            <a:xfrm>
-              <a:off x="0" y="0"/>
-              <a:ext cx="4735531" cy="7027096"/>
-            </a:xfrm>
-            <a:prstGeom prst="rect">
-              <a:avLst/>
-            </a:prstGeom>
-            <a:effectLst/>
-          </p:spPr>
-        </p:pic>
-      </p:grpSp>
       <p:sp>
         <p:nvSpPr>
           <p:cNvPr id="8" name="幻灯片编号占位符 3"/>
@@ -4062,8 +4985,115 @@
           <a:p>
             <a:fld id="{0C913308-F349-4B6D-A68A-DD1791B4A57B}" type="slidenum">
               <a:rPr lang="zh-CN" altLang="en-US" smtClean="0"/>
+              <a:t>10</a:t>
             </a:fld>
             <a:endParaRPr lang="zh-CN" altLang="en-US" dirty="0"/>
+          </a:p>
+        </p:txBody>
+      </p:sp>
+      <p:pic>
+        <p:nvPicPr>
+          <p:cNvPr id="9" name="图片 8"/>
+          <p:cNvPicPr>
+            <a:picLocks noChangeAspect="1"/>
+          </p:cNvPicPr>
+          <p:nvPr/>
+        </p:nvPicPr>
+        <p:blipFill>
+          <a:blip r:embed="rId2">
+            <a:extLst>
+              <a:ext uri="{28A0092B-C50C-407E-A947-70E740481C1C}">
+                <a14:useLocalDpi xmlns:a14="http://schemas.microsoft.com/office/drawing/2010/main" val="0"/>
+              </a:ext>
+            </a:extLst>
+          </a:blip>
+          <a:stretch>
+            <a:fillRect/>
+          </a:stretch>
+        </p:blipFill>
+        <p:spPr>
+          <a:xfrm>
+            <a:off x="0" y="1056084"/>
+            <a:ext cx="4427984" cy="3586017"/>
+          </a:xfrm>
+          <a:prstGeom prst="rect">
+            <a:avLst/>
+          </a:prstGeom>
+        </p:spPr>
+      </p:pic>
+      <p:pic>
+        <p:nvPicPr>
+          <p:cNvPr id="12" name="图片 11"/>
+          <p:cNvPicPr>
+            <a:picLocks noChangeAspect="1"/>
+          </p:cNvPicPr>
+          <p:nvPr/>
+        </p:nvPicPr>
+        <p:blipFill>
+          <a:blip r:embed="rId3">
+            <a:extLst>
+              <a:ext uri="{28A0092B-C50C-407E-A947-70E740481C1C}">
+                <a14:useLocalDpi xmlns:a14="http://schemas.microsoft.com/office/drawing/2010/main" val="0"/>
+              </a:ext>
+            </a:extLst>
+          </a:blip>
+          <a:stretch>
+            <a:fillRect/>
+          </a:stretch>
+        </p:blipFill>
+        <p:spPr>
+          <a:xfrm>
+            <a:off x="4458362" y="1056083"/>
+            <a:ext cx="5226206" cy="3586017"/>
+          </a:xfrm>
+          <a:prstGeom prst="rect">
+            <a:avLst/>
+          </a:prstGeom>
+        </p:spPr>
+      </p:pic>
+      <p:sp>
+        <p:nvSpPr>
+          <p:cNvPr id="13" name="矩形 12"/>
+          <p:cNvSpPr/>
+          <p:nvPr/>
+        </p:nvSpPr>
+        <p:spPr>
+          <a:xfrm>
+            <a:off x="259255" y="467103"/>
+            <a:ext cx="64273" cy="376455"/>
+          </a:xfrm>
+          <a:prstGeom prst="rect">
+            <a:avLst/>
+          </a:prstGeom>
+          <a:solidFill>
+            <a:srgbClr val="FF5400"/>
+          </a:solidFill>
+          <a:ln>
+            <a:noFill/>
+          </a:ln>
+        </p:spPr>
+        <p:style>
+          <a:lnRef idx="2">
+            <a:schemeClr val="accent1">
+              <a:shade val="50000"/>
+            </a:schemeClr>
+          </a:lnRef>
+          <a:fillRef idx="1">
+            <a:schemeClr val="accent1"/>
+          </a:fillRef>
+          <a:effectRef idx="0">
+            <a:schemeClr val="accent1"/>
+          </a:effectRef>
+          <a:fontRef idx="minor">
+            <a:schemeClr val="lt1"/>
+          </a:fontRef>
+        </p:style>
+        <p:txBody>
+          <a:bodyPr rtlCol="0" anchor="ctr"/>
+          <a:lstStyle/>
+          <a:p>
+            <a:pPr algn="ctr"/>
+            <a:endParaRPr kumimoji="1" lang="zh-CN" altLang="en-US" sz="1350"/>
           </a:p>
         </p:txBody>
       </p:sp>
@@ -4101,6 +5131,1117 @@
       </p:grpSpPr>
       <p:sp>
         <p:nvSpPr>
+          <p:cNvPr id="3" name="标题 2"/>
+          <p:cNvSpPr>
+            <a:spLocks noGrp="1"/>
+          </p:cNvSpPr>
+          <p:nvPr>
+            <p:ph type="title"/>
+          </p:nvPr>
+        </p:nvSpPr>
+        <p:spPr/>
+        <p:txBody>
+          <a:bodyPr/>
+          <a:lstStyle/>
+          <a:p>
+            <a:r>
+              <a:rPr lang="zh-CN" altLang="en-US" dirty="0">
+                <a:solidFill>
+                  <a:srgbClr val="CA022A"/>
+                </a:solidFill>
+              </a:rPr>
+              <a:t>实际应用</a:t>
+            </a:r>
+            <a:r>
+              <a:rPr lang="en-US" altLang="zh-CN" dirty="0" smtClean="0">
+                <a:solidFill>
+                  <a:srgbClr val="CA022A"/>
+                </a:solidFill>
+              </a:rPr>
+              <a:t>&amp;</a:t>
+            </a:r>
+            <a:r>
+              <a:rPr lang="zh-CN" altLang="en-US" dirty="0" smtClean="0">
+                <a:solidFill>
+                  <a:srgbClr val="CA022A"/>
+                </a:solidFill>
+              </a:rPr>
+              <a:t>设计模式</a:t>
+            </a:r>
+            <a:endParaRPr lang="zh-CN" altLang="en-US" sz="2000" dirty="0"/>
+          </a:p>
+        </p:txBody>
+      </p:sp>
+      <p:sp>
+        <p:nvSpPr>
+          <p:cNvPr id="8" name="幻灯片编号占位符 3"/>
+          <p:cNvSpPr txBox="1"/>
+          <p:nvPr/>
+        </p:nvSpPr>
+        <p:spPr>
+          <a:xfrm>
+            <a:off x="8316416" y="4767263"/>
+            <a:ext cx="2133600" cy="273844"/>
+          </a:xfrm>
+          <a:prstGeom prst="rect">
+            <a:avLst/>
+          </a:prstGeom>
+        </p:spPr>
+        <p:txBody>
+          <a:bodyPr vert="horz" lIns="91440" tIns="45720" rIns="91440" bIns="45720" rtlCol="0" anchor="ctr"/>
+          <a:lstStyle>
+            <a:defPPr>
+              <a:defRPr lang="zh-CN"/>
+            </a:defPPr>
+            <a:lvl1pPr marL="0" algn="l" defTabSz="914400" rtl="0" eaLnBrk="1" latinLnBrk="0" hangingPunct="1">
+              <a:defRPr sz="1200" kern="1200">
+                <a:solidFill>
+                  <a:schemeClr val="tx1">
+                    <a:tint val="75000"/>
+                  </a:schemeClr>
+                </a:solidFill>
+                <a:latin typeface="+mn-lt"/>
+                <a:ea typeface="+mn-ea"/>
+                <a:cs typeface="+mn-cs"/>
+              </a:defRPr>
+            </a:lvl1pPr>
+            <a:lvl2pPr marL="457200" algn="l" defTabSz="914400" rtl="0" eaLnBrk="1" latinLnBrk="0" hangingPunct="1">
+              <a:defRPr sz="1800" kern="1200">
+                <a:solidFill>
+                  <a:schemeClr val="tx1"/>
+                </a:solidFill>
+                <a:latin typeface="+mn-lt"/>
+                <a:ea typeface="+mn-ea"/>
+                <a:cs typeface="+mn-cs"/>
+              </a:defRPr>
+            </a:lvl2pPr>
+            <a:lvl3pPr marL="914400" algn="l" defTabSz="914400" rtl="0" eaLnBrk="1" latinLnBrk="0" hangingPunct="1">
+              <a:defRPr sz="1800" kern="1200">
+                <a:solidFill>
+                  <a:schemeClr val="tx1"/>
+                </a:solidFill>
+                <a:latin typeface="+mn-lt"/>
+                <a:ea typeface="+mn-ea"/>
+                <a:cs typeface="+mn-cs"/>
+              </a:defRPr>
+            </a:lvl3pPr>
+            <a:lvl4pPr marL="1371600" algn="l" defTabSz="914400" rtl="0" eaLnBrk="1" latinLnBrk="0" hangingPunct="1">
+              <a:defRPr sz="1800" kern="1200">
+                <a:solidFill>
+                  <a:schemeClr val="tx1"/>
+                </a:solidFill>
+                <a:latin typeface="+mn-lt"/>
+                <a:ea typeface="+mn-ea"/>
+                <a:cs typeface="+mn-cs"/>
+              </a:defRPr>
+            </a:lvl4pPr>
+            <a:lvl5pPr marL="1828800" algn="l" defTabSz="914400" rtl="0" eaLnBrk="1" latinLnBrk="0" hangingPunct="1">
+              <a:defRPr sz="1800" kern="1200">
+                <a:solidFill>
+                  <a:schemeClr val="tx1"/>
+                </a:solidFill>
+                <a:latin typeface="+mn-lt"/>
+                <a:ea typeface="+mn-ea"/>
+                <a:cs typeface="+mn-cs"/>
+              </a:defRPr>
+            </a:lvl5pPr>
+            <a:lvl6pPr marL="2286000" algn="l" defTabSz="914400" rtl="0" eaLnBrk="1" latinLnBrk="0" hangingPunct="1">
+              <a:defRPr sz="1800" kern="1200">
+                <a:solidFill>
+                  <a:schemeClr val="tx1"/>
+                </a:solidFill>
+                <a:latin typeface="+mn-lt"/>
+                <a:ea typeface="+mn-ea"/>
+                <a:cs typeface="+mn-cs"/>
+              </a:defRPr>
+            </a:lvl6pPr>
+            <a:lvl7pPr marL="2743200" algn="l" defTabSz="914400" rtl="0" eaLnBrk="1" latinLnBrk="0" hangingPunct="1">
+              <a:defRPr sz="1800" kern="1200">
+                <a:solidFill>
+                  <a:schemeClr val="tx1"/>
+                </a:solidFill>
+                <a:latin typeface="+mn-lt"/>
+                <a:ea typeface="+mn-ea"/>
+                <a:cs typeface="+mn-cs"/>
+              </a:defRPr>
+            </a:lvl7pPr>
+            <a:lvl8pPr marL="3200400" algn="l" defTabSz="914400" rtl="0" eaLnBrk="1" latinLnBrk="0" hangingPunct="1">
+              <a:defRPr sz="1800" kern="1200">
+                <a:solidFill>
+                  <a:schemeClr val="tx1"/>
+                </a:solidFill>
+                <a:latin typeface="+mn-lt"/>
+                <a:ea typeface="+mn-ea"/>
+                <a:cs typeface="+mn-cs"/>
+              </a:defRPr>
+            </a:lvl8pPr>
+            <a:lvl9pPr marL="3657600" algn="l" defTabSz="914400" rtl="0" eaLnBrk="1" latinLnBrk="0" hangingPunct="1">
+              <a:defRPr sz="1800" kern="1200">
+                <a:solidFill>
+                  <a:schemeClr val="tx1"/>
+                </a:solidFill>
+                <a:latin typeface="+mn-lt"/>
+                <a:ea typeface="+mn-ea"/>
+                <a:cs typeface="+mn-cs"/>
+              </a:defRPr>
+            </a:lvl9pPr>
+          </a:lstStyle>
+          <a:p>
+            <a:fld id="{0C913308-F349-4B6D-A68A-DD1791B4A57B}" type="slidenum">
+              <a:rPr lang="zh-CN" altLang="en-US" smtClean="0"/>
+              <a:t>11</a:t>
+            </a:fld>
+            <a:endParaRPr lang="zh-CN" altLang="en-US" dirty="0"/>
+          </a:p>
+        </p:txBody>
+      </p:sp>
+      <p:pic>
+        <p:nvPicPr>
+          <p:cNvPr id="9" name="图片 8"/>
+          <p:cNvPicPr>
+            <a:picLocks noChangeAspect="1"/>
+          </p:cNvPicPr>
+          <p:nvPr/>
+        </p:nvPicPr>
+        <p:blipFill>
+          <a:blip r:embed="rId2">
+            <a:extLst>
+              <a:ext uri="{28A0092B-C50C-407E-A947-70E740481C1C}">
+                <a14:useLocalDpi xmlns:a14="http://schemas.microsoft.com/office/drawing/2010/main" val="0"/>
+              </a:ext>
+            </a:extLst>
+          </a:blip>
+          <a:stretch>
+            <a:fillRect/>
+          </a:stretch>
+        </p:blipFill>
+        <p:spPr>
+          <a:xfrm>
+            <a:off x="648072" y="962406"/>
+            <a:ext cx="6372200" cy="3552097"/>
+          </a:xfrm>
+          <a:prstGeom prst="rect">
+            <a:avLst/>
+          </a:prstGeom>
+        </p:spPr>
+      </p:pic>
+      <p:sp>
+        <p:nvSpPr>
+          <p:cNvPr id="10" name="矩形 9"/>
+          <p:cNvSpPr/>
+          <p:nvPr/>
+        </p:nvSpPr>
+        <p:spPr>
+          <a:xfrm>
+            <a:off x="259255" y="467103"/>
+            <a:ext cx="64273" cy="376455"/>
+          </a:xfrm>
+          <a:prstGeom prst="rect">
+            <a:avLst/>
+          </a:prstGeom>
+          <a:solidFill>
+            <a:srgbClr val="FF5400"/>
+          </a:solidFill>
+          <a:ln>
+            <a:noFill/>
+          </a:ln>
+        </p:spPr>
+        <p:style>
+          <a:lnRef idx="2">
+            <a:schemeClr val="accent1">
+              <a:shade val="50000"/>
+            </a:schemeClr>
+          </a:lnRef>
+          <a:fillRef idx="1">
+            <a:schemeClr val="accent1"/>
+          </a:fillRef>
+          <a:effectRef idx="0">
+            <a:schemeClr val="accent1"/>
+          </a:effectRef>
+          <a:fontRef idx="minor">
+            <a:schemeClr val="lt1"/>
+          </a:fontRef>
+        </p:style>
+        <p:txBody>
+          <a:bodyPr rtlCol="0" anchor="ctr"/>
+          <a:lstStyle/>
+          <a:p>
+            <a:pPr algn="ctr"/>
+            <a:endParaRPr kumimoji="1" lang="zh-CN" altLang="en-US" sz="1350"/>
+          </a:p>
+        </p:txBody>
+      </p:sp>
+    </p:spTree>
+  </p:cSld>
+  <p:clrMapOvr>
+    <a:masterClrMapping/>
+  </p:clrMapOvr>
+  <p:timing>
+    <p:tnLst>
+      <p:par>
+        <p:cTn id="1" dur="indefinite" restart="never" nodeType="tmRoot"/>
+      </p:par>
+    </p:tnLst>
+  </p:timing>
+</p:sld>
+</file>
+
+<file path=ppt/slides/slide13.xml><?xml version="1.0" encoding="utf-8"?>
+<p:sld xmlns:a="http://schemas.openxmlformats.org/drawingml/2006/main" xmlns:r="http://schemas.openxmlformats.org/officeDocument/2006/relationships" xmlns:p="http://schemas.openxmlformats.org/presentationml/2006/main">
+  <p:cSld>
+    <p:spTree>
+      <p:nvGrpSpPr>
+        <p:cNvPr id="1" name=""/>
+        <p:cNvGrpSpPr/>
+        <p:nvPr/>
+      </p:nvGrpSpPr>
+      <p:grpSpPr>
+        <a:xfrm>
+          <a:off x="0" y="0"/>
+          <a:ext cx="0" cy="0"/>
+          <a:chOff x="0" y="0"/>
+          <a:chExt cx="0" cy="0"/>
+        </a:xfrm>
+      </p:grpSpPr>
+      <p:sp>
+        <p:nvSpPr>
+          <p:cNvPr id="3" name="标题 2"/>
+          <p:cNvSpPr>
+            <a:spLocks noGrp="1"/>
+          </p:cNvSpPr>
+          <p:nvPr>
+            <p:ph type="title"/>
+          </p:nvPr>
+        </p:nvSpPr>
+        <p:spPr/>
+        <p:txBody>
+          <a:bodyPr/>
+          <a:lstStyle/>
+          <a:p>
+            <a:r>
+              <a:rPr lang="zh-CN" altLang="en-US" dirty="0">
+                <a:solidFill>
+                  <a:srgbClr val="CA022A"/>
+                </a:solidFill>
+              </a:rPr>
+              <a:t>实际应用</a:t>
+            </a:r>
+            <a:r>
+              <a:rPr lang="en-US" altLang="zh-CN" dirty="0" smtClean="0">
+                <a:solidFill>
+                  <a:srgbClr val="CA022A"/>
+                </a:solidFill>
+              </a:rPr>
+              <a:t>&amp;</a:t>
+            </a:r>
+            <a:r>
+              <a:rPr lang="zh-CN" altLang="en-US" dirty="0" smtClean="0">
+                <a:solidFill>
+                  <a:srgbClr val="CA022A"/>
+                </a:solidFill>
+              </a:rPr>
+              <a:t>设计模式</a:t>
+            </a:r>
+            <a:endParaRPr lang="zh-CN" altLang="en-US" sz="2000" dirty="0"/>
+          </a:p>
+        </p:txBody>
+      </p:sp>
+      <p:sp>
+        <p:nvSpPr>
+          <p:cNvPr id="8" name="幻灯片编号占位符 3"/>
+          <p:cNvSpPr txBox="1"/>
+          <p:nvPr/>
+        </p:nvSpPr>
+        <p:spPr>
+          <a:xfrm>
+            <a:off x="8316416" y="4767263"/>
+            <a:ext cx="2133600" cy="273844"/>
+          </a:xfrm>
+          <a:prstGeom prst="rect">
+            <a:avLst/>
+          </a:prstGeom>
+        </p:spPr>
+        <p:txBody>
+          <a:bodyPr vert="horz" lIns="91440" tIns="45720" rIns="91440" bIns="45720" rtlCol="0" anchor="ctr"/>
+          <a:lstStyle>
+            <a:defPPr>
+              <a:defRPr lang="zh-CN"/>
+            </a:defPPr>
+            <a:lvl1pPr marL="0" algn="l" defTabSz="914400" rtl="0" eaLnBrk="1" latinLnBrk="0" hangingPunct="1">
+              <a:defRPr sz="1200" kern="1200">
+                <a:solidFill>
+                  <a:schemeClr val="tx1">
+                    <a:tint val="75000"/>
+                  </a:schemeClr>
+                </a:solidFill>
+                <a:latin typeface="+mn-lt"/>
+                <a:ea typeface="+mn-ea"/>
+                <a:cs typeface="+mn-cs"/>
+              </a:defRPr>
+            </a:lvl1pPr>
+            <a:lvl2pPr marL="457200" algn="l" defTabSz="914400" rtl="0" eaLnBrk="1" latinLnBrk="0" hangingPunct="1">
+              <a:defRPr sz="1800" kern="1200">
+                <a:solidFill>
+                  <a:schemeClr val="tx1"/>
+                </a:solidFill>
+                <a:latin typeface="+mn-lt"/>
+                <a:ea typeface="+mn-ea"/>
+                <a:cs typeface="+mn-cs"/>
+              </a:defRPr>
+            </a:lvl2pPr>
+            <a:lvl3pPr marL="914400" algn="l" defTabSz="914400" rtl="0" eaLnBrk="1" latinLnBrk="0" hangingPunct="1">
+              <a:defRPr sz="1800" kern="1200">
+                <a:solidFill>
+                  <a:schemeClr val="tx1"/>
+                </a:solidFill>
+                <a:latin typeface="+mn-lt"/>
+                <a:ea typeface="+mn-ea"/>
+                <a:cs typeface="+mn-cs"/>
+              </a:defRPr>
+            </a:lvl3pPr>
+            <a:lvl4pPr marL="1371600" algn="l" defTabSz="914400" rtl="0" eaLnBrk="1" latinLnBrk="0" hangingPunct="1">
+              <a:defRPr sz="1800" kern="1200">
+                <a:solidFill>
+                  <a:schemeClr val="tx1"/>
+                </a:solidFill>
+                <a:latin typeface="+mn-lt"/>
+                <a:ea typeface="+mn-ea"/>
+                <a:cs typeface="+mn-cs"/>
+              </a:defRPr>
+            </a:lvl4pPr>
+            <a:lvl5pPr marL="1828800" algn="l" defTabSz="914400" rtl="0" eaLnBrk="1" latinLnBrk="0" hangingPunct="1">
+              <a:defRPr sz="1800" kern="1200">
+                <a:solidFill>
+                  <a:schemeClr val="tx1"/>
+                </a:solidFill>
+                <a:latin typeface="+mn-lt"/>
+                <a:ea typeface="+mn-ea"/>
+                <a:cs typeface="+mn-cs"/>
+              </a:defRPr>
+            </a:lvl5pPr>
+            <a:lvl6pPr marL="2286000" algn="l" defTabSz="914400" rtl="0" eaLnBrk="1" latinLnBrk="0" hangingPunct="1">
+              <a:defRPr sz="1800" kern="1200">
+                <a:solidFill>
+                  <a:schemeClr val="tx1"/>
+                </a:solidFill>
+                <a:latin typeface="+mn-lt"/>
+                <a:ea typeface="+mn-ea"/>
+                <a:cs typeface="+mn-cs"/>
+              </a:defRPr>
+            </a:lvl6pPr>
+            <a:lvl7pPr marL="2743200" algn="l" defTabSz="914400" rtl="0" eaLnBrk="1" latinLnBrk="0" hangingPunct="1">
+              <a:defRPr sz="1800" kern="1200">
+                <a:solidFill>
+                  <a:schemeClr val="tx1"/>
+                </a:solidFill>
+                <a:latin typeface="+mn-lt"/>
+                <a:ea typeface="+mn-ea"/>
+                <a:cs typeface="+mn-cs"/>
+              </a:defRPr>
+            </a:lvl7pPr>
+            <a:lvl8pPr marL="3200400" algn="l" defTabSz="914400" rtl="0" eaLnBrk="1" latinLnBrk="0" hangingPunct="1">
+              <a:defRPr sz="1800" kern="1200">
+                <a:solidFill>
+                  <a:schemeClr val="tx1"/>
+                </a:solidFill>
+                <a:latin typeface="+mn-lt"/>
+                <a:ea typeface="+mn-ea"/>
+                <a:cs typeface="+mn-cs"/>
+              </a:defRPr>
+            </a:lvl8pPr>
+            <a:lvl9pPr marL="3657600" algn="l" defTabSz="914400" rtl="0" eaLnBrk="1" latinLnBrk="0" hangingPunct="1">
+              <a:defRPr sz="1800" kern="1200">
+                <a:solidFill>
+                  <a:schemeClr val="tx1"/>
+                </a:solidFill>
+                <a:latin typeface="+mn-lt"/>
+                <a:ea typeface="+mn-ea"/>
+                <a:cs typeface="+mn-cs"/>
+              </a:defRPr>
+            </a:lvl9pPr>
+          </a:lstStyle>
+          <a:p>
+            <a:fld id="{0C913308-F349-4B6D-A68A-DD1791B4A57B}" type="slidenum">
+              <a:rPr lang="zh-CN" altLang="en-US" smtClean="0"/>
+              <a:t>12</a:t>
+            </a:fld>
+            <a:endParaRPr lang="zh-CN" altLang="en-US" dirty="0"/>
+          </a:p>
+        </p:txBody>
+      </p:sp>
+      <p:pic>
+        <p:nvPicPr>
+          <p:cNvPr id="2" name="图片 1"/>
+          <p:cNvPicPr>
+            <a:picLocks noChangeAspect="1"/>
+          </p:cNvPicPr>
+          <p:nvPr/>
+        </p:nvPicPr>
+        <p:blipFill>
+          <a:blip r:embed="rId2">
+            <a:extLst>
+              <a:ext uri="{28A0092B-C50C-407E-A947-70E740481C1C}">
+                <a14:useLocalDpi xmlns:a14="http://schemas.microsoft.com/office/drawing/2010/main" val="0"/>
+              </a:ext>
+            </a:extLst>
+          </a:blip>
+          <a:stretch>
+            <a:fillRect/>
+          </a:stretch>
+        </p:blipFill>
+        <p:spPr>
+          <a:xfrm>
+            <a:off x="417600" y="1419622"/>
+            <a:ext cx="8220075" cy="2705100"/>
+          </a:xfrm>
+          <a:prstGeom prst="rect">
+            <a:avLst/>
+          </a:prstGeom>
+        </p:spPr>
+      </p:pic>
+      <p:sp>
+        <p:nvSpPr>
+          <p:cNvPr id="6" name="矩形 5"/>
+          <p:cNvSpPr/>
+          <p:nvPr/>
+        </p:nvSpPr>
+        <p:spPr>
+          <a:xfrm>
+            <a:off x="259255" y="467103"/>
+            <a:ext cx="64273" cy="376455"/>
+          </a:xfrm>
+          <a:prstGeom prst="rect">
+            <a:avLst/>
+          </a:prstGeom>
+          <a:solidFill>
+            <a:srgbClr val="FF5400"/>
+          </a:solidFill>
+          <a:ln>
+            <a:noFill/>
+          </a:ln>
+        </p:spPr>
+        <p:style>
+          <a:lnRef idx="2">
+            <a:schemeClr val="accent1">
+              <a:shade val="50000"/>
+            </a:schemeClr>
+          </a:lnRef>
+          <a:fillRef idx="1">
+            <a:schemeClr val="accent1"/>
+          </a:fillRef>
+          <a:effectRef idx="0">
+            <a:schemeClr val="accent1"/>
+          </a:effectRef>
+          <a:fontRef idx="minor">
+            <a:schemeClr val="lt1"/>
+          </a:fontRef>
+        </p:style>
+        <p:txBody>
+          <a:bodyPr rtlCol="0" anchor="ctr"/>
+          <a:lstStyle/>
+          <a:p>
+            <a:pPr algn="ctr"/>
+            <a:endParaRPr kumimoji="1" lang="zh-CN" altLang="en-US" sz="1350"/>
+          </a:p>
+        </p:txBody>
+      </p:sp>
+    </p:spTree>
+    <p:extLst>
+      <p:ext uri="{BB962C8B-B14F-4D97-AF65-F5344CB8AC3E}">
+        <p14:creationId xmlns:p14="http://schemas.microsoft.com/office/powerpoint/2010/main" val="3970872768"/>
+      </p:ext>
+    </p:extLst>
+  </p:cSld>
+  <p:clrMapOvr>
+    <a:masterClrMapping/>
+  </p:clrMapOvr>
+  <p:timing>
+    <p:tnLst>
+      <p:par>
+        <p:cTn id="1" dur="indefinite" restart="never" nodeType="tmRoot"/>
+      </p:par>
+    </p:tnLst>
+  </p:timing>
+</p:sld>
+</file>
+
+<file path=ppt/slides/slide14.xml><?xml version="1.0" encoding="utf-8"?>
+<p:sld xmlns:a="http://schemas.openxmlformats.org/drawingml/2006/main" xmlns:r="http://schemas.openxmlformats.org/officeDocument/2006/relationships" xmlns:p="http://schemas.openxmlformats.org/presentationml/2006/main">
+  <p:cSld>
+    <p:spTree>
+      <p:nvGrpSpPr>
+        <p:cNvPr id="1" name=""/>
+        <p:cNvGrpSpPr/>
+        <p:nvPr/>
+      </p:nvGrpSpPr>
+      <p:grpSpPr>
+        <a:xfrm>
+          <a:off x="0" y="0"/>
+          <a:ext cx="0" cy="0"/>
+          <a:chOff x="0" y="0"/>
+          <a:chExt cx="0" cy="0"/>
+        </a:xfrm>
+      </p:grpSpPr>
+      <p:sp>
+        <p:nvSpPr>
+          <p:cNvPr id="3" name="标题 2"/>
+          <p:cNvSpPr>
+            <a:spLocks noGrp="1"/>
+          </p:cNvSpPr>
+          <p:nvPr>
+            <p:ph type="title"/>
+          </p:nvPr>
+        </p:nvSpPr>
+        <p:spPr/>
+        <p:txBody>
+          <a:bodyPr/>
+          <a:lstStyle/>
+          <a:p>
+            <a:r>
+              <a:rPr lang="zh-CN" altLang="en-US" dirty="0">
+                <a:solidFill>
+                  <a:srgbClr val="CA022A"/>
+                </a:solidFill>
+              </a:rPr>
+              <a:t>实际应用</a:t>
+            </a:r>
+            <a:r>
+              <a:rPr lang="en-US" altLang="zh-CN" dirty="0" smtClean="0">
+                <a:solidFill>
+                  <a:srgbClr val="CA022A"/>
+                </a:solidFill>
+              </a:rPr>
+              <a:t>&amp;</a:t>
+            </a:r>
+            <a:r>
+              <a:rPr lang="zh-CN" altLang="en-US" dirty="0" smtClean="0">
+                <a:solidFill>
+                  <a:srgbClr val="CA022A"/>
+                </a:solidFill>
+              </a:rPr>
+              <a:t>设计模式</a:t>
+            </a:r>
+            <a:endParaRPr lang="zh-CN" altLang="en-US" sz="2000" dirty="0"/>
+          </a:p>
+        </p:txBody>
+      </p:sp>
+      <p:sp>
+        <p:nvSpPr>
+          <p:cNvPr id="8" name="幻灯片编号占位符 3"/>
+          <p:cNvSpPr txBox="1"/>
+          <p:nvPr/>
+        </p:nvSpPr>
+        <p:spPr>
+          <a:xfrm>
+            <a:off x="8316416" y="4767263"/>
+            <a:ext cx="2133600" cy="273844"/>
+          </a:xfrm>
+          <a:prstGeom prst="rect">
+            <a:avLst/>
+          </a:prstGeom>
+        </p:spPr>
+        <p:txBody>
+          <a:bodyPr vert="horz" lIns="91440" tIns="45720" rIns="91440" bIns="45720" rtlCol="0" anchor="ctr"/>
+          <a:lstStyle>
+            <a:defPPr>
+              <a:defRPr lang="zh-CN"/>
+            </a:defPPr>
+            <a:lvl1pPr marL="0" algn="l" defTabSz="914400" rtl="0" eaLnBrk="1" latinLnBrk="0" hangingPunct="1">
+              <a:defRPr sz="1200" kern="1200">
+                <a:solidFill>
+                  <a:schemeClr val="tx1">
+                    <a:tint val="75000"/>
+                  </a:schemeClr>
+                </a:solidFill>
+                <a:latin typeface="+mn-lt"/>
+                <a:ea typeface="+mn-ea"/>
+                <a:cs typeface="+mn-cs"/>
+              </a:defRPr>
+            </a:lvl1pPr>
+            <a:lvl2pPr marL="457200" algn="l" defTabSz="914400" rtl="0" eaLnBrk="1" latinLnBrk="0" hangingPunct="1">
+              <a:defRPr sz="1800" kern="1200">
+                <a:solidFill>
+                  <a:schemeClr val="tx1"/>
+                </a:solidFill>
+                <a:latin typeface="+mn-lt"/>
+                <a:ea typeface="+mn-ea"/>
+                <a:cs typeface="+mn-cs"/>
+              </a:defRPr>
+            </a:lvl2pPr>
+            <a:lvl3pPr marL="914400" algn="l" defTabSz="914400" rtl="0" eaLnBrk="1" latinLnBrk="0" hangingPunct="1">
+              <a:defRPr sz="1800" kern="1200">
+                <a:solidFill>
+                  <a:schemeClr val="tx1"/>
+                </a:solidFill>
+                <a:latin typeface="+mn-lt"/>
+                <a:ea typeface="+mn-ea"/>
+                <a:cs typeface="+mn-cs"/>
+              </a:defRPr>
+            </a:lvl3pPr>
+            <a:lvl4pPr marL="1371600" algn="l" defTabSz="914400" rtl="0" eaLnBrk="1" latinLnBrk="0" hangingPunct="1">
+              <a:defRPr sz="1800" kern="1200">
+                <a:solidFill>
+                  <a:schemeClr val="tx1"/>
+                </a:solidFill>
+                <a:latin typeface="+mn-lt"/>
+                <a:ea typeface="+mn-ea"/>
+                <a:cs typeface="+mn-cs"/>
+              </a:defRPr>
+            </a:lvl4pPr>
+            <a:lvl5pPr marL="1828800" algn="l" defTabSz="914400" rtl="0" eaLnBrk="1" latinLnBrk="0" hangingPunct="1">
+              <a:defRPr sz="1800" kern="1200">
+                <a:solidFill>
+                  <a:schemeClr val="tx1"/>
+                </a:solidFill>
+                <a:latin typeface="+mn-lt"/>
+                <a:ea typeface="+mn-ea"/>
+                <a:cs typeface="+mn-cs"/>
+              </a:defRPr>
+            </a:lvl5pPr>
+            <a:lvl6pPr marL="2286000" algn="l" defTabSz="914400" rtl="0" eaLnBrk="1" latinLnBrk="0" hangingPunct="1">
+              <a:defRPr sz="1800" kern="1200">
+                <a:solidFill>
+                  <a:schemeClr val="tx1"/>
+                </a:solidFill>
+                <a:latin typeface="+mn-lt"/>
+                <a:ea typeface="+mn-ea"/>
+                <a:cs typeface="+mn-cs"/>
+              </a:defRPr>
+            </a:lvl6pPr>
+            <a:lvl7pPr marL="2743200" algn="l" defTabSz="914400" rtl="0" eaLnBrk="1" latinLnBrk="0" hangingPunct="1">
+              <a:defRPr sz="1800" kern="1200">
+                <a:solidFill>
+                  <a:schemeClr val="tx1"/>
+                </a:solidFill>
+                <a:latin typeface="+mn-lt"/>
+                <a:ea typeface="+mn-ea"/>
+                <a:cs typeface="+mn-cs"/>
+              </a:defRPr>
+            </a:lvl7pPr>
+            <a:lvl8pPr marL="3200400" algn="l" defTabSz="914400" rtl="0" eaLnBrk="1" latinLnBrk="0" hangingPunct="1">
+              <a:defRPr sz="1800" kern="1200">
+                <a:solidFill>
+                  <a:schemeClr val="tx1"/>
+                </a:solidFill>
+                <a:latin typeface="+mn-lt"/>
+                <a:ea typeface="+mn-ea"/>
+                <a:cs typeface="+mn-cs"/>
+              </a:defRPr>
+            </a:lvl8pPr>
+            <a:lvl9pPr marL="3657600" algn="l" defTabSz="914400" rtl="0" eaLnBrk="1" latinLnBrk="0" hangingPunct="1">
+              <a:defRPr sz="1800" kern="1200">
+                <a:solidFill>
+                  <a:schemeClr val="tx1"/>
+                </a:solidFill>
+                <a:latin typeface="+mn-lt"/>
+                <a:ea typeface="+mn-ea"/>
+                <a:cs typeface="+mn-cs"/>
+              </a:defRPr>
+            </a:lvl9pPr>
+          </a:lstStyle>
+          <a:p>
+            <a:fld id="{0C913308-F349-4B6D-A68A-DD1791B4A57B}" type="slidenum">
+              <a:rPr lang="zh-CN" altLang="en-US" smtClean="0"/>
+              <a:t>13</a:t>
+            </a:fld>
+            <a:endParaRPr lang="zh-CN" altLang="en-US" dirty="0"/>
+          </a:p>
+        </p:txBody>
+      </p:sp>
+      <p:pic>
+        <p:nvPicPr>
+          <p:cNvPr id="4" name="图片 3"/>
+          <p:cNvPicPr>
+            <a:picLocks noChangeAspect="1"/>
+          </p:cNvPicPr>
+          <p:nvPr/>
+        </p:nvPicPr>
+        <p:blipFill>
+          <a:blip r:embed="rId2">
+            <a:extLst>
+              <a:ext uri="{28A0092B-C50C-407E-A947-70E740481C1C}">
+                <a14:useLocalDpi xmlns:a14="http://schemas.microsoft.com/office/drawing/2010/main" val="0"/>
+              </a:ext>
+            </a:extLst>
+          </a:blip>
+          <a:stretch>
+            <a:fillRect/>
+          </a:stretch>
+        </p:blipFill>
+        <p:spPr>
+          <a:xfrm>
+            <a:off x="1043608" y="1491630"/>
+            <a:ext cx="6326598" cy="2880320"/>
+          </a:xfrm>
+          <a:prstGeom prst="rect">
+            <a:avLst/>
+          </a:prstGeom>
+        </p:spPr>
+      </p:pic>
+      <p:sp>
+        <p:nvSpPr>
+          <p:cNvPr id="6" name="矩形 5"/>
+          <p:cNvSpPr/>
+          <p:nvPr/>
+        </p:nvSpPr>
+        <p:spPr>
+          <a:xfrm>
+            <a:off x="259255" y="467103"/>
+            <a:ext cx="64273" cy="376455"/>
+          </a:xfrm>
+          <a:prstGeom prst="rect">
+            <a:avLst/>
+          </a:prstGeom>
+          <a:solidFill>
+            <a:srgbClr val="FF5400"/>
+          </a:solidFill>
+          <a:ln>
+            <a:noFill/>
+          </a:ln>
+        </p:spPr>
+        <p:style>
+          <a:lnRef idx="2">
+            <a:schemeClr val="accent1">
+              <a:shade val="50000"/>
+            </a:schemeClr>
+          </a:lnRef>
+          <a:fillRef idx="1">
+            <a:schemeClr val="accent1"/>
+          </a:fillRef>
+          <a:effectRef idx="0">
+            <a:schemeClr val="accent1"/>
+          </a:effectRef>
+          <a:fontRef idx="minor">
+            <a:schemeClr val="lt1"/>
+          </a:fontRef>
+        </p:style>
+        <p:txBody>
+          <a:bodyPr rtlCol="0" anchor="ctr"/>
+          <a:lstStyle/>
+          <a:p>
+            <a:pPr algn="ctr"/>
+            <a:endParaRPr kumimoji="1" lang="zh-CN" altLang="en-US" sz="1350"/>
+          </a:p>
+        </p:txBody>
+      </p:sp>
+    </p:spTree>
+    <p:extLst>
+      <p:ext uri="{BB962C8B-B14F-4D97-AF65-F5344CB8AC3E}">
+        <p14:creationId xmlns:p14="http://schemas.microsoft.com/office/powerpoint/2010/main" val="1668025144"/>
+      </p:ext>
+    </p:extLst>
+  </p:cSld>
+  <p:clrMapOvr>
+    <a:masterClrMapping/>
+  </p:clrMapOvr>
+  <p:timing>
+    <p:tnLst>
+      <p:par>
+        <p:cTn id="1" dur="indefinite" restart="never" nodeType="tmRoot"/>
+      </p:par>
+    </p:tnLst>
+  </p:timing>
+</p:sld>
+</file>
+
+<file path=ppt/slides/slide15.xml><?xml version="1.0" encoding="utf-8"?>
+<p:sld xmlns:a="http://schemas.openxmlformats.org/drawingml/2006/main" xmlns:r="http://schemas.openxmlformats.org/officeDocument/2006/relationships" xmlns:p="http://schemas.openxmlformats.org/presentationml/2006/main">
+  <p:cSld>
+    <p:spTree>
+      <p:nvGrpSpPr>
+        <p:cNvPr id="1" name=""/>
+        <p:cNvGrpSpPr/>
+        <p:nvPr/>
+      </p:nvGrpSpPr>
+      <p:grpSpPr>
+        <a:xfrm>
+          <a:off x="0" y="0"/>
+          <a:ext cx="0" cy="0"/>
+          <a:chOff x="0" y="0"/>
+          <a:chExt cx="0" cy="0"/>
+        </a:xfrm>
+      </p:grpSpPr>
+      <p:sp>
+        <p:nvSpPr>
+          <p:cNvPr id="3" name="标题 2"/>
+          <p:cNvSpPr>
+            <a:spLocks noGrp="1"/>
+          </p:cNvSpPr>
+          <p:nvPr>
+            <p:ph type="title"/>
+          </p:nvPr>
+        </p:nvSpPr>
+        <p:spPr/>
+        <p:txBody>
+          <a:bodyPr/>
+          <a:lstStyle/>
+          <a:p>
+            <a:r>
+              <a:rPr lang="zh-CN" altLang="en-US" dirty="0">
+                <a:solidFill>
+                  <a:srgbClr val="CA022A"/>
+                </a:solidFill>
+              </a:rPr>
+              <a:t>学</a:t>
+            </a:r>
+            <a:r>
+              <a:rPr lang="zh-CN" altLang="en-US" dirty="0" smtClean="0">
+                <a:solidFill>
+                  <a:srgbClr val="CA022A"/>
+                </a:solidFill>
+              </a:rPr>
+              <a:t>习计划</a:t>
+            </a:r>
+            <a:r>
+              <a:rPr lang="en-US" altLang="zh-CN" dirty="0" smtClean="0">
+                <a:solidFill>
+                  <a:srgbClr val="CA022A"/>
+                </a:solidFill>
+              </a:rPr>
+              <a:t>&amp;</a:t>
+            </a:r>
+            <a:r>
+              <a:rPr lang="zh-CN" altLang="en-US" dirty="0" smtClean="0">
+                <a:solidFill>
+                  <a:srgbClr val="CA022A"/>
+                </a:solidFill>
+              </a:rPr>
+              <a:t>总结</a:t>
+            </a:r>
+            <a:endParaRPr lang="zh-CN" altLang="en-US" sz="2000" dirty="0"/>
+          </a:p>
+        </p:txBody>
+      </p:sp>
+      <p:sp>
+        <p:nvSpPr>
+          <p:cNvPr id="8" name="幻灯片编号占位符 3"/>
+          <p:cNvSpPr txBox="1"/>
+          <p:nvPr/>
+        </p:nvSpPr>
+        <p:spPr>
+          <a:xfrm>
+            <a:off x="8316416" y="4767263"/>
+            <a:ext cx="2133600" cy="273844"/>
+          </a:xfrm>
+          <a:prstGeom prst="rect">
+            <a:avLst/>
+          </a:prstGeom>
+        </p:spPr>
+        <p:txBody>
+          <a:bodyPr vert="horz" lIns="91440" tIns="45720" rIns="91440" bIns="45720" rtlCol="0" anchor="ctr"/>
+          <a:lstStyle>
+            <a:defPPr>
+              <a:defRPr lang="zh-CN"/>
+            </a:defPPr>
+            <a:lvl1pPr marL="0" algn="l" defTabSz="914400" rtl="0" eaLnBrk="1" latinLnBrk="0" hangingPunct="1">
+              <a:defRPr sz="1200" kern="1200">
+                <a:solidFill>
+                  <a:schemeClr val="tx1">
+                    <a:tint val="75000"/>
+                  </a:schemeClr>
+                </a:solidFill>
+                <a:latin typeface="+mn-lt"/>
+                <a:ea typeface="+mn-ea"/>
+                <a:cs typeface="+mn-cs"/>
+              </a:defRPr>
+            </a:lvl1pPr>
+            <a:lvl2pPr marL="457200" algn="l" defTabSz="914400" rtl="0" eaLnBrk="1" latinLnBrk="0" hangingPunct="1">
+              <a:defRPr sz="1800" kern="1200">
+                <a:solidFill>
+                  <a:schemeClr val="tx1"/>
+                </a:solidFill>
+                <a:latin typeface="+mn-lt"/>
+                <a:ea typeface="+mn-ea"/>
+                <a:cs typeface="+mn-cs"/>
+              </a:defRPr>
+            </a:lvl2pPr>
+            <a:lvl3pPr marL="914400" algn="l" defTabSz="914400" rtl="0" eaLnBrk="1" latinLnBrk="0" hangingPunct="1">
+              <a:defRPr sz="1800" kern="1200">
+                <a:solidFill>
+                  <a:schemeClr val="tx1"/>
+                </a:solidFill>
+                <a:latin typeface="+mn-lt"/>
+                <a:ea typeface="+mn-ea"/>
+                <a:cs typeface="+mn-cs"/>
+              </a:defRPr>
+            </a:lvl3pPr>
+            <a:lvl4pPr marL="1371600" algn="l" defTabSz="914400" rtl="0" eaLnBrk="1" latinLnBrk="0" hangingPunct="1">
+              <a:defRPr sz="1800" kern="1200">
+                <a:solidFill>
+                  <a:schemeClr val="tx1"/>
+                </a:solidFill>
+                <a:latin typeface="+mn-lt"/>
+                <a:ea typeface="+mn-ea"/>
+                <a:cs typeface="+mn-cs"/>
+              </a:defRPr>
+            </a:lvl4pPr>
+            <a:lvl5pPr marL="1828800" algn="l" defTabSz="914400" rtl="0" eaLnBrk="1" latinLnBrk="0" hangingPunct="1">
+              <a:defRPr sz="1800" kern="1200">
+                <a:solidFill>
+                  <a:schemeClr val="tx1"/>
+                </a:solidFill>
+                <a:latin typeface="+mn-lt"/>
+                <a:ea typeface="+mn-ea"/>
+                <a:cs typeface="+mn-cs"/>
+              </a:defRPr>
+            </a:lvl5pPr>
+            <a:lvl6pPr marL="2286000" algn="l" defTabSz="914400" rtl="0" eaLnBrk="1" latinLnBrk="0" hangingPunct="1">
+              <a:defRPr sz="1800" kern="1200">
+                <a:solidFill>
+                  <a:schemeClr val="tx1"/>
+                </a:solidFill>
+                <a:latin typeface="+mn-lt"/>
+                <a:ea typeface="+mn-ea"/>
+                <a:cs typeface="+mn-cs"/>
+              </a:defRPr>
+            </a:lvl6pPr>
+            <a:lvl7pPr marL="2743200" algn="l" defTabSz="914400" rtl="0" eaLnBrk="1" latinLnBrk="0" hangingPunct="1">
+              <a:defRPr sz="1800" kern="1200">
+                <a:solidFill>
+                  <a:schemeClr val="tx1"/>
+                </a:solidFill>
+                <a:latin typeface="+mn-lt"/>
+                <a:ea typeface="+mn-ea"/>
+                <a:cs typeface="+mn-cs"/>
+              </a:defRPr>
+            </a:lvl7pPr>
+            <a:lvl8pPr marL="3200400" algn="l" defTabSz="914400" rtl="0" eaLnBrk="1" latinLnBrk="0" hangingPunct="1">
+              <a:defRPr sz="1800" kern="1200">
+                <a:solidFill>
+                  <a:schemeClr val="tx1"/>
+                </a:solidFill>
+                <a:latin typeface="+mn-lt"/>
+                <a:ea typeface="+mn-ea"/>
+                <a:cs typeface="+mn-cs"/>
+              </a:defRPr>
+            </a:lvl8pPr>
+            <a:lvl9pPr marL="3657600" algn="l" defTabSz="914400" rtl="0" eaLnBrk="1" latinLnBrk="0" hangingPunct="1">
+              <a:defRPr sz="1800" kern="1200">
+                <a:solidFill>
+                  <a:schemeClr val="tx1"/>
+                </a:solidFill>
+                <a:latin typeface="+mn-lt"/>
+                <a:ea typeface="+mn-ea"/>
+                <a:cs typeface="+mn-cs"/>
+              </a:defRPr>
+            </a:lvl9pPr>
+          </a:lstStyle>
+          <a:p>
+            <a:fld id="{0C913308-F349-4B6D-A68A-DD1791B4A57B}" type="slidenum">
+              <a:rPr lang="zh-CN" altLang="en-US" smtClean="0"/>
+              <a:t>14</a:t>
+            </a:fld>
+            <a:endParaRPr lang="zh-CN" altLang="en-US" dirty="0"/>
+          </a:p>
+        </p:txBody>
+      </p:sp>
+      <p:graphicFrame>
+        <p:nvGraphicFramePr>
+          <p:cNvPr id="5" name="图表 4"/>
+          <p:cNvGraphicFramePr/>
+          <p:nvPr>
+            <p:extLst>
+              <p:ext uri="{D42A27DB-BD31-4B8C-83A1-F6EECF244321}">
+                <p14:modId xmlns:p14="http://schemas.microsoft.com/office/powerpoint/2010/main" val="3686156311"/>
+              </p:ext>
+            </p:extLst>
+          </p:nvPr>
+        </p:nvGraphicFramePr>
+        <p:xfrm>
+          <a:off x="179512" y="1275606"/>
+          <a:ext cx="8856984" cy="3168352"/>
+        </p:xfrm>
+        <a:graphic>
+          <a:graphicData uri="http://schemas.openxmlformats.org/drawingml/2006/chart">
+            <c:chart xmlns:c="http://schemas.openxmlformats.org/drawingml/2006/chart" xmlns:r="http://schemas.openxmlformats.org/officeDocument/2006/relationships" r:id="rId2"/>
+          </a:graphicData>
+        </a:graphic>
+      </p:graphicFrame>
+      <p:sp>
+        <p:nvSpPr>
+          <p:cNvPr id="6" name="矩形 5"/>
+          <p:cNvSpPr/>
+          <p:nvPr/>
+        </p:nvSpPr>
+        <p:spPr>
+          <a:xfrm>
+            <a:off x="259255" y="467103"/>
+            <a:ext cx="64273" cy="376455"/>
+          </a:xfrm>
+          <a:prstGeom prst="rect">
+            <a:avLst/>
+          </a:prstGeom>
+          <a:solidFill>
+            <a:srgbClr val="FF5400"/>
+          </a:solidFill>
+          <a:ln>
+            <a:noFill/>
+          </a:ln>
+        </p:spPr>
+        <p:style>
+          <a:lnRef idx="2">
+            <a:schemeClr val="accent1">
+              <a:shade val="50000"/>
+            </a:schemeClr>
+          </a:lnRef>
+          <a:fillRef idx="1">
+            <a:schemeClr val="accent1"/>
+          </a:fillRef>
+          <a:effectRef idx="0">
+            <a:schemeClr val="accent1"/>
+          </a:effectRef>
+          <a:fontRef idx="minor">
+            <a:schemeClr val="lt1"/>
+          </a:fontRef>
+        </p:style>
+        <p:txBody>
+          <a:bodyPr rtlCol="0" anchor="ctr"/>
+          <a:lstStyle/>
+          <a:p>
+            <a:pPr algn="ctr"/>
+            <a:endParaRPr kumimoji="1" lang="zh-CN" altLang="en-US" sz="1350"/>
+          </a:p>
+        </p:txBody>
+      </p:sp>
+    </p:spTree>
+    <p:extLst>
+      <p:ext uri="{BB962C8B-B14F-4D97-AF65-F5344CB8AC3E}">
+        <p14:creationId xmlns:p14="http://schemas.microsoft.com/office/powerpoint/2010/main" val="3334338334"/>
+      </p:ext>
+    </p:extLst>
+  </p:cSld>
+  <p:clrMapOvr>
+    <a:masterClrMapping/>
+  </p:clrMapOvr>
+  <p:timing>
+    <p:tnLst>
+      <p:par>
+        <p:cTn id="1" dur="indefinite" restart="never" nodeType="tmRoot"/>
+      </p:par>
+    </p:tnLst>
+  </p:timing>
+</p:sld>
+</file>
+
+<file path=ppt/slides/slide16.xml><?xml version="1.0" encoding="utf-8"?>
+<p:sld xmlns:a="http://schemas.openxmlformats.org/drawingml/2006/main" xmlns:r="http://schemas.openxmlformats.org/officeDocument/2006/relationships" xmlns:p="http://schemas.openxmlformats.org/presentationml/2006/main">
+  <p:cSld>
+    <p:spTree>
+      <p:nvGrpSpPr>
+        <p:cNvPr id="1" name=""/>
+        <p:cNvGrpSpPr/>
+        <p:nvPr/>
+      </p:nvGrpSpPr>
+      <p:grpSpPr>
+        <a:xfrm>
+          <a:off x="0" y="0"/>
+          <a:ext cx="0" cy="0"/>
+          <a:chOff x="0" y="0"/>
+          <a:chExt cx="0" cy="0"/>
+        </a:xfrm>
+      </p:grpSpPr>
+      <p:sp>
+        <p:nvSpPr>
           <p:cNvPr id="9" name="内容占位符 8"/>
           <p:cNvSpPr>
             <a:spLocks noGrp="1"/>
@@ -4112,138 +6253,85 @@
         <p:spPr/>
         <p:txBody>
           <a:bodyPr>
-            <a:normAutofit fontScale="90000" lnSpcReduction="20000"/>
+            <a:normAutofit fontScale="97500"/>
           </a:bodyPr>
           <a:lstStyle/>
           <a:p>
-            <a:pPr marL="0" indent="0">
-              <a:buNone/>
-            </a:pPr>
-            <a:r>
-              <a:rPr lang="zh-CN" altLang="en-US" dirty="0" smtClean="0">
-                <a:latin typeface="微软雅黑" panose="020B0503020204020204" charset="-122"/>
-                <a:ea typeface="微软雅黑" panose="020B0503020204020204" charset="-122"/>
-                <a:cs typeface="微软雅黑" panose="020B0503020204020204" charset="-122"/>
-              </a:rPr>
-              <a:t>国</a:t>
-            </a:r>
-            <a:r>
-              <a:rPr lang="zh-CN" altLang="en-US" dirty="0">
-                <a:latin typeface="微软雅黑" panose="020B0503020204020204" charset="-122"/>
-                <a:ea typeface="微软雅黑" panose="020B0503020204020204" charset="-122"/>
-                <a:cs typeface="微软雅黑" panose="020B0503020204020204" charset="-122"/>
-              </a:rPr>
-              <a:t>美互联网（微软雅黑</a:t>
-            </a:r>
-            <a:r>
-              <a:rPr lang="en-US" altLang="zh-CN" dirty="0">
-                <a:latin typeface="微软雅黑" panose="020B0503020204020204" charset="-122"/>
-                <a:ea typeface="微软雅黑" panose="020B0503020204020204" charset="-122"/>
-                <a:cs typeface="微软雅黑" panose="020B0503020204020204" charset="-122"/>
-              </a:rPr>
-              <a:t>16</a:t>
-            </a:r>
-            <a:r>
-              <a:rPr lang="zh-CN" altLang="en-US" dirty="0">
-                <a:latin typeface="微软雅黑" panose="020B0503020204020204" charset="-122"/>
-                <a:ea typeface="微软雅黑" panose="020B0503020204020204" charset="-122"/>
-                <a:cs typeface="微软雅黑" panose="020B0503020204020204" charset="-122"/>
-              </a:rPr>
-              <a:t>）</a:t>
-            </a:r>
-            <a:endParaRPr lang="en-US" altLang="zh-CN" dirty="0">
-              <a:latin typeface="微软雅黑" panose="020B0503020204020204" charset="-122"/>
-              <a:ea typeface="微软雅黑" panose="020B0503020204020204" charset="-122"/>
-              <a:cs typeface="微软雅黑" panose="020B0503020204020204" charset="-122"/>
-            </a:endParaRPr>
-          </a:p>
-          <a:p>
-            <a:r>
-              <a:rPr altLang="zh-CN" dirty="0"/>
-              <a:t>总结和计划</a:t>
-            </a:r>
-            <a:r>
-              <a:rPr lang="en-US" altLang="zh-CN" dirty="0"/>
-              <a:t>---</a:t>
-            </a:r>
-            <a:r>
-              <a:rPr dirty="0"/>
-              <a:t>此处柱状图</a:t>
-            </a:r>
-            <a:endParaRPr dirty="0"/>
-          </a:p>
-          <a:p>
-            <a:r>
-              <a:rPr lang="en-US" altLang="zh-CN" dirty="0"/>
-              <a:t>git +++</a:t>
-            </a:r>
-            <a:endParaRPr lang="en-US" altLang="zh-CN" dirty="0"/>
-          </a:p>
-          <a:p>
-            <a:r>
-              <a:rPr lang="en-US" altLang="zh-CN" dirty="0"/>
-              <a:t>vue +++</a:t>
-            </a:r>
-            <a:endParaRPr lang="en-US" altLang="zh-CN" dirty="0"/>
-          </a:p>
-          <a:p>
-            <a:r>
-              <a:rPr lang="en-US" altLang="zh-CN" dirty="0"/>
-              <a:t>github:20+</a:t>
-            </a:r>
-            <a:endParaRPr lang="en-US" altLang="zh-CN" dirty="0"/>
-          </a:p>
-          <a:p>
-            <a:r>
-              <a:rPr altLang="zh-CN" dirty="0"/>
-              <a:t>https://github.com/KuiShang/skilTree</a:t>
-            </a:r>
-            <a:endParaRPr altLang="zh-CN" dirty="0"/>
-          </a:p>
-          <a:p>
-            <a:r>
-              <a:rPr altLang="zh-CN" dirty="0"/>
-              <a:t>博客 </a:t>
-            </a:r>
-            <a:r>
-              <a:rPr lang="en-US" altLang="zh-CN" dirty="0"/>
-              <a:t>100+</a:t>
-            </a:r>
-            <a:endParaRPr lang="en-US" altLang="zh-CN" dirty="0"/>
-          </a:p>
-          <a:p>
-            <a:r>
-              <a:rPr lang="en-US" altLang="zh-CN" dirty="0"/>
-              <a:t>http://www.cnblogs.com/WhiteHorseIsNotHorse/</a:t>
-            </a:r>
-            <a:endParaRPr lang="en-US" altLang="zh-CN" dirty="0"/>
-          </a:p>
-          <a:p>
-            <a:endParaRPr lang="en-US" altLang="zh-CN" dirty="0"/>
-          </a:p>
-          <a:p>
-            <a:r>
-              <a:rPr lang="en-US" altLang="zh-CN" dirty="0"/>
-              <a:t>hybrid</a:t>
-            </a:r>
-            <a:endParaRPr lang="en-US" altLang="zh-CN" dirty="0"/>
-          </a:p>
-          <a:p>
-            <a:r>
-              <a:rPr lang="en-US" altLang="zh-CN" dirty="0"/>
-              <a:t>node --&gt;</a:t>
-            </a:r>
-            <a:r>
-              <a:rPr dirty="0"/>
-              <a:t>服务端知识</a:t>
-            </a:r>
-            <a:endParaRPr dirty="0"/>
-          </a:p>
-          <a:p>
-            <a:r>
-              <a:rPr lang="en-US" altLang="zh-CN" dirty="0"/>
-              <a:t>tishengjishuyingxiangli</a:t>
-            </a:r>
+            <a:r>
+              <a:rPr lang="zh-CN" altLang="en-US" dirty="0" smtClean="0"/>
+              <a:t>继续深入学习已掌握的技术，提升个人综合实力，提升技术影响力</a:t>
+            </a:r>
+            <a:endParaRPr lang="en-US" altLang="zh-CN" dirty="0" smtClean="0"/>
+          </a:p>
+          <a:p>
+            <a:endParaRPr lang="en-US" altLang="zh-CN" dirty="0" smtClean="0"/>
+          </a:p>
+          <a:p>
+            <a:r>
+              <a:rPr lang="zh-CN" altLang="en-US" dirty="0" smtClean="0"/>
+              <a:t>加强对程序架构和设计模式的学习</a:t>
+            </a:r>
+            <a:endParaRPr lang="en-US" altLang="zh-CN" dirty="0" smtClean="0"/>
+          </a:p>
+          <a:p>
+            <a:endParaRPr lang="en-US" altLang="zh-CN" dirty="0" smtClean="0"/>
+          </a:p>
+          <a:p>
+            <a:r>
+              <a:rPr lang="en-US" altLang="zh-CN" dirty="0" err="1" smtClean="0"/>
+              <a:t>Hybird</a:t>
+            </a:r>
+            <a:r>
+              <a:rPr lang="zh-CN" altLang="en-US" dirty="0"/>
+              <a:t>方</a:t>
+            </a:r>
+            <a:r>
+              <a:rPr lang="zh-CN" altLang="en-US" dirty="0" smtClean="0"/>
+              <a:t>向</a:t>
+            </a:r>
+            <a:endParaRPr lang="en-US" altLang="zh-CN" dirty="0" smtClean="0"/>
+          </a:p>
+          <a:p>
+            <a:endParaRPr lang="en-US" altLang="zh-CN" dirty="0" smtClean="0"/>
+          </a:p>
+          <a:p>
+            <a:r>
+              <a:rPr lang="en-US" altLang="zh-CN" dirty="0" smtClean="0"/>
+              <a:t>Node.js</a:t>
+            </a:r>
+            <a:r>
+              <a:rPr lang="zh-CN" altLang="en-US" dirty="0"/>
+              <a:t>方</a:t>
+            </a:r>
+            <a:r>
+              <a:rPr lang="zh-CN" altLang="en-US" dirty="0" smtClean="0"/>
+              <a:t>向</a:t>
+            </a:r>
+            <a:endParaRPr lang="en-US" altLang="zh-CN" dirty="0" smtClean="0"/>
+          </a:p>
+          <a:p>
+            <a:endParaRPr lang="en-US" altLang="zh-CN" dirty="0" smtClean="0"/>
+          </a:p>
+          <a:p>
+            <a:r>
+              <a:rPr lang="zh-CN" altLang="en-US" dirty="0"/>
+              <a:t>成为一</a:t>
+            </a:r>
+            <a:r>
+              <a:rPr lang="zh-CN" altLang="en-US" dirty="0" smtClean="0"/>
+              <a:t>名全栈</a:t>
+            </a:r>
+            <a:r>
+              <a:rPr lang="en-US" altLang="zh-CN" dirty="0" smtClean="0"/>
+              <a:t>web</a:t>
+            </a:r>
+            <a:r>
+              <a:rPr lang="zh-CN" altLang="en-US" dirty="0" smtClean="0"/>
+              <a:t>开发工程师</a:t>
+            </a:r>
+            <a:endParaRPr lang="en-US" altLang="zh-CN" dirty="0" smtClean="0"/>
+          </a:p>
+          <a:p>
             <a:endParaRPr lang="en-US" altLang="zh-CN" dirty="0"/>
           </a:p>
         </p:txBody>
@@ -4264,32 +6352,12 @@
           <a:lstStyle/>
           <a:p>
             <a:r>
-              <a:rPr lang="zh-CN" altLang="en-US" dirty="0"/>
-              <a:t>国美互联网</a:t>
-            </a:r>
-            <a:r>
-              <a:rPr lang="zh-CN" altLang="en-US" sz="2000" dirty="0"/>
-              <a:t>（微软雅黑</a:t>
-            </a:r>
-            <a:r>
-              <a:rPr lang="en-US" altLang="zh-CN" sz="2000" dirty="0"/>
-              <a:t>28</a:t>
-            </a:r>
-            <a:r>
-              <a:rPr lang="zh-CN" altLang="en-US" sz="2000" dirty="0"/>
-              <a:t>，</a:t>
-            </a:r>
-            <a:r>
-              <a:rPr lang="zh-CN" altLang="en-US" sz="2000" dirty="0">
-                <a:solidFill>
-                  <a:srgbClr val="FF0000"/>
+              <a:rPr lang="zh-CN" altLang="en-US" dirty="0" smtClean="0">
+                <a:solidFill>
+                  <a:srgbClr val="CA022A"/>
                 </a:solidFill>
               </a:rPr>
-              <a:t>文字可变红</a:t>
-            </a:r>
-            <a:r>
-              <a:rPr lang="zh-CN" altLang="en-US" sz="2000" dirty="0" smtClean="0"/>
-              <a:t>）</a:t>
+              <a:t>未来</a:t>
             </a:r>
             <a:endParaRPr lang="zh-CN" altLang="en-US" sz="2000" dirty="0"/>
           </a:p>
@@ -4412,8 +6480,55 @@
           <a:p>
             <a:fld id="{0C913308-F349-4B6D-A68A-DD1791B4A57B}" type="slidenum">
               <a:rPr lang="zh-CN" altLang="en-US" smtClean="0"/>
+              <a:t>15</a:t>
             </a:fld>
             <a:endParaRPr lang="zh-CN" altLang="en-US" dirty="0"/>
+          </a:p>
+        </p:txBody>
+      </p:sp>
+      <p:sp>
+        <p:nvSpPr>
+          <p:cNvPr id="8" name="矩形 7"/>
+          <p:cNvSpPr/>
+          <p:nvPr/>
+        </p:nvSpPr>
+        <p:spPr>
+          <a:xfrm>
+            <a:off x="259255" y="467103"/>
+            <a:ext cx="64273" cy="376455"/>
+          </a:xfrm>
+          <a:prstGeom prst="rect">
+            <a:avLst/>
+          </a:prstGeom>
+          <a:solidFill>
+            <a:srgbClr val="FF5400"/>
+          </a:solidFill>
+          <a:ln>
+            <a:noFill/>
+          </a:ln>
+        </p:spPr>
+        <p:style>
+          <a:lnRef idx="2">
+            <a:schemeClr val="accent1">
+              <a:shade val="50000"/>
+            </a:schemeClr>
+          </a:lnRef>
+          <a:fillRef idx="1">
+            <a:schemeClr val="accent1"/>
+          </a:fillRef>
+          <a:effectRef idx="0">
+            <a:schemeClr val="accent1"/>
+          </a:effectRef>
+          <a:fontRef idx="minor">
+            <a:schemeClr val="lt1"/>
+          </a:fontRef>
+        </p:style>
+        <p:txBody>
+          <a:bodyPr rtlCol="0" anchor="ctr"/>
+          <a:lstStyle/>
+          <a:p>
+            <a:pPr algn="ctr"/>
+            <a:endParaRPr kumimoji="1" lang="zh-CN" altLang="en-US" sz="1350"/>
           </a:p>
         </p:txBody>
       </p:sp>
@@ -4432,7 +6547,7 @@
 </p:sld>
 </file>
 
-<file path=ppt/slides/slide13.xml><?xml version="1.0" encoding="utf-8"?>
+<file path=ppt/slides/slide17.xml><?xml version="1.0" encoding="utf-8"?>
 <p:sld xmlns:a="http://schemas.openxmlformats.org/drawingml/2006/main" xmlns:r="http://schemas.openxmlformats.org/officeDocument/2006/relationships" xmlns:p="http://schemas.openxmlformats.org/presentationml/2006/main">
   <p:cSld>
     <p:spTree>
@@ -4524,11 +6639,6 @@
               </a:rPr>
               <a:t>）</a:t>
             </a:r>
-            <a:endParaRPr lang="zh-CN" altLang="en-US" sz="2000" dirty="0">
-              <a:solidFill>
-                <a:schemeClr val="tx1"/>
-              </a:solidFill>
-            </a:endParaRPr>
           </a:p>
         </p:txBody>
       </p:sp>
@@ -4727,11 +6837,6 @@
               </a:rPr>
               <a:t>）</a:t>
             </a:r>
-            <a:endParaRPr lang="zh-CN" altLang="en-US" dirty="0" smtClean="0">
-              <a:solidFill>
-                <a:schemeClr val="tx1"/>
-              </a:solidFill>
-            </a:endParaRPr>
           </a:p>
           <a:p>
             <a:pPr>
@@ -4776,6 +6881,7 @@
           <a:p>
             <a:fld id="{0C913308-F349-4B6D-A68A-DD1791B4A57B}" type="slidenum">
               <a:rPr lang="zh-CN" altLang="en-US" smtClean="0"/>
+              <a:t>1</a:t>
             </a:fld>
             <a:endParaRPr lang="zh-CN" altLang="en-US" dirty="0"/>
           </a:p>
@@ -4828,59 +6934,79 @@
           <a:bodyPr/>
           <a:lstStyle/>
           <a:p>
-            <a:pPr marL="0" indent="0">
-              <a:buNone/>
-            </a:pPr>
-            <a:r>
-              <a:rPr lang="zh-CN" altLang="en-US" dirty="0" smtClean="0">
-                <a:latin typeface="微软雅黑" panose="020B0503020204020204" charset="-122"/>
-                <a:ea typeface="微软雅黑" panose="020B0503020204020204" charset="-122"/>
-                <a:cs typeface="微软雅黑" panose="020B0503020204020204" charset="-122"/>
-              </a:rPr>
-              <a:t>国</a:t>
-            </a:r>
-            <a:r>
-              <a:rPr lang="zh-CN" altLang="en-US" dirty="0">
-                <a:latin typeface="微软雅黑" panose="020B0503020204020204" charset="-122"/>
-                <a:ea typeface="微软雅黑" panose="020B0503020204020204" charset="-122"/>
-                <a:cs typeface="微软雅黑" panose="020B0503020204020204" charset="-122"/>
-              </a:rPr>
-              <a:t>美互联网（微软雅黑</a:t>
-            </a:r>
-            <a:r>
-              <a:rPr lang="en-US" altLang="zh-CN" dirty="0">
-                <a:latin typeface="微软雅黑" panose="020B0503020204020204" charset="-122"/>
-                <a:ea typeface="微软雅黑" panose="020B0503020204020204" charset="-122"/>
-                <a:cs typeface="微软雅黑" panose="020B0503020204020204" charset="-122"/>
-              </a:rPr>
-              <a:t>16</a:t>
-            </a:r>
-            <a:r>
-              <a:rPr lang="zh-CN" altLang="en-US" dirty="0">
-                <a:latin typeface="微软雅黑" panose="020B0503020204020204" charset="-122"/>
-                <a:ea typeface="微软雅黑" panose="020B0503020204020204" charset="-122"/>
-                <a:cs typeface="微软雅黑" panose="020B0503020204020204" charset="-122"/>
-              </a:rPr>
-              <a:t>）</a:t>
-            </a:r>
-            <a:endParaRPr lang="en-US" altLang="zh-CN" dirty="0">
-              <a:latin typeface="微软雅黑" panose="020B0503020204020204" charset="-122"/>
-              <a:ea typeface="微软雅黑" panose="020B0503020204020204" charset="-122"/>
-              <a:cs typeface="微软雅黑" panose="020B0503020204020204" charset="-122"/>
-            </a:endParaRPr>
-          </a:p>
-          <a:p>
-            <a:r>
-              <a:rPr altLang="zh-CN" dirty="0"/>
-              <a:t>自我介绍</a:t>
-            </a:r>
-            <a:endParaRPr altLang="zh-CN" dirty="0"/>
-          </a:p>
-          <a:p>
-            <a:r>
-              <a:rPr altLang="zh-CN" dirty="0"/>
+            <a:r>
+              <a:rPr altLang="zh-CN" dirty="0" smtClean="0"/>
               <a:t>尚魁魁</a:t>
             </a:r>
+            <a:endParaRPr lang="en-US" altLang="zh-CN" dirty="0" smtClean="0"/>
+          </a:p>
+          <a:p>
+            <a:endParaRPr lang="en-US" altLang="zh-CN" dirty="0"/>
+          </a:p>
+          <a:p>
+            <a:r>
+              <a:rPr lang="zh-CN" altLang="en-US" dirty="0" smtClean="0"/>
+              <a:t>河北工程大学</a:t>
+            </a:r>
+            <a:r>
+              <a:rPr lang="en-US" altLang="zh-CN" dirty="0" smtClean="0"/>
+              <a:t>-</a:t>
+            </a:r>
+            <a:r>
+              <a:rPr lang="zh-CN" altLang="en-US" dirty="0" smtClean="0"/>
+              <a:t>本科</a:t>
+            </a:r>
+            <a:endParaRPr lang="en-US" altLang="zh-CN" dirty="0" smtClean="0"/>
+          </a:p>
+          <a:p>
+            <a:endParaRPr lang="en-US" altLang="zh-CN" dirty="0"/>
+          </a:p>
+          <a:p>
+            <a:r>
+              <a:rPr lang="zh-CN" altLang="en-US" dirty="0" smtClean="0"/>
+              <a:t>半年</a:t>
+            </a:r>
+            <a:r>
+              <a:rPr lang="en-US" altLang="zh-CN" dirty="0" smtClean="0"/>
+              <a:t>Android</a:t>
+            </a:r>
+            <a:r>
+              <a:rPr lang="zh-CN" altLang="en-US" dirty="0" smtClean="0"/>
+              <a:t>开发，一年前端开发</a:t>
+            </a:r>
+            <a:endParaRPr lang="en-US" altLang="zh-CN" dirty="0" smtClean="0"/>
+          </a:p>
+          <a:p>
+            <a:endParaRPr lang="en-US" altLang="zh-CN" dirty="0" smtClean="0"/>
+          </a:p>
+          <a:p>
+            <a:r>
+              <a:rPr lang="en-US" altLang="zh-CN" dirty="0" smtClean="0"/>
+              <a:t>2017</a:t>
+            </a:r>
+            <a:r>
+              <a:rPr lang="zh-CN" altLang="en-US" dirty="0" smtClean="0"/>
+              <a:t>年</a:t>
+            </a:r>
+            <a:r>
+              <a:rPr lang="en-US" altLang="zh-CN" dirty="0" smtClean="0"/>
+              <a:t>03</a:t>
+            </a:r>
+            <a:r>
+              <a:rPr lang="zh-CN" altLang="en-US" dirty="0" smtClean="0"/>
+              <a:t>月加入国美，从事 前</a:t>
+            </a:r>
+            <a:r>
+              <a:rPr lang="zh-CN" altLang="en-US" dirty="0"/>
+              <a:t>端开发工程师 </a:t>
+            </a:r>
+            <a:r>
+              <a:rPr lang="zh-CN" altLang="en-US" dirty="0" smtClean="0"/>
+              <a:t>工作</a:t>
+            </a:r>
+            <a:endParaRPr lang="en-US" altLang="zh-CN" dirty="0"/>
+          </a:p>
+          <a:p>
             <a:endParaRPr altLang="zh-CN" dirty="0"/>
           </a:p>
           <a:p>
@@ -4904,32 +7030,12 @@
           <a:lstStyle/>
           <a:p>
             <a:r>
-              <a:rPr lang="zh-CN" altLang="en-US" dirty="0"/>
-              <a:t>国美互联网</a:t>
-            </a:r>
-            <a:r>
-              <a:rPr lang="zh-CN" altLang="en-US" sz="2000" dirty="0"/>
-              <a:t>（微软雅黑</a:t>
-            </a:r>
-            <a:r>
-              <a:rPr lang="en-US" altLang="zh-CN" sz="2000" dirty="0"/>
-              <a:t>28</a:t>
-            </a:r>
-            <a:r>
-              <a:rPr lang="zh-CN" altLang="en-US" sz="2000" dirty="0"/>
-              <a:t>，</a:t>
-            </a:r>
-            <a:r>
-              <a:rPr lang="zh-CN" altLang="en-US" sz="2000" dirty="0">
-                <a:solidFill>
-                  <a:srgbClr val="FF0000"/>
+              <a:rPr lang="zh-CN" altLang="en-US" dirty="0" smtClean="0">
+                <a:solidFill>
+                  <a:srgbClr val="CA022A"/>
                 </a:solidFill>
               </a:rPr>
-              <a:t>文字可变红</a:t>
-            </a:r>
-            <a:r>
-              <a:rPr lang="zh-CN" altLang="en-US" sz="2000" dirty="0" smtClean="0"/>
-              <a:t>）</a:t>
+              <a:t>自我介绍</a:t>
             </a:r>
             <a:endParaRPr lang="zh-CN" altLang="en-US" sz="2000" dirty="0"/>
           </a:p>
@@ -5052,8 +7158,55 @@
           <a:p>
             <a:fld id="{0C913308-F349-4B6D-A68A-DD1791B4A57B}" type="slidenum">
               <a:rPr lang="zh-CN" altLang="en-US" smtClean="0"/>
+              <a:t>2</a:t>
             </a:fld>
             <a:endParaRPr lang="zh-CN" altLang="en-US" dirty="0"/>
+          </a:p>
+        </p:txBody>
+      </p:sp>
+      <p:sp>
+        <p:nvSpPr>
+          <p:cNvPr id="7" name="矩形 6"/>
+          <p:cNvSpPr/>
+          <p:nvPr/>
+        </p:nvSpPr>
+        <p:spPr>
+          <a:xfrm>
+            <a:off x="259255" y="467103"/>
+            <a:ext cx="64273" cy="376455"/>
+          </a:xfrm>
+          <a:prstGeom prst="rect">
+            <a:avLst/>
+          </a:prstGeom>
+          <a:solidFill>
+            <a:srgbClr val="FF5400"/>
+          </a:solidFill>
+          <a:ln>
+            <a:noFill/>
+          </a:ln>
+        </p:spPr>
+        <p:style>
+          <a:lnRef idx="2">
+            <a:schemeClr val="accent1">
+              <a:shade val="50000"/>
+            </a:schemeClr>
+          </a:lnRef>
+          <a:fillRef idx="1">
+            <a:schemeClr val="accent1"/>
+          </a:fillRef>
+          <a:effectRef idx="0">
+            <a:schemeClr val="accent1"/>
+          </a:effectRef>
+          <a:fontRef idx="minor">
+            <a:schemeClr val="lt1"/>
+          </a:fontRef>
+        </p:style>
+        <p:txBody>
+          <a:bodyPr rtlCol="0" anchor="ctr"/>
+          <a:lstStyle/>
+          <a:p>
+            <a:pPr algn="ctr"/>
+            <a:endParaRPr kumimoji="1" lang="zh-CN" altLang="en-US" sz="1350"/>
           </a:p>
         </p:txBody>
       </p:sp>
@@ -5091,7 +7244,7 @@
       </p:grpSpPr>
       <p:sp>
         <p:nvSpPr>
-          <p:cNvPr id="4" name="内容占位符 3"/>
+          <p:cNvPr id="2" name="内容占位符 1"/>
           <p:cNvSpPr>
             <a:spLocks noGrp="1"/>
           </p:cNvSpPr>
@@ -5099,132 +7252,123 @@
             <p:ph idx="1"/>
           </p:nvPr>
         </p:nvSpPr>
-        <p:spPr/>
+        <p:spPr>
+          <a:xfrm>
+            <a:off x="3348000" y="1393200"/>
+            <a:ext cx="5400464" cy="2880320"/>
+          </a:xfrm>
+        </p:spPr>
         <p:txBody>
           <a:bodyPr/>
           <a:lstStyle/>
           <a:p>
-            <a:pPr marL="0" indent="0">
-              <a:buNone/>
-            </a:pPr>
+            <a:r>
+              <a:rPr lang="zh-CN" altLang="en-US" dirty="0" smtClean="0"/>
+              <a:t>美</a:t>
+            </a:r>
+            <a:r>
+              <a:rPr lang="zh-CN" altLang="en-US" dirty="0"/>
+              <a:t>办桌面端 </a:t>
+            </a:r>
+            <a:endParaRPr lang="en-US" altLang="zh-CN" dirty="0" smtClean="0"/>
+          </a:p>
+          <a:p>
+            <a:endParaRPr lang="en-US" altLang="zh-CN" dirty="0" smtClean="0"/>
+          </a:p>
+          <a:p>
             <a:r>
               <a:rPr lang="zh-CN" altLang="en-US" dirty="0" smtClean="0">
-                <a:latin typeface="微软雅黑" panose="020B0503020204020204" charset="-122"/>
-                <a:ea typeface="微软雅黑" panose="020B0503020204020204" charset="-122"/>
-                <a:cs typeface="微软雅黑" panose="020B0503020204020204" charset="-122"/>
-              </a:rPr>
-              <a:t>国</a:t>
-            </a:r>
-            <a:r>
-              <a:rPr lang="zh-CN" altLang="en-US" dirty="0">
-                <a:latin typeface="微软雅黑" panose="020B0503020204020204" charset="-122"/>
-                <a:ea typeface="微软雅黑" panose="020B0503020204020204" charset="-122"/>
-                <a:cs typeface="微软雅黑" panose="020B0503020204020204" charset="-122"/>
-              </a:rPr>
-              <a:t>美互联网（微软雅黑</a:t>
-            </a:r>
-            <a:r>
-              <a:rPr lang="en-US" altLang="zh-CN" dirty="0">
-                <a:latin typeface="微软雅黑" panose="020B0503020204020204" charset="-122"/>
-                <a:ea typeface="微软雅黑" panose="020B0503020204020204" charset="-122"/>
-                <a:cs typeface="微软雅黑" panose="020B0503020204020204" charset="-122"/>
-              </a:rPr>
-              <a:t>16</a:t>
-            </a:r>
-            <a:r>
-              <a:rPr lang="zh-CN" altLang="en-US" dirty="0">
-                <a:latin typeface="微软雅黑" panose="020B0503020204020204" charset="-122"/>
-                <a:ea typeface="微软雅黑" panose="020B0503020204020204" charset="-122"/>
-                <a:cs typeface="微软雅黑" panose="020B0503020204020204" charset="-122"/>
-              </a:rPr>
-              <a:t>）</a:t>
-            </a:r>
-            <a:endParaRPr lang="en-US" altLang="zh-CN" dirty="0">
-              <a:latin typeface="微软雅黑" panose="020B0503020204020204" charset="-122"/>
-              <a:ea typeface="微软雅黑" panose="020B0503020204020204" charset="-122"/>
-              <a:cs typeface="微软雅黑" panose="020B0503020204020204" charset="-122"/>
-            </a:endParaRPr>
-          </a:p>
-          <a:p>
-            <a:r>
-              <a:rPr altLang="zh-CN" dirty="0"/>
-              <a:t>项目简介</a:t>
-            </a:r>
-            <a:r>
-              <a:rPr lang="en-US" altLang="zh-CN" dirty="0"/>
-              <a:t>--</a:t>
-            </a:r>
-            <a:r>
-              <a:rPr dirty="0"/>
-              <a:t>美办桌面端   基于</a:t>
-            </a:r>
-            <a:r>
-              <a:rPr lang="en-US" altLang="zh-CN" dirty="0"/>
-              <a:t>qt</a:t>
-            </a:r>
-            <a:r>
-              <a:rPr dirty="0"/>
-              <a:t>框架</a:t>
-            </a:r>
-            <a:endParaRPr dirty="0"/>
-          </a:p>
-          <a:p>
-            <a:r>
-              <a:rPr>
                 <a:sym typeface="+mn-ea"/>
               </a:rPr>
-              <a:t>技术选型：基于</a:t>
-            </a:r>
-            <a:r>
-              <a:rPr lang="en-US" altLang="zh-CN">
+              <a:t>技</a:t>
+            </a:r>
+            <a:r>
+              <a:rPr lang="zh-CN" altLang="en-US" dirty="0">
                 <a:sym typeface="+mn-ea"/>
               </a:rPr>
-              <a:t>qt</a:t>
-            </a:r>
-            <a:r>
-              <a:rPr>
+              <a:t>术选型：基</a:t>
+            </a:r>
+            <a:r>
+              <a:rPr lang="zh-CN" altLang="en-US" dirty="0" smtClean="0">
+                <a:sym typeface="+mn-ea"/>
+              </a:rPr>
+              <a:t>于</a:t>
+            </a:r>
+            <a:r>
+              <a:rPr lang="en-US" altLang="zh-CN" dirty="0" smtClean="0">
+                <a:sym typeface="+mn-ea"/>
+              </a:rPr>
+              <a:t>QT</a:t>
+            </a:r>
+            <a:r>
+              <a:rPr lang="zh-CN" altLang="en-US" dirty="0" smtClean="0">
                 <a:sym typeface="+mn-ea"/>
               </a:rPr>
               <a:t>开发</a:t>
             </a:r>
             <a:r>
-              <a:rPr lang="en-US" altLang="zh-CN" dirty="0"/>
-              <a:t>pc</a:t>
-            </a:r>
-            <a:r>
-              <a:rPr dirty="0"/>
+              <a:rPr lang="en-US" altLang="zh-CN" dirty="0" smtClean="0"/>
+              <a:t>PC</a:t>
+            </a:r>
+            <a:r>
+              <a:rPr lang="zh-CN" altLang="en-US" dirty="0" smtClean="0"/>
               <a:t>端</a:t>
             </a:r>
             <a:r>
-              <a:rPr lang="en-US" altLang="zh-CN" dirty="0"/>
-              <a:t>im</a:t>
-            </a:r>
-            <a:r>
-              <a:rPr>
+              <a:rPr lang="en-US" altLang="zh-CN" dirty="0" smtClean="0"/>
+              <a:t>IM</a:t>
+            </a:r>
+            <a:r>
+              <a:rPr lang="zh-CN" altLang="en-US" dirty="0" smtClean="0">
                 <a:sym typeface="+mn-ea"/>
               </a:rPr>
-              <a:t>混合应用，</a:t>
-            </a:r>
-            <a:r>
-              <a:rPr dirty="0"/>
-              <a:t>属创新型技术应用</a:t>
-            </a:r>
-            <a:endParaRPr dirty="0"/>
-          </a:p>
-          <a:p>
-            <a:r>
-              <a:rPr>
+              <a:t>混</a:t>
+            </a:r>
+            <a:r>
+              <a:rPr lang="zh-CN" altLang="en-US" dirty="0">
                 <a:sym typeface="+mn-ea"/>
               </a:rPr>
-              <a:t>对前端有一定挑战性</a:t>
-            </a:r>
-            <a:endParaRPr dirty="0"/>
+              <a:t>合应</a:t>
+            </a:r>
+            <a:r>
+              <a:rPr lang="zh-CN" altLang="en-US" dirty="0" smtClean="0">
+                <a:sym typeface="+mn-ea"/>
+              </a:rPr>
+              <a:t>用</a:t>
+            </a:r>
+            <a:endParaRPr lang="en-US" altLang="zh-CN" dirty="0" smtClean="0">
+              <a:sym typeface="+mn-ea"/>
+            </a:endParaRPr>
+          </a:p>
+          <a:p>
+            <a:endParaRPr lang="zh-CN" altLang="en-US" dirty="0"/>
+          </a:p>
+          <a:p>
+            <a:r>
+              <a:rPr lang="zh-CN" altLang="en-US" dirty="0">
+                <a:sym typeface="+mn-ea"/>
+              </a:rPr>
+              <a:t>对前</a:t>
+            </a:r>
+            <a:r>
+              <a:rPr lang="zh-CN" altLang="en-US" dirty="0" smtClean="0">
+                <a:sym typeface="+mn-ea"/>
+              </a:rPr>
+              <a:t>端具有</a:t>
+            </a:r>
+            <a:r>
+              <a:rPr lang="zh-CN" altLang="en-US" dirty="0">
+                <a:sym typeface="+mn-ea"/>
+              </a:rPr>
+              <a:t>一定挑战性</a:t>
+            </a:r>
+            <a:endParaRPr lang="zh-CN" altLang="en-US" dirty="0"/>
           </a:p>
         </p:txBody>
       </p:sp>
       <p:sp>
         <p:nvSpPr>
-          <p:cNvPr id="2" name="标题 1"/>
+          <p:cNvPr id="3" name="标题 2"/>
           <p:cNvSpPr>
             <a:spLocks noGrp="1"/>
           </p:cNvSpPr>
@@ -5238,32 +7382,12 @@
           <a:lstStyle/>
           <a:p>
             <a:r>
-              <a:rPr lang="zh-CN" altLang="en-US" dirty="0"/>
-              <a:t>国美互联网</a:t>
-            </a:r>
-            <a:r>
-              <a:rPr lang="zh-CN" altLang="en-US" sz="2000" dirty="0"/>
-              <a:t>（微软雅黑</a:t>
-            </a:r>
-            <a:r>
-              <a:rPr lang="en-US" altLang="zh-CN" sz="2000" dirty="0"/>
-              <a:t>28</a:t>
-            </a:r>
-            <a:r>
-              <a:rPr lang="zh-CN" altLang="en-US" sz="2000" dirty="0"/>
-              <a:t>，</a:t>
-            </a:r>
-            <a:r>
-              <a:rPr lang="zh-CN" altLang="en-US" sz="2000" dirty="0">
-                <a:solidFill>
-                  <a:srgbClr val="FF0000"/>
+              <a:rPr lang="zh-CN" altLang="en-US" dirty="0" smtClean="0">
+                <a:solidFill>
+                  <a:srgbClr val="CA022A"/>
                 </a:solidFill>
               </a:rPr>
-              <a:t>文字可变红</a:t>
-            </a:r>
-            <a:r>
-              <a:rPr lang="zh-CN" altLang="en-US" sz="2000" dirty="0" smtClean="0"/>
-              <a:t>）</a:t>
+              <a:t>产品线</a:t>
             </a:r>
             <a:endParaRPr lang="zh-CN" altLang="en-US" sz="2000" dirty="0"/>
           </a:p>
@@ -5271,7 +7395,7 @@
       </p:sp>
       <p:sp>
         <p:nvSpPr>
-          <p:cNvPr id="5" name="幻灯片编号占位符 3"/>
+          <p:cNvPr id="8" name="幻灯片编号占位符 3"/>
           <p:cNvSpPr txBox="1"/>
           <p:nvPr/>
         </p:nvSpPr>
@@ -5386,8 +7510,85 @@
           <a:p>
             <a:fld id="{0C913308-F349-4B6D-A68A-DD1791B4A57B}" type="slidenum">
               <a:rPr lang="zh-CN" altLang="en-US" smtClean="0"/>
+              <a:t>3</a:t>
             </a:fld>
             <a:endParaRPr lang="zh-CN" altLang="en-US" dirty="0"/>
+          </a:p>
+        </p:txBody>
+      </p:sp>
+      <p:pic>
+        <p:nvPicPr>
+          <p:cNvPr id="9" name="图片 8"/>
+          <p:cNvPicPr>
+            <a:picLocks noChangeAspect="1"/>
+          </p:cNvPicPr>
+          <p:nvPr/>
+        </p:nvPicPr>
+        <p:blipFill>
+          <a:blip r:embed="rId2">
+            <a:extLst>
+              <a:ext uri="{28A0092B-C50C-407E-A947-70E740481C1C}">
+                <a14:useLocalDpi xmlns:a14="http://schemas.microsoft.com/office/drawing/2010/main" val="0"/>
+              </a:ext>
+            </a:extLst>
+          </a:blip>
+          <a:stretch>
+            <a:fillRect/>
+          </a:stretch>
+        </p:blipFill>
+        <p:spPr>
+          <a:xfrm>
+            <a:off x="539501" y="1323167"/>
+            <a:ext cx="2561609" cy="2561609"/>
+          </a:xfrm>
+          <a:prstGeom prst="rect">
+            <a:avLst/>
+          </a:prstGeom>
+        </p:spPr>
+      </p:pic>
+      <p:sp>
+        <p:nvSpPr>
+          <p:cNvPr id="10" name="矩形 9"/>
+          <p:cNvSpPr/>
+          <p:nvPr/>
+        </p:nvSpPr>
+        <p:spPr>
+          <a:xfrm>
+            <a:off x="259255" y="467103"/>
+            <a:ext cx="64273" cy="376455"/>
+          </a:xfrm>
+          <a:prstGeom prst="rect">
+            <a:avLst/>
+          </a:prstGeom>
+          <a:solidFill>
+            <a:srgbClr val="FF5400"/>
+          </a:solidFill>
+          <a:ln>
+            <a:noFill/>
+          </a:ln>
+        </p:spPr>
+        <p:style>
+          <a:lnRef idx="2">
+            <a:schemeClr val="accent1">
+              <a:shade val="50000"/>
+            </a:schemeClr>
+          </a:lnRef>
+          <a:fillRef idx="1">
+            <a:schemeClr val="accent1"/>
+          </a:fillRef>
+          <a:effectRef idx="0">
+            <a:schemeClr val="accent1"/>
+          </a:effectRef>
+          <a:fontRef idx="minor">
+            <a:schemeClr val="lt1"/>
+          </a:fontRef>
+        </p:style>
+        <p:txBody>
+          <a:bodyPr rtlCol="0" anchor="ctr"/>
+          <a:lstStyle/>
+          <a:p>
+            <a:pPr algn="ctr"/>
+            <a:endParaRPr kumimoji="1" lang="zh-CN" altLang="en-US" sz="1350"/>
           </a:p>
         </p:txBody>
       </p:sp>
@@ -5423,6 +7624,443 @@
           <a:chExt cx="0" cy="0"/>
         </a:xfrm>
       </p:grpSpPr>
+      <p:pic>
+        <p:nvPicPr>
+          <p:cNvPr id="11" name="图片 10"/>
+          <p:cNvPicPr>
+            <a:picLocks noChangeAspect="1"/>
+          </p:cNvPicPr>
+          <p:nvPr/>
+        </p:nvPicPr>
+        <p:blipFill>
+          <a:blip r:embed="rId2">
+            <a:extLst>
+              <a:ext uri="{28A0092B-C50C-407E-A947-70E740481C1C}">
+                <a14:useLocalDpi xmlns:a14="http://schemas.microsoft.com/office/drawing/2010/main" val="0"/>
+              </a:ext>
+            </a:extLst>
+          </a:blip>
+          <a:stretch>
+            <a:fillRect/>
+          </a:stretch>
+        </p:blipFill>
+        <p:spPr>
+          <a:xfrm>
+            <a:off x="326482" y="746348"/>
+            <a:ext cx="8439150" cy="4057650"/>
+          </a:xfrm>
+          <a:prstGeom prst="rect">
+            <a:avLst/>
+          </a:prstGeom>
+        </p:spPr>
+      </p:pic>
+      <p:sp>
+        <p:nvSpPr>
+          <p:cNvPr id="3" name="标题 2"/>
+          <p:cNvSpPr>
+            <a:spLocks noGrp="1"/>
+          </p:cNvSpPr>
+          <p:nvPr>
+            <p:ph type="title"/>
+          </p:nvPr>
+        </p:nvSpPr>
+        <p:spPr/>
+        <p:txBody>
+          <a:bodyPr/>
+          <a:lstStyle/>
+          <a:p>
+            <a:r>
+              <a:rPr lang="zh-CN" altLang="en-US" dirty="0">
+                <a:solidFill>
+                  <a:srgbClr val="CA022A"/>
+                </a:solidFill>
+              </a:rPr>
+              <a:t>产品线</a:t>
+            </a:r>
+            <a:endParaRPr lang="zh-CN" altLang="en-US" sz="2000" dirty="0"/>
+          </a:p>
+        </p:txBody>
+      </p:sp>
+      <p:sp>
+        <p:nvSpPr>
+          <p:cNvPr id="8" name="幻灯片编号占位符 3"/>
+          <p:cNvSpPr txBox="1"/>
+          <p:nvPr/>
+        </p:nvSpPr>
+        <p:spPr>
+          <a:xfrm>
+            <a:off x="8316416" y="4767263"/>
+            <a:ext cx="2133600" cy="273844"/>
+          </a:xfrm>
+          <a:prstGeom prst="rect">
+            <a:avLst/>
+          </a:prstGeom>
+        </p:spPr>
+        <p:txBody>
+          <a:bodyPr vert="horz" lIns="91440" tIns="45720" rIns="91440" bIns="45720" rtlCol="0" anchor="ctr"/>
+          <a:lstStyle>
+            <a:defPPr>
+              <a:defRPr lang="zh-CN"/>
+            </a:defPPr>
+            <a:lvl1pPr marL="0" algn="l" defTabSz="914400" rtl="0" eaLnBrk="1" latinLnBrk="0" hangingPunct="1">
+              <a:defRPr sz="1200" kern="1200">
+                <a:solidFill>
+                  <a:schemeClr val="tx1">
+                    <a:tint val="75000"/>
+                  </a:schemeClr>
+                </a:solidFill>
+                <a:latin typeface="+mn-lt"/>
+                <a:ea typeface="+mn-ea"/>
+                <a:cs typeface="+mn-cs"/>
+              </a:defRPr>
+            </a:lvl1pPr>
+            <a:lvl2pPr marL="457200" algn="l" defTabSz="914400" rtl="0" eaLnBrk="1" latinLnBrk="0" hangingPunct="1">
+              <a:defRPr sz="1800" kern="1200">
+                <a:solidFill>
+                  <a:schemeClr val="tx1"/>
+                </a:solidFill>
+                <a:latin typeface="+mn-lt"/>
+                <a:ea typeface="+mn-ea"/>
+                <a:cs typeface="+mn-cs"/>
+              </a:defRPr>
+            </a:lvl2pPr>
+            <a:lvl3pPr marL="914400" algn="l" defTabSz="914400" rtl="0" eaLnBrk="1" latinLnBrk="0" hangingPunct="1">
+              <a:defRPr sz="1800" kern="1200">
+                <a:solidFill>
+                  <a:schemeClr val="tx1"/>
+                </a:solidFill>
+                <a:latin typeface="+mn-lt"/>
+                <a:ea typeface="+mn-ea"/>
+                <a:cs typeface="+mn-cs"/>
+              </a:defRPr>
+            </a:lvl3pPr>
+            <a:lvl4pPr marL="1371600" algn="l" defTabSz="914400" rtl="0" eaLnBrk="1" latinLnBrk="0" hangingPunct="1">
+              <a:defRPr sz="1800" kern="1200">
+                <a:solidFill>
+                  <a:schemeClr val="tx1"/>
+                </a:solidFill>
+                <a:latin typeface="+mn-lt"/>
+                <a:ea typeface="+mn-ea"/>
+                <a:cs typeface="+mn-cs"/>
+              </a:defRPr>
+            </a:lvl4pPr>
+            <a:lvl5pPr marL="1828800" algn="l" defTabSz="914400" rtl="0" eaLnBrk="1" latinLnBrk="0" hangingPunct="1">
+              <a:defRPr sz="1800" kern="1200">
+                <a:solidFill>
+                  <a:schemeClr val="tx1"/>
+                </a:solidFill>
+                <a:latin typeface="+mn-lt"/>
+                <a:ea typeface="+mn-ea"/>
+                <a:cs typeface="+mn-cs"/>
+              </a:defRPr>
+            </a:lvl5pPr>
+            <a:lvl6pPr marL="2286000" algn="l" defTabSz="914400" rtl="0" eaLnBrk="1" latinLnBrk="0" hangingPunct="1">
+              <a:defRPr sz="1800" kern="1200">
+                <a:solidFill>
+                  <a:schemeClr val="tx1"/>
+                </a:solidFill>
+                <a:latin typeface="+mn-lt"/>
+                <a:ea typeface="+mn-ea"/>
+                <a:cs typeface="+mn-cs"/>
+              </a:defRPr>
+            </a:lvl6pPr>
+            <a:lvl7pPr marL="2743200" algn="l" defTabSz="914400" rtl="0" eaLnBrk="1" latinLnBrk="0" hangingPunct="1">
+              <a:defRPr sz="1800" kern="1200">
+                <a:solidFill>
+                  <a:schemeClr val="tx1"/>
+                </a:solidFill>
+                <a:latin typeface="+mn-lt"/>
+                <a:ea typeface="+mn-ea"/>
+                <a:cs typeface="+mn-cs"/>
+              </a:defRPr>
+            </a:lvl7pPr>
+            <a:lvl8pPr marL="3200400" algn="l" defTabSz="914400" rtl="0" eaLnBrk="1" latinLnBrk="0" hangingPunct="1">
+              <a:defRPr sz="1800" kern="1200">
+                <a:solidFill>
+                  <a:schemeClr val="tx1"/>
+                </a:solidFill>
+                <a:latin typeface="+mn-lt"/>
+                <a:ea typeface="+mn-ea"/>
+                <a:cs typeface="+mn-cs"/>
+              </a:defRPr>
+            </a:lvl8pPr>
+            <a:lvl9pPr marL="3657600" algn="l" defTabSz="914400" rtl="0" eaLnBrk="1" latinLnBrk="0" hangingPunct="1">
+              <a:defRPr sz="1800" kern="1200">
+                <a:solidFill>
+                  <a:schemeClr val="tx1"/>
+                </a:solidFill>
+                <a:latin typeface="+mn-lt"/>
+                <a:ea typeface="+mn-ea"/>
+                <a:cs typeface="+mn-cs"/>
+              </a:defRPr>
+            </a:lvl9pPr>
+          </a:lstStyle>
+          <a:p>
+            <a:fld id="{0C913308-F349-4B6D-A68A-DD1791B4A57B}" type="slidenum">
+              <a:rPr lang="zh-CN" altLang="en-US" smtClean="0"/>
+              <a:t>4</a:t>
+            </a:fld>
+            <a:endParaRPr lang="zh-CN" altLang="en-US" dirty="0"/>
+          </a:p>
+        </p:txBody>
+      </p:sp>
+      <p:sp>
+        <p:nvSpPr>
+          <p:cNvPr id="13" name="矩形 12"/>
+          <p:cNvSpPr/>
+          <p:nvPr/>
+        </p:nvSpPr>
+        <p:spPr>
+          <a:xfrm>
+            <a:off x="8647200" y="987574"/>
+            <a:ext cx="496800" cy="3600400"/>
+          </a:xfrm>
+          <a:prstGeom prst="rect">
+            <a:avLst/>
+          </a:prstGeom>
+          <a:solidFill>
+            <a:schemeClr val="bg1"/>
+          </a:solidFill>
+          <a:ln>
+            <a:noFill/>
+          </a:ln>
+        </p:spPr>
+        <p:style>
+          <a:lnRef idx="2">
+            <a:schemeClr val="accent1">
+              <a:shade val="50000"/>
+            </a:schemeClr>
+          </a:lnRef>
+          <a:fillRef idx="1">
+            <a:schemeClr val="accent1"/>
+          </a:fillRef>
+          <a:effectRef idx="0">
+            <a:schemeClr val="accent1"/>
+          </a:effectRef>
+          <a:fontRef idx="minor">
+            <a:schemeClr val="lt1"/>
+          </a:fontRef>
+        </p:style>
+        <p:txBody>
+          <a:bodyPr rtlCol="0" anchor="ctr"/>
+          <a:lstStyle/>
+          <a:p>
+            <a:pPr algn="ctr" defTabSz="914400"/>
+            <a:endParaRPr kumimoji="0" lang="zh-CN" altLang="en-US" sz="1800" b="0" i="0" u="none" strike="noStrike" kern="0" cap="none" spc="0" normalizeH="0" baseline="0" noProof="0" dirty="0">
+              <a:ln>
+                <a:noFill/>
+              </a:ln>
+              <a:solidFill>
+                <a:sysClr val="windowText" lastClr="000000"/>
+              </a:solidFill>
+              <a:effectLst/>
+              <a:uLnTx/>
+              <a:uFillTx/>
+              <a:cs typeface="+mn-ea"/>
+              <a:sym typeface="+mn-lt"/>
+            </a:endParaRPr>
+          </a:p>
+        </p:txBody>
+      </p:sp>
+      <p:sp>
+        <p:nvSpPr>
+          <p:cNvPr id="14" name="矩形 13"/>
+          <p:cNvSpPr/>
+          <p:nvPr/>
+        </p:nvSpPr>
+        <p:spPr>
+          <a:xfrm>
+            <a:off x="11200" y="987574"/>
+            <a:ext cx="301625" cy="3528392"/>
+          </a:xfrm>
+          <a:prstGeom prst="rect">
+            <a:avLst/>
+          </a:prstGeom>
+          <a:solidFill>
+            <a:schemeClr val="bg1"/>
+          </a:solidFill>
+          <a:ln>
+            <a:noFill/>
+          </a:ln>
+        </p:spPr>
+        <p:style>
+          <a:lnRef idx="2">
+            <a:schemeClr val="accent1">
+              <a:shade val="50000"/>
+            </a:schemeClr>
+          </a:lnRef>
+          <a:fillRef idx="1">
+            <a:schemeClr val="accent1"/>
+          </a:fillRef>
+          <a:effectRef idx="0">
+            <a:schemeClr val="accent1"/>
+          </a:effectRef>
+          <a:fontRef idx="minor">
+            <a:schemeClr val="lt1"/>
+          </a:fontRef>
+        </p:style>
+        <p:txBody>
+          <a:bodyPr rtlCol="0" anchor="ctr"/>
+          <a:lstStyle/>
+          <a:p>
+            <a:pPr algn="ctr" defTabSz="914400"/>
+            <a:endParaRPr kumimoji="0" lang="zh-CN" altLang="en-US" sz="1800" b="0" i="0" u="none" strike="noStrike" kern="0" cap="none" spc="0" normalizeH="0" baseline="0" noProof="0" dirty="0">
+              <a:ln>
+                <a:noFill/>
+              </a:ln>
+              <a:solidFill>
+                <a:sysClr val="windowText" lastClr="000000"/>
+              </a:solidFill>
+              <a:effectLst/>
+              <a:uLnTx/>
+              <a:uFillTx/>
+              <a:cs typeface="+mn-ea"/>
+              <a:sym typeface="+mn-lt"/>
+            </a:endParaRPr>
+          </a:p>
+        </p:txBody>
+      </p:sp>
+      <p:sp>
+        <p:nvSpPr>
+          <p:cNvPr id="15" name="矩形 14"/>
+          <p:cNvSpPr/>
+          <p:nvPr/>
+        </p:nvSpPr>
+        <p:spPr>
+          <a:xfrm>
+            <a:off x="259255" y="467103"/>
+            <a:ext cx="64273" cy="376455"/>
+          </a:xfrm>
+          <a:prstGeom prst="rect">
+            <a:avLst/>
+          </a:prstGeom>
+          <a:solidFill>
+            <a:srgbClr val="FF5400"/>
+          </a:solidFill>
+          <a:ln>
+            <a:noFill/>
+          </a:ln>
+        </p:spPr>
+        <p:style>
+          <a:lnRef idx="2">
+            <a:schemeClr val="accent1">
+              <a:shade val="50000"/>
+            </a:schemeClr>
+          </a:lnRef>
+          <a:fillRef idx="1">
+            <a:schemeClr val="accent1"/>
+          </a:fillRef>
+          <a:effectRef idx="0">
+            <a:schemeClr val="accent1"/>
+          </a:effectRef>
+          <a:fontRef idx="minor">
+            <a:schemeClr val="lt1"/>
+          </a:fontRef>
+        </p:style>
+        <p:txBody>
+          <a:bodyPr rtlCol="0" anchor="ctr"/>
+          <a:lstStyle/>
+          <a:p>
+            <a:pPr algn="ctr"/>
+            <a:endParaRPr kumimoji="1" lang="zh-CN" altLang="en-US" sz="1350"/>
+          </a:p>
+        </p:txBody>
+      </p:sp>
+    </p:spTree>
+    <p:extLst>
+      <p:ext uri="{BB962C8B-B14F-4D97-AF65-F5344CB8AC3E}">
+        <p14:creationId xmlns:p14="http://schemas.microsoft.com/office/powerpoint/2010/main" val="2875996746"/>
+      </p:ext>
+    </p:extLst>
+  </p:cSld>
+  <p:clrMapOvr>
+    <a:masterClrMapping/>
+  </p:clrMapOvr>
+  <p:timing>
+    <p:tnLst>
+      <p:par>
+        <p:cTn id="1" dur="indefinite" restart="never" nodeType="tmRoot"/>
+      </p:par>
+    </p:tnLst>
+  </p:timing>
+</p:sld>
+</file>
+
+<file path=ppt/slides/slide6.xml><?xml version="1.0" encoding="utf-8"?>
+<p:sld xmlns:a="http://schemas.openxmlformats.org/drawingml/2006/main" xmlns:r="http://schemas.openxmlformats.org/officeDocument/2006/relationships" xmlns:p="http://schemas.openxmlformats.org/presentationml/2006/main">
+  <p:cSld>
+    <p:spTree>
+      <p:nvGrpSpPr>
+        <p:cNvPr id="1" name=""/>
+        <p:cNvGrpSpPr/>
+        <p:nvPr/>
+      </p:nvGrpSpPr>
+      <p:grpSpPr>
+        <a:xfrm>
+          <a:off x="0" y="0"/>
+          <a:ext cx="0" cy="0"/>
+          <a:chOff x="0" y="0"/>
+          <a:chExt cx="0" cy="0"/>
+        </a:xfrm>
+      </p:grpSpPr>
+      <p:sp>
+        <p:nvSpPr>
+          <p:cNvPr id="9" name="矩形 8"/>
+          <p:cNvSpPr/>
+          <p:nvPr/>
+        </p:nvSpPr>
+        <p:spPr>
+          <a:xfrm>
+            <a:off x="0" y="1131590"/>
+            <a:ext cx="9144000" cy="3384376"/>
+          </a:xfrm>
+          <a:prstGeom prst="rect">
+            <a:avLst/>
+          </a:prstGeom>
+          <a:solidFill>
+            <a:schemeClr val="bg1"/>
+          </a:solidFill>
+          <a:ln>
+            <a:noFill/>
+          </a:ln>
+        </p:spPr>
+        <p:style>
+          <a:lnRef idx="2">
+            <a:schemeClr val="accent1">
+              <a:shade val="50000"/>
+            </a:schemeClr>
+          </a:lnRef>
+          <a:fillRef idx="1">
+            <a:schemeClr val="accent1"/>
+          </a:fillRef>
+          <a:effectRef idx="0">
+            <a:schemeClr val="accent1"/>
+          </a:effectRef>
+          <a:fontRef idx="minor">
+            <a:schemeClr val="lt1"/>
+          </a:fontRef>
+        </p:style>
+        <p:txBody>
+          <a:bodyPr rtlCol="0" anchor="ctr"/>
+          <a:lstStyle/>
+          <a:p>
+            <a:pPr algn="ctr" defTabSz="914400"/>
+            <a:endParaRPr kumimoji="0" lang="zh-CN" altLang="en-US" sz="1800" b="0" i="0" u="none" strike="noStrike" kern="0" cap="none" spc="0" normalizeH="0" baseline="0" noProof="0" dirty="0">
+              <a:ln>
+                <a:noFill/>
+              </a:ln>
+              <a:solidFill>
+                <a:sysClr val="windowText" lastClr="000000"/>
+              </a:solidFill>
+              <a:effectLst/>
+              <a:uLnTx/>
+              <a:uFillTx/>
+              <a:cs typeface="+mn-ea"/>
+              <a:sym typeface="+mn-lt"/>
+            </a:endParaRPr>
+          </a:p>
+        </p:txBody>
+      </p:sp>
       <p:sp>
         <p:nvSpPr>
           <p:cNvPr id="2" name="内容占位符 1"/>
@@ -5479,9 +8117,8 @@
           <a:p>
             <a:r>
               <a:rPr lang="zh-CN" altLang="en-US" dirty="0"/>
-              <a:t>项目时间线</a:t>
-            </a:r>
-            <a:endParaRPr lang="zh-CN" altLang="en-US" dirty="0"/>
+              <a:t>消息输入模块</a:t>
+            </a:r>
           </a:p>
         </p:txBody>
       </p:sp>
@@ -5501,34 +8138,18 @@
           <a:lstStyle/>
           <a:p>
             <a:r>
-              <a:rPr lang="zh-CN" altLang="en-US" dirty="0"/>
-              <a:t>国美互联网</a:t>
-            </a:r>
-            <a:r>
-              <a:rPr lang="zh-CN" altLang="en-US" sz="2000" dirty="0"/>
-              <a:t>（微软雅黑</a:t>
-            </a:r>
-            <a:r>
-              <a:rPr lang="en-US" altLang="zh-CN" sz="2000" dirty="0"/>
-              <a:t>28</a:t>
-            </a:r>
-            <a:r>
-              <a:rPr lang="zh-CN" altLang="en-US" sz="2000" dirty="0"/>
-              <a:t>，</a:t>
-            </a:r>
-            <a:r>
-              <a:rPr lang="zh-CN" altLang="en-US" sz="2000" dirty="0">
-                <a:solidFill>
-                  <a:srgbClr val="FF0000"/>
+              <a:rPr lang="zh-CN" altLang="en-US" dirty="0" smtClean="0">
+                <a:solidFill>
+                  <a:srgbClr val="CA022A"/>
                 </a:solidFill>
               </a:rPr>
-              <a:t>文字可变红</a:t>
-            </a:r>
-            <a:r>
-              <a:rPr lang="zh-CN" altLang="en-US" sz="2000" dirty="0"/>
-              <a:t>）</a:t>
-            </a:r>
-            <a:endParaRPr lang="zh-CN" altLang="en-US" sz="2000" dirty="0"/>
+              <a:t>业务模块</a:t>
+            </a:r>
+            <a:endParaRPr lang="zh-CN" altLang="en-US" sz="2000" dirty="0">
+              <a:solidFill>
+                <a:srgbClr val="CA022A"/>
+              </a:solidFill>
+            </a:endParaRPr>
           </a:p>
         </p:txBody>
       </p:sp>
@@ -5555,7 +8176,7 @@
             <p:nvPr/>
           </p:nvPicPr>
           <p:blipFill>
-            <a:blip r:embed="rId1"/>
+            <a:blip r:embed="rId2"/>
             <a:stretch>
               <a:fillRect/>
             </a:stretch>
@@ -5581,7 +8202,7 @@
             <p:nvPr/>
           </p:nvPicPr>
           <p:blipFill>
-            <a:blip r:embed="rId2"/>
+            <a:blip r:embed="rId3"/>
             <a:stretch>
               <a:fillRect/>
             </a:stretch>
@@ -5715,337 +8336,85 @@
           <a:p>
             <a:fld id="{0C913308-F349-4B6D-A68A-DD1791B4A57B}" type="slidenum">
               <a:rPr lang="zh-CN" altLang="en-US" smtClean="0"/>
+              <a:t>5</a:t>
             </a:fld>
             <a:endParaRPr lang="zh-CN" altLang="en-US" dirty="0"/>
           </a:p>
         </p:txBody>
       </p:sp>
-    </p:spTree>
-  </p:cSld>
-  <p:clrMapOvr>
-    <a:masterClrMapping/>
-  </p:clrMapOvr>
-  <p:timing>
-    <p:tnLst>
-      <p:par>
-        <p:cTn id="1" dur="indefinite" restart="never" nodeType="tmRoot"/>
-      </p:par>
-    </p:tnLst>
-  </p:timing>
-</p:sld>
-</file>
-
-<file path=ppt/slides/slide6.xml><?xml version="1.0" encoding="utf-8"?>
-<p:sld xmlns:a="http://schemas.openxmlformats.org/drawingml/2006/main" xmlns:r="http://schemas.openxmlformats.org/officeDocument/2006/relationships" xmlns:p="http://schemas.openxmlformats.org/presentationml/2006/main">
-  <p:cSld>
-    <p:spTree>
-      <p:nvGrpSpPr>
-        <p:cNvPr id="1" name=""/>
-        <p:cNvGrpSpPr/>
-        <p:nvPr/>
-      </p:nvGrpSpPr>
-      <p:grpSpPr>
-        <a:xfrm>
-          <a:off x="0" y="0"/>
-          <a:ext cx="0" cy="0"/>
-          <a:chOff x="0" y="0"/>
-          <a:chExt cx="0" cy="0"/>
-        </a:xfrm>
-      </p:grpSpPr>
-      <p:sp>
-        <p:nvSpPr>
-          <p:cNvPr id="2" name="内容占位符 1"/>
-          <p:cNvSpPr>
-            <a:spLocks noGrp="1"/>
-          </p:cNvSpPr>
-          <p:nvPr>
-            <p:ph idx="1"/>
-          </p:nvPr>
-        </p:nvSpPr>
+      <p:pic>
+        <p:nvPicPr>
+          <p:cNvPr id="4" name="图片 3"/>
+          <p:cNvPicPr>
+            <a:picLocks noChangeAspect="1"/>
+          </p:cNvPicPr>
+          <p:nvPr/>
+        </p:nvPicPr>
+        <p:blipFill>
+          <a:blip r:embed="rId4">
+            <a:extLst>
+              <a:ext uri="{28A0092B-C50C-407E-A947-70E740481C1C}">
+                <a14:useLocalDpi xmlns:a14="http://schemas.microsoft.com/office/drawing/2010/main" val="0"/>
+              </a:ext>
+            </a:extLst>
+          </a:blip>
+          <a:stretch>
+            <a:fillRect/>
+          </a:stretch>
+        </p:blipFill>
         <p:spPr>
           <a:xfrm>
-            <a:off x="3348000" y="1393200"/>
-            <a:ext cx="5040424" cy="2880320"/>
-          </a:xfrm>
-        </p:spPr>
-        <p:txBody>
-          <a:bodyPr/>
-          <a:lstStyle/>
-          <a:p>
-            <a:pPr marL="0" indent="0">
-              <a:buNone/>
-            </a:pPr>
-            <a:r>
-              <a:rPr lang="zh-CN" altLang="en-US" dirty="0">
-                <a:latin typeface="微软雅黑" panose="020B0503020204020204" charset="-122"/>
-                <a:ea typeface="微软雅黑" panose="020B0503020204020204" charset="-122"/>
-                <a:cs typeface="微软雅黑" panose="020B0503020204020204" charset="-122"/>
-              </a:rPr>
-              <a:t>国美互联网（微软雅黑</a:t>
-            </a:r>
-            <a:r>
-              <a:rPr lang="en-US" altLang="zh-CN" dirty="0">
-                <a:latin typeface="微软雅黑" panose="020B0503020204020204" charset="-122"/>
-                <a:ea typeface="微软雅黑" panose="020B0503020204020204" charset="-122"/>
-                <a:cs typeface="微软雅黑" panose="020B0503020204020204" charset="-122"/>
-              </a:rPr>
-              <a:t>16</a:t>
-            </a:r>
-            <a:r>
-              <a:rPr lang="zh-CN" altLang="en-US" dirty="0">
-                <a:latin typeface="微软雅黑" panose="020B0503020204020204" charset="-122"/>
-                <a:ea typeface="微软雅黑" panose="020B0503020204020204" charset="-122"/>
-                <a:cs typeface="微软雅黑" panose="020B0503020204020204" charset="-122"/>
-              </a:rPr>
-              <a:t>）</a:t>
-            </a:r>
-            <a:endParaRPr lang="en-US" altLang="zh-CN" dirty="0">
-              <a:latin typeface="微软雅黑" panose="020B0503020204020204" charset="-122"/>
-              <a:ea typeface="微软雅黑" panose="020B0503020204020204" charset="-122"/>
-              <a:cs typeface="微软雅黑" panose="020B0503020204020204" charset="-122"/>
-            </a:endParaRPr>
-          </a:p>
-          <a:p>
-            <a:r>
-              <a:rPr lang="zh-CN" altLang="en-US" dirty="0"/>
-              <a:t>消息输入模块</a:t>
-            </a:r>
-            <a:endParaRPr lang="zh-CN" altLang="en-US" dirty="0"/>
-          </a:p>
-        </p:txBody>
-      </p:sp>
-      <p:sp>
-        <p:nvSpPr>
-          <p:cNvPr id="3" name="标题 2"/>
-          <p:cNvSpPr>
-            <a:spLocks noGrp="1"/>
-          </p:cNvSpPr>
-          <p:nvPr>
-            <p:ph type="title"/>
-          </p:nvPr>
-        </p:nvSpPr>
-        <p:spPr/>
-        <p:txBody>
-          <a:bodyPr/>
-          <a:lstStyle/>
-          <a:p>
-            <a:r>
-              <a:rPr lang="zh-CN" altLang="en-US" dirty="0"/>
-              <a:t>国美互联网</a:t>
-            </a:r>
-            <a:r>
-              <a:rPr lang="zh-CN" altLang="en-US" sz="2000" dirty="0"/>
-              <a:t>（微软雅黑</a:t>
-            </a:r>
-            <a:r>
-              <a:rPr lang="en-US" altLang="zh-CN" sz="2000" dirty="0"/>
-              <a:t>28</a:t>
-            </a:r>
-            <a:r>
-              <a:rPr lang="zh-CN" altLang="en-US" sz="2000" dirty="0"/>
-              <a:t>，</a:t>
-            </a:r>
-            <a:r>
-              <a:rPr lang="zh-CN" altLang="en-US" sz="2000" dirty="0">
-                <a:solidFill>
-                  <a:srgbClr val="FF0000"/>
-                </a:solidFill>
-              </a:rPr>
-              <a:t>文字可变红</a:t>
-            </a:r>
-            <a:r>
-              <a:rPr lang="zh-CN" altLang="en-US" sz="2000" dirty="0"/>
-              <a:t>）</a:t>
-            </a:r>
-            <a:endParaRPr lang="zh-CN" altLang="en-US" sz="2000" dirty="0"/>
-          </a:p>
-        </p:txBody>
-      </p:sp>
-      <p:grpSp>
-        <p:nvGrpSpPr>
-          <p:cNvPr id="5" name="Group 125"/>
-          <p:cNvGrpSpPr/>
-          <p:nvPr/>
-        </p:nvGrpSpPr>
-        <p:grpSpPr>
-          <a:xfrm>
-            <a:off x="467544" y="1249944"/>
-            <a:ext cx="2736304" cy="3049998"/>
-            <a:chOff x="0" y="0"/>
-            <a:chExt cx="4735530" cy="7027095"/>
-          </a:xfrm>
-        </p:grpSpPr>
-        <p:pic>
-          <p:nvPicPr>
-            <p:cNvPr id="6" name="44d2a6f01afea900b48d946b1ce4f7d4a9e6573a27ccf-9N4gSJ_fw658.jpeg"/>
-            <p:cNvPicPr>
-              <a:picLocks noChangeAspect="1"/>
-            </p:cNvPicPr>
-            <p:nvPr/>
-          </p:nvPicPr>
-          <p:blipFill>
-            <a:blip r:embed="rId1"/>
-            <a:stretch>
-              <a:fillRect/>
-            </a:stretch>
-          </p:blipFill>
-          <p:spPr>
-            <a:xfrm>
-              <a:off x="177800" y="114300"/>
-              <a:ext cx="4379931" cy="6569896"/>
-            </a:xfrm>
-            <a:prstGeom prst="rect">
-              <a:avLst/>
-            </a:prstGeom>
-            <a:ln>
-              <a:noFill/>
-            </a:ln>
-            <a:effectLst/>
-          </p:spPr>
-        </p:pic>
-        <p:pic>
-          <p:nvPicPr>
-            <p:cNvPr id="7" name="图片 6"/>
-            <p:cNvPicPr/>
-            <p:nvPr/>
-          </p:nvPicPr>
-          <p:blipFill>
-            <a:blip r:embed="rId2"/>
-            <a:stretch>
-              <a:fillRect/>
-            </a:stretch>
-          </p:blipFill>
-          <p:spPr>
-            <a:xfrm>
-              <a:off x="0" y="0"/>
-              <a:ext cx="4735531" cy="7027096"/>
-            </a:xfrm>
-            <a:prstGeom prst="rect">
-              <a:avLst/>
-            </a:prstGeom>
-            <a:effectLst/>
-          </p:spPr>
-        </p:pic>
-      </p:grpSp>
-      <p:sp>
-        <p:nvSpPr>
-          <p:cNvPr id="8" name="幻灯片编号占位符 3"/>
-          <p:cNvSpPr txBox="1"/>
-          <p:nvPr/>
-        </p:nvSpPr>
-        <p:spPr>
-          <a:xfrm>
-            <a:off x="8316416" y="4767263"/>
-            <a:ext cx="2133600" cy="273844"/>
+            <a:off x="467544" y="1209488"/>
+            <a:ext cx="5819775" cy="3067050"/>
           </a:xfrm>
           <a:prstGeom prst="rect">
             <a:avLst/>
           </a:prstGeom>
         </p:spPr>
+      </p:pic>
+      <p:sp>
+        <p:nvSpPr>
+          <p:cNvPr id="10" name="矩形 9"/>
+          <p:cNvSpPr/>
+          <p:nvPr/>
+        </p:nvSpPr>
+        <p:spPr>
+          <a:xfrm>
+            <a:off x="259255" y="467103"/>
+            <a:ext cx="64273" cy="376455"/>
+          </a:xfrm>
+          <a:prstGeom prst="rect">
+            <a:avLst/>
+          </a:prstGeom>
+          <a:solidFill>
+            <a:srgbClr val="FF5400"/>
+          </a:solidFill>
+          <a:ln>
+            <a:noFill/>
+          </a:ln>
+        </p:spPr>
+        <p:style>
+          <a:lnRef idx="2">
+            <a:schemeClr val="accent1">
+              <a:shade val="50000"/>
+            </a:schemeClr>
+          </a:lnRef>
+          <a:fillRef idx="1">
+            <a:schemeClr val="accent1"/>
+          </a:fillRef>
+          <a:effectRef idx="0">
+            <a:schemeClr val="accent1"/>
+          </a:effectRef>
+          <a:fontRef idx="minor">
+            <a:schemeClr val="lt1"/>
+          </a:fontRef>
+        </p:style>
         <p:txBody>
-          <a:bodyPr vert="horz" lIns="91440" tIns="45720" rIns="91440" bIns="45720" rtlCol="0" anchor="ctr"/>
-          <a:lstStyle>
-            <a:defPPr>
-              <a:defRPr lang="zh-CN"/>
-            </a:defPPr>
-            <a:lvl1pPr marL="0" algn="l" defTabSz="914400" rtl="0" eaLnBrk="1" latinLnBrk="0" hangingPunct="1">
-              <a:defRPr sz="1200" kern="1200">
-                <a:solidFill>
-                  <a:schemeClr val="tx1">
-                    <a:tint val="75000"/>
-                  </a:schemeClr>
-                </a:solidFill>
-                <a:latin typeface="+mn-lt"/>
-                <a:ea typeface="+mn-ea"/>
-                <a:cs typeface="+mn-cs"/>
-              </a:defRPr>
-            </a:lvl1pPr>
-            <a:lvl2pPr marL="457200" algn="l" defTabSz="914400" rtl="0" eaLnBrk="1" latinLnBrk="0" hangingPunct="1">
-              <a:defRPr sz="1800" kern="1200">
-                <a:solidFill>
-                  <a:schemeClr val="tx1"/>
-                </a:solidFill>
-                <a:latin typeface="+mn-lt"/>
-                <a:ea typeface="+mn-ea"/>
-                <a:cs typeface="+mn-cs"/>
-              </a:defRPr>
-            </a:lvl2pPr>
-            <a:lvl3pPr marL="914400" algn="l" defTabSz="914400" rtl="0" eaLnBrk="1" latinLnBrk="0" hangingPunct="1">
-              <a:defRPr sz="1800" kern="1200">
-                <a:solidFill>
-                  <a:schemeClr val="tx1"/>
-                </a:solidFill>
-                <a:latin typeface="+mn-lt"/>
-                <a:ea typeface="+mn-ea"/>
-                <a:cs typeface="+mn-cs"/>
-              </a:defRPr>
-            </a:lvl3pPr>
-            <a:lvl4pPr marL="1371600" algn="l" defTabSz="914400" rtl="0" eaLnBrk="1" latinLnBrk="0" hangingPunct="1">
-              <a:defRPr sz="1800" kern="1200">
-                <a:solidFill>
-                  <a:schemeClr val="tx1"/>
-                </a:solidFill>
-                <a:latin typeface="+mn-lt"/>
-                <a:ea typeface="+mn-ea"/>
-                <a:cs typeface="+mn-cs"/>
-              </a:defRPr>
-            </a:lvl4pPr>
-            <a:lvl5pPr marL="1828800" algn="l" defTabSz="914400" rtl="0" eaLnBrk="1" latinLnBrk="0" hangingPunct="1">
-              <a:defRPr sz="1800" kern="1200">
-                <a:solidFill>
-                  <a:schemeClr val="tx1"/>
-                </a:solidFill>
-                <a:latin typeface="+mn-lt"/>
-                <a:ea typeface="+mn-ea"/>
-                <a:cs typeface="+mn-cs"/>
-              </a:defRPr>
-            </a:lvl5pPr>
-            <a:lvl6pPr marL="2286000" algn="l" defTabSz="914400" rtl="0" eaLnBrk="1" latinLnBrk="0" hangingPunct="1">
-              <a:defRPr sz="1800" kern="1200">
-                <a:solidFill>
-                  <a:schemeClr val="tx1"/>
-                </a:solidFill>
-                <a:latin typeface="+mn-lt"/>
-                <a:ea typeface="+mn-ea"/>
-                <a:cs typeface="+mn-cs"/>
-              </a:defRPr>
-            </a:lvl6pPr>
-            <a:lvl7pPr marL="2743200" algn="l" defTabSz="914400" rtl="0" eaLnBrk="1" latinLnBrk="0" hangingPunct="1">
-              <a:defRPr sz="1800" kern="1200">
-                <a:solidFill>
-                  <a:schemeClr val="tx1"/>
-                </a:solidFill>
-                <a:latin typeface="+mn-lt"/>
-                <a:ea typeface="+mn-ea"/>
-                <a:cs typeface="+mn-cs"/>
-              </a:defRPr>
-            </a:lvl7pPr>
-            <a:lvl8pPr marL="3200400" algn="l" defTabSz="914400" rtl="0" eaLnBrk="1" latinLnBrk="0" hangingPunct="1">
-              <a:defRPr sz="1800" kern="1200">
-                <a:solidFill>
-                  <a:schemeClr val="tx1"/>
-                </a:solidFill>
-                <a:latin typeface="+mn-lt"/>
-                <a:ea typeface="+mn-ea"/>
-                <a:cs typeface="+mn-cs"/>
-              </a:defRPr>
-            </a:lvl8pPr>
-            <a:lvl9pPr marL="3657600" algn="l" defTabSz="914400" rtl="0" eaLnBrk="1" latinLnBrk="0" hangingPunct="1">
-              <a:defRPr sz="1800" kern="1200">
-                <a:solidFill>
-                  <a:schemeClr val="tx1"/>
-                </a:solidFill>
-                <a:latin typeface="+mn-lt"/>
-                <a:ea typeface="+mn-ea"/>
-                <a:cs typeface="+mn-cs"/>
-              </a:defRPr>
-            </a:lvl9pPr>
-          </a:lstStyle>
-          <a:p>
-            <a:fld id="{0C913308-F349-4B6D-A68A-DD1791B4A57B}" type="slidenum">
-              <a:rPr lang="zh-CN" altLang="en-US" smtClean="0"/>
-            </a:fld>
-            <a:endParaRPr lang="zh-CN" altLang="en-US" dirty="0"/>
+          <a:bodyPr rtlCol="0" anchor="ctr"/>
+          <a:lstStyle/>
+          <a:p>
+            <a:pPr algn="ctr"/>
+            <a:endParaRPr kumimoji="1" lang="zh-CN" altLang="en-US" sz="1350"/>
           </a:p>
         </p:txBody>
       </p:sp>
@@ -6081,68 +8450,36 @@
           <a:chExt cx="0" cy="0"/>
         </a:xfrm>
       </p:grpSpPr>
-      <p:sp>
-        <p:nvSpPr>
-          <p:cNvPr id="2" name="内容占位符 1"/>
-          <p:cNvSpPr>
-            <a:spLocks noGrp="1"/>
-          </p:cNvSpPr>
-          <p:nvPr>
-            <p:ph idx="1"/>
-          </p:nvPr>
-        </p:nvSpPr>
+      <p:pic>
+        <p:nvPicPr>
+          <p:cNvPr id="4" name="图片 3"/>
+          <p:cNvPicPr>
+            <a:picLocks noChangeAspect="1"/>
+          </p:cNvPicPr>
+          <p:nvPr/>
+        </p:nvPicPr>
+        <p:blipFill>
+          <a:blip r:embed="rId2">
+            <a:extLst>
+              <a:ext uri="{28A0092B-C50C-407E-A947-70E740481C1C}">
+                <a14:useLocalDpi xmlns:a14="http://schemas.microsoft.com/office/drawing/2010/main" val="0"/>
+              </a:ext>
+            </a:extLst>
+          </a:blip>
+          <a:stretch>
+            <a:fillRect/>
+          </a:stretch>
+        </p:blipFill>
         <p:spPr>
           <a:xfrm>
-            <a:off x="3348000" y="1393200"/>
-            <a:ext cx="5040424" cy="2880320"/>
+            <a:off x="251520" y="297532"/>
+            <a:ext cx="6276975" cy="4362450"/>
           </a:xfrm>
+          <a:prstGeom prst="rect">
+            <a:avLst/>
+          </a:prstGeom>
         </p:spPr>
-        <p:txBody>
-          <a:bodyPr/>
-          <a:lstStyle/>
-          <a:p>
-            <a:pPr marL="0" indent="0">
-              <a:buNone/>
-            </a:pPr>
-            <a:r>
-              <a:rPr lang="zh-CN" altLang="en-US" dirty="0">
-                <a:latin typeface="微软雅黑" panose="020B0503020204020204" charset="-122"/>
-                <a:ea typeface="微软雅黑" panose="020B0503020204020204" charset="-122"/>
-                <a:cs typeface="微软雅黑" panose="020B0503020204020204" charset="-122"/>
-              </a:rPr>
-              <a:t>国美互联网（微软雅黑</a:t>
-            </a:r>
-            <a:r>
-              <a:rPr lang="en-US" altLang="zh-CN" dirty="0">
-                <a:latin typeface="微软雅黑" panose="020B0503020204020204" charset="-122"/>
-                <a:ea typeface="微软雅黑" panose="020B0503020204020204" charset="-122"/>
-                <a:cs typeface="微软雅黑" panose="020B0503020204020204" charset="-122"/>
-              </a:rPr>
-              <a:t>16</a:t>
-            </a:r>
-            <a:r>
-              <a:rPr lang="zh-CN" altLang="en-US" dirty="0">
-                <a:latin typeface="微软雅黑" panose="020B0503020204020204" charset="-122"/>
-                <a:ea typeface="微软雅黑" panose="020B0503020204020204" charset="-122"/>
-                <a:cs typeface="微软雅黑" panose="020B0503020204020204" charset="-122"/>
-              </a:rPr>
-              <a:t>）</a:t>
-            </a:r>
-            <a:endParaRPr lang="en-US" altLang="zh-CN" dirty="0">
-              <a:latin typeface="微软雅黑" panose="020B0503020204020204" charset="-122"/>
-              <a:ea typeface="微软雅黑" panose="020B0503020204020204" charset="-122"/>
-              <a:cs typeface="微软雅黑" panose="020B0503020204020204" charset="-122"/>
-            </a:endParaRPr>
-          </a:p>
-          <a:p>
-            <a:r>
-              <a:rPr lang="zh-CN" altLang="en-US" dirty="0"/>
-              <a:t>消息输出模块</a:t>
-            </a:r>
-            <a:endParaRPr lang="zh-CN" altLang="en-US" dirty="0"/>
-          </a:p>
-        </p:txBody>
-      </p:sp>
+      </p:pic>
       <p:sp>
         <p:nvSpPr>
           <p:cNvPr id="3" name="标题 2"/>
@@ -6159,103 +8496,17 @@
           <a:lstStyle/>
           <a:p>
             <a:r>
-              <a:rPr lang="zh-CN" altLang="en-US" dirty="0"/>
-              <a:t>国美互联网</a:t>
-            </a:r>
-            <a:r>
-              <a:rPr lang="zh-CN" altLang="en-US" sz="2000" dirty="0"/>
-              <a:t>（微软雅黑</a:t>
-            </a:r>
-            <a:r>
-              <a:rPr lang="en-US" altLang="zh-CN" sz="2000" dirty="0"/>
-              <a:t>28</a:t>
-            </a:r>
-            <a:r>
-              <a:rPr lang="zh-CN" altLang="en-US" sz="2000" dirty="0"/>
-              <a:t>，</a:t>
-            </a:r>
-            <a:r>
-              <a:rPr lang="zh-CN" altLang="en-US" sz="2000" dirty="0">
-                <a:solidFill>
-                  <a:srgbClr val="FF0000"/>
+              <a:rPr lang="zh-CN" altLang="en-US" dirty="0">
+                <a:solidFill>
+                  <a:srgbClr val="CA022A"/>
                 </a:solidFill>
               </a:rPr>
-              <a:t>文字可变红</a:t>
-            </a:r>
-            <a:r>
-              <a:rPr lang="zh-CN" altLang="en-US" sz="2000" dirty="0"/>
-              <a:t>）</a:t>
+              <a:t>业务模块</a:t>
             </a:r>
             <a:endParaRPr lang="zh-CN" altLang="en-US" sz="2000" dirty="0"/>
           </a:p>
         </p:txBody>
       </p:sp>
-      <p:grpSp>
-        <p:nvGrpSpPr>
-          <p:cNvPr id="5" name="Group 125"/>
-          <p:cNvGrpSpPr/>
-          <p:nvPr/>
-        </p:nvGrpSpPr>
-        <p:grpSpPr>
-          <a:xfrm>
-            <a:off x="467544" y="1249944"/>
-            <a:ext cx="2736304" cy="3049998"/>
-            <a:chOff x="0" y="0"/>
-            <a:chExt cx="4735530" cy="7027095"/>
-          </a:xfrm>
-        </p:grpSpPr>
-        <p:pic>
-          <p:nvPicPr>
-            <p:cNvPr id="6" name="44d2a6f01afea900b48d946b1ce4f7d4a9e6573a27ccf-9N4gSJ_fw658.jpeg"/>
-            <p:cNvPicPr>
-              <a:picLocks noChangeAspect="1"/>
-            </p:cNvPicPr>
-            <p:nvPr/>
-          </p:nvPicPr>
-          <p:blipFill>
-            <a:blip r:embed="rId1"/>
-            <a:stretch>
-              <a:fillRect/>
-            </a:stretch>
-          </p:blipFill>
-          <p:spPr>
-            <a:xfrm>
-              <a:off x="177800" y="114300"/>
-              <a:ext cx="4379931" cy="6569896"/>
-            </a:xfrm>
-            <a:prstGeom prst="rect">
-              <a:avLst/>
-            </a:prstGeom>
-            <a:ln>
-              <a:noFill/>
-            </a:ln>
-            <a:effectLst/>
-          </p:spPr>
-        </p:pic>
-        <p:pic>
-          <p:nvPicPr>
-            <p:cNvPr id="7" name="图片 6"/>
-            <p:cNvPicPr/>
-            <p:nvPr/>
-          </p:nvPicPr>
-          <p:blipFill>
-            <a:blip r:embed="rId2"/>
-            <a:stretch>
-              <a:fillRect/>
-            </a:stretch>
-          </p:blipFill>
-          <p:spPr>
-            <a:xfrm>
-              <a:off x="0" y="0"/>
-              <a:ext cx="4735531" cy="7027096"/>
-            </a:xfrm>
-            <a:prstGeom prst="rect">
-              <a:avLst/>
-            </a:prstGeom>
-            <a:effectLst/>
-          </p:spPr>
-        </p:pic>
-      </p:grpSp>
       <p:sp>
         <p:nvSpPr>
           <p:cNvPr id="8" name="幻灯片编号占位符 3"/>
@@ -6373,8 +8624,171 @@
           <a:p>
             <a:fld id="{0C913308-F349-4B6D-A68A-DD1791B4A57B}" type="slidenum">
               <a:rPr lang="zh-CN" altLang="en-US" smtClean="0"/>
+              <a:t>6</a:t>
             </a:fld>
             <a:endParaRPr lang="zh-CN" altLang="en-US" dirty="0"/>
+          </a:p>
+        </p:txBody>
+      </p:sp>
+      <p:sp>
+        <p:nvSpPr>
+          <p:cNvPr id="10" name="矩形 9"/>
+          <p:cNvSpPr/>
+          <p:nvPr/>
+        </p:nvSpPr>
+        <p:spPr>
+          <a:xfrm>
+            <a:off x="6444208" y="1087650"/>
+            <a:ext cx="2699792" cy="3500324"/>
+          </a:xfrm>
+          <a:prstGeom prst="rect">
+            <a:avLst/>
+          </a:prstGeom>
+          <a:solidFill>
+            <a:schemeClr val="bg1"/>
+          </a:solidFill>
+          <a:ln>
+            <a:noFill/>
+          </a:ln>
+        </p:spPr>
+        <p:style>
+          <a:lnRef idx="2">
+            <a:schemeClr val="accent1">
+              <a:shade val="50000"/>
+            </a:schemeClr>
+          </a:lnRef>
+          <a:fillRef idx="1">
+            <a:schemeClr val="accent1"/>
+          </a:fillRef>
+          <a:effectRef idx="0">
+            <a:schemeClr val="accent1"/>
+          </a:effectRef>
+          <a:fontRef idx="minor">
+            <a:schemeClr val="lt1"/>
+          </a:fontRef>
+        </p:style>
+        <p:txBody>
+          <a:bodyPr rtlCol="0" anchor="ctr"/>
+          <a:lstStyle/>
+          <a:p>
+            <a:pPr algn="ctr" defTabSz="914400"/>
+            <a:endParaRPr kumimoji="0" lang="zh-CN" altLang="en-US" sz="1800" b="0" i="0" u="none" strike="noStrike" kern="0" cap="none" spc="0" normalizeH="0" baseline="0" noProof="0" dirty="0">
+              <a:ln>
+                <a:noFill/>
+              </a:ln>
+              <a:solidFill>
+                <a:sysClr val="windowText" lastClr="000000"/>
+              </a:solidFill>
+              <a:effectLst/>
+              <a:uLnTx/>
+              <a:uFillTx/>
+              <a:cs typeface="+mn-ea"/>
+              <a:sym typeface="+mn-lt"/>
+            </a:endParaRPr>
+          </a:p>
+        </p:txBody>
+      </p:sp>
+      <p:sp>
+        <p:nvSpPr>
+          <p:cNvPr id="11" name="矩形 10"/>
+          <p:cNvSpPr/>
+          <p:nvPr/>
+        </p:nvSpPr>
+        <p:spPr>
+          <a:xfrm>
+            <a:off x="7122" y="1087650"/>
+            <a:ext cx="244398" cy="3500324"/>
+          </a:xfrm>
+          <a:prstGeom prst="rect">
+            <a:avLst/>
+          </a:prstGeom>
+          <a:solidFill>
+            <a:schemeClr val="bg1"/>
+          </a:solidFill>
+          <a:ln>
+            <a:noFill/>
+          </a:ln>
+        </p:spPr>
+        <p:style>
+          <a:lnRef idx="2">
+            <a:schemeClr val="accent1">
+              <a:shade val="50000"/>
+            </a:schemeClr>
+          </a:lnRef>
+          <a:fillRef idx="1">
+            <a:schemeClr val="accent1"/>
+          </a:fillRef>
+          <a:effectRef idx="0">
+            <a:schemeClr val="accent1"/>
+          </a:effectRef>
+          <a:fontRef idx="minor">
+            <a:schemeClr val="lt1"/>
+          </a:fontRef>
+        </p:style>
+        <p:txBody>
+          <a:bodyPr rtlCol="0" anchor="ctr"/>
+          <a:lstStyle/>
+          <a:p>
+            <a:pPr algn="ctr" defTabSz="914400"/>
+            <a:endParaRPr kumimoji="0" lang="zh-CN" altLang="en-US" sz="1800" b="0" i="0" u="none" strike="noStrike" kern="0" cap="none" spc="0" normalizeH="0" baseline="0" noProof="0" dirty="0">
+              <a:ln>
+                <a:noFill/>
+              </a:ln>
+              <a:solidFill>
+                <a:sysClr val="windowText" lastClr="000000"/>
+              </a:solidFill>
+              <a:effectLst/>
+              <a:uLnTx/>
+              <a:uFillTx/>
+              <a:cs typeface="+mn-ea"/>
+              <a:sym typeface="+mn-lt"/>
+            </a:endParaRPr>
+          </a:p>
+        </p:txBody>
+      </p:sp>
+      <p:sp>
+        <p:nvSpPr>
+          <p:cNvPr id="12" name="矩形 11"/>
+          <p:cNvSpPr/>
+          <p:nvPr/>
+        </p:nvSpPr>
+        <p:spPr>
+          <a:xfrm>
+            <a:off x="259255" y="467103"/>
+            <a:ext cx="64273" cy="376455"/>
+          </a:xfrm>
+          <a:prstGeom prst="rect">
+            <a:avLst/>
+          </a:prstGeom>
+          <a:solidFill>
+            <a:srgbClr val="FF5400"/>
+          </a:solidFill>
+          <a:ln>
+            <a:noFill/>
+          </a:ln>
+        </p:spPr>
+        <p:style>
+          <a:lnRef idx="2">
+            <a:schemeClr val="accent1">
+              <a:shade val="50000"/>
+            </a:schemeClr>
+          </a:lnRef>
+          <a:fillRef idx="1">
+            <a:schemeClr val="accent1"/>
+          </a:fillRef>
+          <a:effectRef idx="0">
+            <a:schemeClr val="accent1"/>
+          </a:effectRef>
+          <a:fontRef idx="minor">
+            <a:schemeClr val="lt1"/>
+          </a:fontRef>
+        </p:style>
+        <p:txBody>
+          <a:bodyPr rtlCol="0" anchor="ctr"/>
+          <a:lstStyle/>
+          <a:p>
+            <a:pPr algn="ctr"/>
+            <a:endParaRPr kumimoji="1" lang="zh-CN" altLang="en-US" sz="1350"/>
           </a:p>
         </p:txBody>
       </p:sp>
@@ -6410,6 +8824,36 @@
           <a:chExt cx="0" cy="0"/>
         </a:xfrm>
       </p:grpSpPr>
+      <p:pic>
+        <p:nvPicPr>
+          <p:cNvPr id="11" name="图片 10"/>
+          <p:cNvPicPr>
+            <a:picLocks noChangeAspect="1"/>
+          </p:cNvPicPr>
+          <p:nvPr/>
+        </p:nvPicPr>
+        <p:blipFill>
+          <a:blip r:embed="rId3">
+            <a:extLst>
+              <a:ext uri="{28A0092B-C50C-407E-A947-70E740481C1C}">
+                <a14:useLocalDpi xmlns:a14="http://schemas.microsoft.com/office/drawing/2010/main" val="0"/>
+              </a:ext>
+            </a:extLst>
+          </a:blip>
+          <a:stretch>
+            <a:fillRect/>
+          </a:stretch>
+        </p:blipFill>
+        <p:spPr>
+          <a:xfrm>
+            <a:off x="23462" y="50811"/>
+            <a:ext cx="6613071" cy="5143500"/>
+          </a:xfrm>
+          <a:prstGeom prst="rect">
+            <a:avLst/>
+          </a:prstGeom>
+        </p:spPr>
+      </p:pic>
       <p:sp>
         <p:nvSpPr>
           <p:cNvPr id="2" name="内容占位符 1"/>
@@ -6422,7 +8866,7 @@
         </p:nvSpPr>
         <p:spPr>
           <a:xfrm>
-            <a:off x="3348000" y="1393200"/>
+            <a:off x="6732240" y="2314650"/>
             <a:ext cx="5040424" cy="2880320"/>
           </a:xfrm>
         </p:spPr>
@@ -6430,66 +8874,26 @@
           <a:bodyPr/>
           <a:lstStyle/>
           <a:p>
-            <a:pPr marL="0" indent="0">
-              <a:buNone/>
-            </a:pPr>
-            <a:r>
-              <a:rPr lang="zh-CN" altLang="en-US" dirty="0">
-                <a:latin typeface="微软雅黑" panose="020B0503020204020204" charset="-122"/>
-                <a:ea typeface="微软雅黑" panose="020B0503020204020204" charset="-122"/>
-                <a:cs typeface="微软雅黑" panose="020B0503020204020204" charset="-122"/>
-              </a:rPr>
-              <a:t>国美互联网（微软雅黑</a:t>
-            </a:r>
-            <a:r>
-              <a:rPr lang="en-US" altLang="zh-CN" dirty="0">
-                <a:latin typeface="微软雅黑" panose="020B0503020204020204" charset="-122"/>
-                <a:ea typeface="微软雅黑" panose="020B0503020204020204" charset="-122"/>
-                <a:cs typeface="微软雅黑" panose="020B0503020204020204" charset="-122"/>
-              </a:rPr>
-              <a:t>16</a:t>
-            </a:r>
-            <a:r>
-              <a:rPr lang="zh-CN" altLang="en-US" dirty="0">
-                <a:latin typeface="微软雅黑" panose="020B0503020204020204" charset="-122"/>
-                <a:ea typeface="微软雅黑" panose="020B0503020204020204" charset="-122"/>
-                <a:cs typeface="微软雅黑" panose="020B0503020204020204" charset="-122"/>
-              </a:rPr>
-              <a:t>）</a:t>
-            </a:r>
-            <a:endParaRPr lang="en-US" altLang="zh-CN" dirty="0">
-              <a:latin typeface="微软雅黑" panose="020B0503020204020204" charset="-122"/>
-              <a:ea typeface="微软雅黑" panose="020B0503020204020204" charset="-122"/>
-              <a:cs typeface="微软雅黑" panose="020B0503020204020204" charset="-122"/>
-            </a:endParaRPr>
-          </a:p>
-          <a:p>
+            <a:r>
+              <a:rPr lang="zh-CN" altLang="en-US" dirty="0" smtClean="0"/>
+              <a:t>无</a:t>
+            </a:r>
             <a:r>
               <a:rPr lang="zh-CN" altLang="en-US" dirty="0"/>
-              <a:t>项目未来展望</a:t>
-            </a:r>
-            <a:endParaRPr lang="zh-CN" altLang="en-US" dirty="0"/>
-          </a:p>
-          <a:p>
-            <a:r>
-              <a:rPr lang="zh-CN" altLang="en-US" dirty="0"/>
-              <a:t>无限可能</a:t>
-            </a:r>
-            <a:endParaRPr lang="zh-CN" altLang="en-US" dirty="0"/>
+              <a:t>限可能</a:t>
+            </a:r>
           </a:p>
           <a:p>
             <a:r>
               <a:rPr lang="zh-CN" altLang="en-US" dirty="0"/>
               <a:t>性能提升</a:t>
             </a:r>
-            <a:endParaRPr lang="zh-CN" altLang="en-US" dirty="0"/>
           </a:p>
           <a:p>
             <a:r>
               <a:rPr lang="zh-CN" altLang="en-US" dirty="0"/>
               <a:t>高内聚，松耦合设计</a:t>
             </a:r>
-            <a:endParaRPr lang="zh-CN" altLang="en-US" dirty="0"/>
           </a:p>
         </p:txBody>
       </p:sp>
@@ -6509,103 +8913,41 @@
           <a:lstStyle/>
           <a:p>
             <a:r>
-              <a:rPr lang="zh-CN" altLang="en-US" dirty="0"/>
-              <a:t>国美互联网</a:t>
-            </a:r>
-            <a:r>
-              <a:rPr lang="zh-CN" altLang="en-US" sz="2000" dirty="0"/>
-              <a:t>（微软雅黑</a:t>
-            </a:r>
-            <a:r>
-              <a:rPr lang="en-US" altLang="zh-CN" sz="2000" dirty="0"/>
-              <a:t>28</a:t>
-            </a:r>
-            <a:r>
-              <a:rPr lang="zh-CN" altLang="en-US" sz="2000" dirty="0"/>
-              <a:t>，</a:t>
-            </a:r>
-            <a:r>
-              <a:rPr lang="zh-CN" altLang="en-US" sz="2000" dirty="0">
-                <a:solidFill>
-                  <a:srgbClr val="FF0000"/>
+              <a:rPr lang="zh-CN" altLang="en-US" dirty="0">
+                <a:solidFill>
+                  <a:srgbClr val="CA022A"/>
                 </a:solidFill>
               </a:rPr>
-              <a:t>文字可变红</a:t>
-            </a:r>
-            <a:r>
-              <a:rPr lang="zh-CN" altLang="en-US" sz="2000" dirty="0"/>
-              <a:t>）</a:t>
+              <a:t>项</a:t>
+            </a:r>
+            <a:r>
+              <a:rPr lang="zh-CN" altLang="en-US" dirty="0" smtClean="0">
+                <a:solidFill>
+                  <a:srgbClr val="CA022A"/>
+                </a:solidFill>
+              </a:rPr>
+              <a:t>目见解</a:t>
+            </a:r>
+            <a:r>
+              <a:rPr lang="en-US" altLang="zh-CN" dirty="0" smtClean="0">
+                <a:solidFill>
+                  <a:srgbClr val="CA022A"/>
+                </a:solidFill>
+              </a:rPr>
+              <a:t>&amp;</a:t>
+            </a:r>
+            <a:r>
+              <a:rPr lang="zh-CN" altLang="en-US" dirty="0" smtClean="0">
+                <a:solidFill>
+                  <a:srgbClr val="CA022A"/>
+                </a:solidFill>
+              </a:rPr>
+              <a:t>展望</a:t>
             </a:r>
             <a:endParaRPr lang="zh-CN" altLang="en-US" sz="2000" dirty="0"/>
           </a:p>
         </p:txBody>
       </p:sp>
-      <p:grpSp>
-        <p:nvGrpSpPr>
-          <p:cNvPr id="5" name="Group 125"/>
-          <p:cNvGrpSpPr/>
-          <p:nvPr/>
-        </p:nvGrpSpPr>
-        <p:grpSpPr>
-          <a:xfrm>
-            <a:off x="467544" y="1249944"/>
-            <a:ext cx="2736304" cy="3049998"/>
-            <a:chOff x="0" y="0"/>
-            <a:chExt cx="4735530" cy="7027095"/>
-          </a:xfrm>
-        </p:grpSpPr>
-        <p:pic>
-          <p:nvPicPr>
-            <p:cNvPr id="6" name="44d2a6f01afea900b48d946b1ce4f7d4a9e6573a27ccf-9N4gSJ_fw658.jpeg"/>
-            <p:cNvPicPr>
-              <a:picLocks noChangeAspect="1"/>
-            </p:cNvPicPr>
-            <p:nvPr/>
-          </p:nvPicPr>
-          <p:blipFill>
-            <a:blip r:embed="rId1"/>
-            <a:stretch>
-              <a:fillRect/>
-            </a:stretch>
-          </p:blipFill>
-          <p:spPr>
-            <a:xfrm>
-              <a:off x="177800" y="114300"/>
-              <a:ext cx="4379931" cy="6569896"/>
-            </a:xfrm>
-            <a:prstGeom prst="rect">
-              <a:avLst/>
-            </a:prstGeom>
-            <a:ln>
-              <a:noFill/>
-            </a:ln>
-            <a:effectLst/>
-          </p:spPr>
-        </p:pic>
-        <p:pic>
-          <p:nvPicPr>
-            <p:cNvPr id="7" name="图片 6"/>
-            <p:cNvPicPr/>
-            <p:nvPr/>
-          </p:nvPicPr>
-          <p:blipFill>
-            <a:blip r:embed="rId2"/>
-            <a:stretch>
-              <a:fillRect/>
-            </a:stretch>
-          </p:blipFill>
-          <p:spPr>
-            <a:xfrm>
-              <a:off x="0" y="0"/>
-              <a:ext cx="4735531" cy="7027096"/>
-            </a:xfrm>
-            <a:prstGeom prst="rect">
-              <a:avLst/>
-            </a:prstGeom>
-            <a:effectLst/>
-          </p:spPr>
-        </p:pic>
-      </p:grpSp>
       <p:sp>
         <p:nvSpPr>
           <p:cNvPr id="8" name="幻灯片编号占位符 3"/>
@@ -6723,8 +9065,113 @@
           <a:p>
             <a:fld id="{0C913308-F349-4B6D-A68A-DD1791B4A57B}" type="slidenum">
               <a:rPr lang="zh-CN" altLang="en-US" smtClean="0"/>
+              <a:t>7</a:t>
             </a:fld>
             <a:endParaRPr lang="zh-CN" altLang="en-US" dirty="0"/>
+          </a:p>
+        </p:txBody>
+      </p:sp>
+      <p:sp>
+        <p:nvSpPr>
+          <p:cNvPr id="10" name="矩形 9"/>
+          <p:cNvSpPr/>
+          <p:nvPr/>
+        </p:nvSpPr>
+        <p:spPr>
+          <a:xfrm>
+            <a:off x="0" y="1131590"/>
+            <a:ext cx="739882" cy="3384376"/>
+          </a:xfrm>
+          <a:prstGeom prst="rect">
+            <a:avLst/>
+          </a:prstGeom>
+          <a:solidFill>
+            <a:schemeClr val="bg1"/>
+          </a:solidFill>
+          <a:ln>
+            <a:noFill/>
+          </a:ln>
+        </p:spPr>
+        <p:style>
+          <a:lnRef idx="2">
+            <a:schemeClr val="accent1">
+              <a:shade val="50000"/>
+            </a:schemeClr>
+          </a:lnRef>
+          <a:fillRef idx="1">
+            <a:schemeClr val="accent1"/>
+          </a:fillRef>
+          <a:effectRef idx="0">
+            <a:schemeClr val="accent1"/>
+          </a:effectRef>
+          <a:fontRef idx="minor">
+            <a:schemeClr val="lt1"/>
+          </a:fontRef>
+        </p:style>
+        <p:txBody>
+          <a:bodyPr rtlCol="0" anchor="ctr"/>
+          <a:lstStyle/>
+          <a:p>
+            <a:pPr algn="ctr" defTabSz="914400"/>
+            <a:endParaRPr kumimoji="0" lang="zh-CN" altLang="en-US" sz="1800" b="0" i="0" u="none" strike="noStrike" kern="0" cap="none" spc="0" normalizeH="0" baseline="0" noProof="0" dirty="0">
+              <a:ln>
+                <a:noFill/>
+              </a:ln>
+              <a:solidFill>
+                <a:sysClr val="windowText" lastClr="000000"/>
+              </a:solidFill>
+              <a:effectLst/>
+              <a:uLnTx/>
+              <a:uFillTx/>
+              <a:cs typeface="+mn-ea"/>
+              <a:sym typeface="+mn-lt"/>
+            </a:endParaRPr>
+          </a:p>
+        </p:txBody>
+      </p:sp>
+      <p:sp>
+        <p:nvSpPr>
+          <p:cNvPr id="12" name="矩形 11"/>
+          <p:cNvSpPr/>
+          <p:nvPr/>
+        </p:nvSpPr>
+        <p:spPr>
+          <a:xfrm>
+            <a:off x="259255" y="467103"/>
+            <a:ext cx="64273" cy="376455"/>
+          </a:xfrm>
+          <a:prstGeom prst="rect">
+            <a:avLst/>
+          </a:prstGeom>
+          <a:solidFill>
+            <a:srgbClr val="FF5400"/>
+          </a:solidFill>
+          <a:ln>
+            <a:noFill/>
+          </a:ln>
+        </p:spPr>
+        <p:style>
+          <a:lnRef idx="2">
+            <a:schemeClr val="accent1">
+              <a:shade val="50000"/>
+            </a:schemeClr>
+          </a:lnRef>
+          <a:fillRef idx="1">
+            <a:schemeClr val="accent1"/>
+          </a:fillRef>
+          <a:effectRef idx="0">
+            <a:schemeClr val="accent1"/>
+          </a:effectRef>
+          <a:fontRef idx="minor">
+            <a:schemeClr val="lt1"/>
+          </a:fontRef>
+        </p:style>
+        <p:txBody>
+          <a:bodyPr rtlCol="0" anchor="ctr"/>
+          <a:lstStyle/>
+          <a:p>
+            <a:pPr algn="ctr"/>
+            <a:endParaRPr kumimoji="1" lang="zh-CN" altLang="en-US" sz="1350"/>
           </a:p>
         </p:txBody>
       </p:sp>
@@ -6760,6 +9207,36 @@
           <a:chExt cx="0" cy="0"/>
         </a:xfrm>
       </p:grpSpPr>
+      <p:pic>
+        <p:nvPicPr>
+          <p:cNvPr id="4" name="图片 3"/>
+          <p:cNvPicPr>
+            <a:picLocks noChangeAspect="1"/>
+          </p:cNvPicPr>
+          <p:nvPr/>
+        </p:nvPicPr>
+        <p:blipFill>
+          <a:blip r:embed="rId3">
+            <a:extLst>
+              <a:ext uri="{28A0092B-C50C-407E-A947-70E740481C1C}">
+                <a14:useLocalDpi xmlns:a14="http://schemas.microsoft.com/office/drawing/2010/main" val="0"/>
+              </a:ext>
+            </a:extLst>
+          </a:blip>
+          <a:stretch>
+            <a:fillRect/>
+          </a:stretch>
+        </p:blipFill>
+        <p:spPr>
+          <a:xfrm>
+            <a:off x="0" y="1010740"/>
+            <a:ext cx="9144000" cy="3513360"/>
+          </a:xfrm>
+          <a:prstGeom prst="rect">
+            <a:avLst/>
+          </a:prstGeom>
+        </p:spPr>
+      </p:pic>
       <p:sp>
         <p:nvSpPr>
           <p:cNvPr id="2" name="内容占位符 1"/>
@@ -6772,7 +9249,7 @@
         </p:nvSpPr>
         <p:spPr>
           <a:xfrm>
-            <a:off x="3348000" y="1393200"/>
+            <a:off x="6623788" y="3464025"/>
             <a:ext cx="5040424" cy="2880320"/>
           </a:xfrm>
         </p:spPr>
@@ -6780,53 +9257,28 @@
           <a:bodyPr/>
           <a:lstStyle/>
           <a:p>
-            <a:pPr marL="0" indent="0">
-              <a:buNone/>
-            </a:pPr>
-            <a:r>
-              <a:rPr lang="zh-CN" altLang="en-US" dirty="0">
-                <a:latin typeface="微软雅黑" panose="020B0503020204020204" charset="-122"/>
-                <a:ea typeface="微软雅黑" panose="020B0503020204020204" charset="-122"/>
-                <a:cs typeface="微软雅黑" panose="020B0503020204020204" charset="-122"/>
-              </a:rPr>
-              <a:t>国美互联网（微软雅黑</a:t>
-            </a:r>
-            <a:r>
-              <a:rPr lang="en-US" altLang="zh-CN" dirty="0">
-                <a:latin typeface="微软雅黑" panose="020B0503020204020204" charset="-122"/>
-                <a:ea typeface="微软雅黑" panose="020B0503020204020204" charset="-122"/>
-                <a:cs typeface="微软雅黑" panose="020B0503020204020204" charset="-122"/>
-              </a:rPr>
-              <a:t>16</a:t>
-            </a:r>
-            <a:r>
-              <a:rPr lang="zh-CN" altLang="en-US" dirty="0">
-                <a:latin typeface="微软雅黑" panose="020B0503020204020204" charset="-122"/>
-                <a:ea typeface="微软雅黑" panose="020B0503020204020204" charset="-122"/>
-                <a:cs typeface="微软雅黑" panose="020B0503020204020204" charset="-122"/>
-              </a:rPr>
-              <a:t>）</a:t>
-            </a:r>
-            <a:endParaRPr lang="en-US" altLang="zh-CN" dirty="0">
-              <a:latin typeface="微软雅黑" panose="020B0503020204020204" charset="-122"/>
-              <a:ea typeface="微软雅黑" panose="020B0503020204020204" charset="-122"/>
-              <a:cs typeface="微软雅黑" panose="020B0503020204020204" charset="-122"/>
-            </a:endParaRPr>
-          </a:p>
-          <a:p>
+            <a:r>
+              <a:rPr lang="zh-CN" altLang="en-US" dirty="0" smtClean="0"/>
+              <a:t>办公场景</a:t>
+            </a:r>
+            <a:endParaRPr lang="en-US" altLang="zh-CN" dirty="0" smtClean="0"/>
+          </a:p>
+          <a:p>
+            <a:r>
+              <a:rPr lang="zh-CN" altLang="en-US" dirty="0" smtClean="0"/>
+              <a:t>文档标准化</a:t>
+            </a:r>
+            <a:endParaRPr lang="en-US" altLang="zh-CN" dirty="0" smtClean="0"/>
+          </a:p>
+          <a:p>
+            <a:r>
+              <a:rPr lang="zh-CN" altLang="en-US" dirty="0" smtClean="0"/>
+              <a:t>良好的代码设</a:t>
+            </a:r>
             <a:r>
               <a:rPr lang="zh-CN" altLang="en-US" dirty="0"/>
-              <a:t>技术介绍</a:t>
-            </a:r>
-            <a:r>
-              <a:rPr lang="en-US" altLang="zh-CN" dirty="0"/>
-              <a:t>--</a:t>
-            </a:r>
-            <a:r>
-              <a:rPr dirty="0"/>
-              <a:t>总图</a:t>
-            </a:r>
-            <a:endParaRPr dirty="0"/>
+              <a:t>计</a:t>
+            </a:r>
           </a:p>
         </p:txBody>
       </p:sp>
@@ -6846,103 +9298,41 @@
           <a:lstStyle/>
           <a:p>
             <a:r>
-              <a:rPr lang="zh-CN" altLang="en-US" dirty="0"/>
-              <a:t>国美互联网</a:t>
-            </a:r>
-            <a:r>
-              <a:rPr lang="zh-CN" altLang="en-US" sz="2000" dirty="0"/>
-              <a:t>（微软雅黑</a:t>
-            </a:r>
-            <a:r>
-              <a:rPr lang="en-US" altLang="zh-CN" sz="2000" dirty="0"/>
-              <a:t>28</a:t>
-            </a:r>
-            <a:r>
-              <a:rPr lang="zh-CN" altLang="en-US" sz="2000" dirty="0"/>
-              <a:t>，</a:t>
-            </a:r>
-            <a:r>
-              <a:rPr lang="zh-CN" altLang="en-US" sz="2000" dirty="0">
-                <a:solidFill>
-                  <a:srgbClr val="FF0000"/>
+              <a:rPr lang="zh-CN" altLang="en-US" dirty="0">
+                <a:solidFill>
+                  <a:srgbClr val="CA022A"/>
                 </a:solidFill>
               </a:rPr>
-              <a:t>文字可变红</a:t>
-            </a:r>
-            <a:r>
-              <a:rPr lang="zh-CN" altLang="en-US" sz="2000" dirty="0"/>
-              <a:t>）</a:t>
+              <a:t>项</a:t>
+            </a:r>
+            <a:r>
+              <a:rPr lang="zh-CN" altLang="en-US" dirty="0" smtClean="0">
+                <a:solidFill>
+                  <a:srgbClr val="CA022A"/>
+                </a:solidFill>
+              </a:rPr>
+              <a:t>目见解</a:t>
+            </a:r>
+            <a:r>
+              <a:rPr lang="en-US" altLang="zh-CN" dirty="0" smtClean="0">
+                <a:solidFill>
+                  <a:srgbClr val="CA022A"/>
+                </a:solidFill>
+              </a:rPr>
+              <a:t>&amp;</a:t>
+            </a:r>
+            <a:r>
+              <a:rPr lang="zh-CN" altLang="en-US" dirty="0" smtClean="0">
+                <a:solidFill>
+                  <a:srgbClr val="CA022A"/>
+                </a:solidFill>
+              </a:rPr>
+              <a:t>展望</a:t>
             </a:r>
             <a:endParaRPr lang="zh-CN" altLang="en-US" sz="2000" dirty="0"/>
           </a:p>
         </p:txBody>
       </p:sp>
-      <p:grpSp>
-        <p:nvGrpSpPr>
-          <p:cNvPr id="5" name="Group 125"/>
-          <p:cNvGrpSpPr/>
-          <p:nvPr/>
-        </p:nvGrpSpPr>
-        <p:grpSpPr>
-          <a:xfrm>
-            <a:off x="467544" y="1249944"/>
-            <a:ext cx="2736304" cy="3049998"/>
-            <a:chOff x="0" y="0"/>
-            <a:chExt cx="4735530" cy="7027095"/>
-          </a:xfrm>
-        </p:grpSpPr>
-        <p:pic>
-          <p:nvPicPr>
-            <p:cNvPr id="6" name="44d2a6f01afea900b48d946b1ce4f7d4a9e6573a27ccf-9N4gSJ_fw658.jpeg"/>
-            <p:cNvPicPr>
-              <a:picLocks noChangeAspect="1"/>
-            </p:cNvPicPr>
-            <p:nvPr/>
-          </p:nvPicPr>
-          <p:blipFill>
-            <a:blip r:embed="rId1"/>
-            <a:stretch>
-              <a:fillRect/>
-            </a:stretch>
-          </p:blipFill>
-          <p:spPr>
-            <a:xfrm>
-              <a:off x="177800" y="114300"/>
-              <a:ext cx="4379931" cy="6569896"/>
-            </a:xfrm>
-            <a:prstGeom prst="rect">
-              <a:avLst/>
-            </a:prstGeom>
-            <a:ln>
-              <a:noFill/>
-            </a:ln>
-            <a:effectLst/>
-          </p:spPr>
-        </p:pic>
-        <p:pic>
-          <p:nvPicPr>
-            <p:cNvPr id="7" name="图片 6"/>
-            <p:cNvPicPr/>
-            <p:nvPr/>
-          </p:nvPicPr>
-          <p:blipFill>
-            <a:blip r:embed="rId2"/>
-            <a:stretch>
-              <a:fillRect/>
-            </a:stretch>
-          </p:blipFill>
-          <p:spPr>
-            <a:xfrm>
-              <a:off x="0" y="0"/>
-              <a:ext cx="4735531" cy="7027096"/>
-            </a:xfrm>
-            <a:prstGeom prst="rect">
-              <a:avLst/>
-            </a:prstGeom>
-            <a:effectLst/>
-          </p:spPr>
-        </p:pic>
-      </p:grpSp>
       <p:sp>
         <p:nvSpPr>
           <p:cNvPr id="8" name="幻灯片编号占位符 3"/>
@@ -7060,12 +9450,64 @@
           <a:p>
             <a:fld id="{0C913308-F349-4B6D-A68A-DD1791B4A57B}" type="slidenum">
               <a:rPr lang="zh-CN" altLang="en-US" smtClean="0"/>
+              <a:t>8</a:t>
             </a:fld>
             <a:endParaRPr lang="zh-CN" altLang="en-US" dirty="0"/>
+          </a:p>
+        </p:txBody>
+      </p:sp>
+      <p:sp>
+        <p:nvSpPr>
+          <p:cNvPr id="9" name="矩形 8"/>
+          <p:cNvSpPr/>
+          <p:nvPr/>
+        </p:nvSpPr>
+        <p:spPr>
+          <a:xfrm>
+            <a:off x="259255" y="467103"/>
+            <a:ext cx="64273" cy="376455"/>
+          </a:xfrm>
+          <a:prstGeom prst="rect">
+            <a:avLst/>
+          </a:prstGeom>
+          <a:solidFill>
+            <a:srgbClr val="FF5400"/>
+          </a:solidFill>
+          <a:ln>
+            <a:noFill/>
+          </a:ln>
+        </p:spPr>
+        <p:style>
+          <a:lnRef idx="2">
+            <a:schemeClr val="accent1">
+              <a:shade val="50000"/>
+            </a:schemeClr>
+          </a:lnRef>
+          <a:fillRef idx="1">
+            <a:schemeClr val="accent1"/>
+          </a:fillRef>
+          <a:effectRef idx="0">
+            <a:schemeClr val="accent1"/>
+          </a:effectRef>
+          <a:fontRef idx="minor">
+            <a:schemeClr val="lt1"/>
+          </a:fontRef>
+        </p:style>
+        <p:txBody>
+          <a:bodyPr rtlCol="0" anchor="ctr"/>
+          <a:lstStyle/>
+          <a:p>
+            <a:pPr algn="ctr"/>
+            <a:endParaRPr kumimoji="1" lang="zh-CN" altLang="en-US" sz="1350"/>
           </a:p>
         </p:txBody>
       </p:sp>
     </p:spTree>
+    <p:extLst>
+      <p:ext uri="{BB962C8B-B14F-4D97-AF65-F5344CB8AC3E}">
+        <p14:creationId xmlns:p14="http://schemas.microsoft.com/office/powerpoint/2010/main" val="2424838715"/>
+      </p:ext>
+    </p:extLst>
   </p:cSld>
   <p:clrMapOvr>
     <a:masterClrMapping/>
@@ -7409,6 +9851,7 @@
       </a:style>
     </a:spDef>
   </a:objectDefaults>
+  <a:extraClrSchemeLst/>
   <a:extLst>
     <a:ext uri="{05A4C25C-085E-4340-85A3-A5531E510DB2}">
       <thm15:themeFamily xmlns:thm15="http://schemas.microsoft.com/office/thememl/2012/main" name="Office Theme" id="{62F939B6-93AF-4DB8-9C6B-D6C7DFDC589F}" vid="{4A3C46E8-61CC-4603-A589-7422A47A8E4A}"/>
@@ -7668,6 +10111,8 @@
       </a:bgFillStyleLst>
     </a:fmtScheme>
   </a:themeElements>
+  <a:objectDefaults/>
+  <a:extraClrSchemeLst/>
   <a:extLst>
     <a:ext uri="{05A4C25C-085E-4340-85A3-A5531E510DB2}">
       <thm15:themeFamily xmlns:thm15="http://schemas.microsoft.com/office/thememl/2012/main" name="Office Theme" id="{62F939B6-93AF-4DB8-9C6B-D6C7DFDC589F}" vid="{4A3C46E8-61CC-4603-A589-7422A47A8E4A}"/>
@@ -7992,6 +10437,7 @@
       </a:style>
     </a:lnDef>
   </a:objectDefaults>
+  <a:extraClrSchemeLst/>
   <a:extLst>
     <a:ext uri="{05A4C25C-085E-4340-85A3-A5531E510DB2}">
       <thm15:themeFamily xmlns:thm15="http://schemas.microsoft.com/office/thememl/2012/main" name="Office Theme" id="{62F939B6-93AF-4DB8-9C6B-D6C7DFDC589F}" vid="{4A3C46E8-61CC-4603-A589-7422A47A8E4A}"/>
